--- a/SpatialRoleLabeling/doc/Group presentation.pptx
+++ b/SpatialRoleLabeling/doc/Group presentation.pptx
@@ -6,7 +6,7 @@
     <p:sldMasterId id="2147483649" r:id="rId2"/>
   </p:sldMasterIdLst>
   <p:notesMasterIdLst>
-    <p:notesMasterId r:id="rId22"/>
+    <p:notesMasterId r:id="rId24"/>
   </p:notesMasterIdLst>
   <p:sldIdLst>
     <p:sldId id="256" r:id="rId3"/>
@@ -24,10 +24,12 @@
     <p:sldId id="275" r:id="rId15"/>
     <p:sldId id="277" r:id="rId16"/>
     <p:sldId id="276" r:id="rId17"/>
-    <p:sldId id="278" r:id="rId18"/>
-    <p:sldId id="264" r:id="rId19"/>
-    <p:sldId id="261" r:id="rId20"/>
-    <p:sldId id="260" r:id="rId21"/>
+    <p:sldId id="280" r:id="rId18"/>
+    <p:sldId id="281" r:id="rId19"/>
+    <p:sldId id="278" r:id="rId20"/>
+    <p:sldId id="264" r:id="rId21"/>
+    <p:sldId id="261" r:id="rId22"/>
+    <p:sldId id="260" r:id="rId23"/>
   </p:sldIdLst>
   <p:sldSz cx="9144000" cy="6858000" type="screen4x3"/>
   <p:notesSz cx="6858000" cy="9144000"/>
@@ -2610,10 +2612,484 @@
           <a:bodyPr/>
           <a:lstStyle/>
           <a:p>
+            <a:fld id="{A16A351F-7157-4CCE-9650-F13C7935C758}" type="slidenum">
+              <a:rPr lang="en-US"/>
+              <a:pPr/>
+              <a:t>18</a:t>
+            </a:fld>
+            <a:endParaRPr lang="en-US"/>
+          </a:p>
+        </p:txBody>
+      </p:sp>
+      <p:sp>
+        <p:nvSpPr>
+          <p:cNvPr id="10241" name="Rectangle 1"/>
+          <p:cNvSpPr txBox="1">
+            <a:spLocks noGrp="1" noRot="1" noChangeAspect="1" noChangeArrowheads="1"/>
+          </p:cNvSpPr>
+          <p:nvPr>
+            <p:ph type="sldImg"/>
+          </p:nvPr>
+        </p:nvSpPr>
+        <p:spPr bwMode="auto">
+          <a:xfrm>
+            <a:off x="1143000" y="685800"/>
+            <a:ext cx="4572000" cy="3429000"/>
+          </a:xfrm>
+          <a:prstGeom prst="rect">
+            <a:avLst/>
+          </a:prstGeom>
+          <a:solidFill>
+            <a:srgbClr val="FFFFFF"/>
+          </a:solidFill>
+          <a:ln>
+            <a:solidFill>
+              <a:srgbClr val="000000"/>
+            </a:solidFill>
+            <a:miter lim="800000"/>
+            <a:headEnd/>
+            <a:tailEnd/>
+          </a:ln>
+          <a:extLst>
+            <a:ext uri="{AF507438-7753-43E0-B8FC-AC1667EBCBE1}">
+              <a14:hiddenEffects xmlns:a14="http://schemas.microsoft.com/office/drawing/2010/main">
+                <a:effectLst>
+                  <a:outerShdw dist="35921" dir="2700000" algn="ctr" rotWithShape="0">
+                    <a:srgbClr val="808080"/>
+                  </a:outerShdw>
+                </a:effectLst>
+              </a14:hiddenEffects>
+            </a:ext>
+          </a:extLst>
+        </p:spPr>
+      </p:sp>
+      <p:sp>
+        <p:nvSpPr>
+          <p:cNvPr id="10242" name="Rectangle 2"/>
+          <p:cNvSpPr txBox="1">
+            <a:spLocks noGrp="1" noChangeArrowheads="1"/>
+          </p:cNvSpPr>
+          <p:nvPr>
+            <p:ph type="body" idx="1"/>
+          </p:nvPr>
+        </p:nvSpPr>
+        <p:spPr bwMode="auto">
+          <a:xfrm>
+            <a:off x="685800" y="4343400"/>
+            <a:ext cx="5486400" cy="4114800"/>
+          </a:xfrm>
+          <a:prstGeom prst="rect">
+            <a:avLst/>
+          </a:prstGeom>
+          <a:noFill/>
+          <a:ln/>
+          <a:extLst>
+            <a:ext uri="{909E8E84-426E-40DD-AFC4-6F175D3DCCD1}">
+              <a14:hiddenFill xmlns:a14="http://schemas.microsoft.com/office/drawing/2010/main">
+                <a:solidFill>
+                  <a:srgbClr val="FFFFFF"/>
+                </a:solidFill>
+              </a14:hiddenFill>
+            </a:ext>
+            <a:ext uri="{91240B29-F687-4F45-9708-019B960494DF}">
+              <a14:hiddenLine xmlns:a14="http://schemas.microsoft.com/office/drawing/2010/main" w="9525">
+                <a:solidFill>
+                  <a:srgbClr val="000000"/>
+                </a:solidFill>
+                <a:round/>
+                <a:headEnd/>
+                <a:tailEnd/>
+              </a14:hiddenLine>
+            </a:ext>
+            <a:ext uri="{AF507438-7753-43E0-B8FC-AC1667EBCBE1}">
+              <a14:hiddenEffects xmlns:a14="http://schemas.microsoft.com/office/drawing/2010/main">
+                <a:effectLst>
+                  <a:outerShdw dist="35921" dir="2700000" algn="ctr" rotWithShape="0">
+                    <a:srgbClr val="808080"/>
+                  </a:outerShdw>
+                </a:effectLst>
+              </a14:hiddenEffects>
+            </a:ext>
+          </a:extLst>
+        </p:spPr>
+        <p:txBody>
+          <a:bodyPr wrap="none" anchor="ctr"/>
+          <a:lstStyle/>
+          <a:p>
+            <a:endParaRPr lang="en-US"/>
+          </a:p>
+        </p:txBody>
+      </p:sp>
+    </p:spTree>
+  </p:cSld>
+  <p:clrMapOvr>
+    <a:masterClrMapping/>
+  </p:clrMapOvr>
+</p:notes>
+</file>
+
+<file path=ppt/notesSlides/notesSlide19.xml><?xml version="1.0" encoding="utf-8"?>
+<p:notes xmlns:a="http://schemas.openxmlformats.org/drawingml/2006/main" xmlns:r="http://schemas.openxmlformats.org/officeDocument/2006/relationships" xmlns:p="http://schemas.openxmlformats.org/presentationml/2006/main">
+  <p:cSld>
+    <p:bg>
+      <p:bgPr>
+        <a:solidFill>
+          <a:srgbClr val="FFFFFF"/>
+        </a:solidFill>
+        <a:effectLst/>
+      </p:bgPr>
+    </p:bg>
+    <p:spTree>
+      <p:nvGrpSpPr>
+        <p:cNvPr id="1" name=""/>
+        <p:cNvGrpSpPr/>
+        <p:nvPr/>
+      </p:nvGrpSpPr>
+      <p:grpSpPr>
+        <a:xfrm>
+          <a:off x="0" y="0"/>
+          <a:ext cx="0" cy="0"/>
+          <a:chOff x="0" y="0"/>
+          <a:chExt cx="0" cy="0"/>
+        </a:xfrm>
+      </p:grpSpPr>
+      <p:sp>
+        <p:nvSpPr>
+          <p:cNvPr id="7" name="Rectangle 12"/>
+          <p:cNvSpPr>
+            <a:spLocks noGrp="1" noChangeArrowheads="1"/>
+          </p:cNvSpPr>
+          <p:nvPr>
+            <p:ph type="sldNum"/>
+          </p:nvPr>
+        </p:nvSpPr>
+        <p:spPr>
+          <a:ln/>
+        </p:spPr>
+        <p:txBody>
+          <a:bodyPr/>
+          <a:lstStyle/>
+          <a:p>
+            <a:fld id="{A16A351F-7157-4CCE-9650-F13C7935C758}" type="slidenum">
+              <a:rPr lang="en-US"/>
+              <a:pPr/>
+              <a:t>19</a:t>
+            </a:fld>
+            <a:endParaRPr lang="en-US"/>
+          </a:p>
+        </p:txBody>
+      </p:sp>
+      <p:sp>
+        <p:nvSpPr>
+          <p:cNvPr id="10241" name="Rectangle 1"/>
+          <p:cNvSpPr txBox="1">
+            <a:spLocks noGrp="1" noRot="1" noChangeAspect="1" noChangeArrowheads="1"/>
+          </p:cNvSpPr>
+          <p:nvPr>
+            <p:ph type="sldImg"/>
+          </p:nvPr>
+        </p:nvSpPr>
+        <p:spPr bwMode="auto">
+          <a:xfrm>
+            <a:off x="1143000" y="685800"/>
+            <a:ext cx="4572000" cy="3429000"/>
+          </a:xfrm>
+          <a:prstGeom prst="rect">
+            <a:avLst/>
+          </a:prstGeom>
+          <a:solidFill>
+            <a:srgbClr val="FFFFFF"/>
+          </a:solidFill>
+          <a:ln>
+            <a:solidFill>
+              <a:srgbClr val="000000"/>
+            </a:solidFill>
+            <a:miter lim="800000"/>
+            <a:headEnd/>
+            <a:tailEnd/>
+          </a:ln>
+          <a:extLst>
+            <a:ext uri="{AF507438-7753-43E0-B8FC-AC1667EBCBE1}">
+              <a14:hiddenEffects xmlns:a14="http://schemas.microsoft.com/office/drawing/2010/main">
+                <a:effectLst>
+                  <a:outerShdw dist="35921" dir="2700000" algn="ctr" rotWithShape="0">
+                    <a:srgbClr val="808080"/>
+                  </a:outerShdw>
+                </a:effectLst>
+              </a14:hiddenEffects>
+            </a:ext>
+          </a:extLst>
+        </p:spPr>
+      </p:sp>
+      <p:sp>
+        <p:nvSpPr>
+          <p:cNvPr id="10242" name="Rectangle 2"/>
+          <p:cNvSpPr txBox="1">
+            <a:spLocks noGrp="1" noChangeArrowheads="1"/>
+          </p:cNvSpPr>
+          <p:nvPr>
+            <p:ph type="body" idx="1"/>
+          </p:nvPr>
+        </p:nvSpPr>
+        <p:spPr bwMode="auto">
+          <a:xfrm>
+            <a:off x="685800" y="4343400"/>
+            <a:ext cx="5486400" cy="4114800"/>
+          </a:xfrm>
+          <a:prstGeom prst="rect">
+            <a:avLst/>
+          </a:prstGeom>
+          <a:noFill/>
+          <a:ln/>
+          <a:extLst>
+            <a:ext uri="{909E8E84-426E-40DD-AFC4-6F175D3DCCD1}">
+              <a14:hiddenFill xmlns:a14="http://schemas.microsoft.com/office/drawing/2010/main">
+                <a:solidFill>
+                  <a:srgbClr val="FFFFFF"/>
+                </a:solidFill>
+              </a14:hiddenFill>
+            </a:ext>
+            <a:ext uri="{91240B29-F687-4F45-9708-019B960494DF}">
+              <a14:hiddenLine xmlns:a14="http://schemas.microsoft.com/office/drawing/2010/main" w="9525">
+                <a:solidFill>
+                  <a:srgbClr val="000000"/>
+                </a:solidFill>
+                <a:round/>
+                <a:headEnd/>
+                <a:tailEnd/>
+              </a14:hiddenLine>
+            </a:ext>
+            <a:ext uri="{AF507438-7753-43E0-B8FC-AC1667EBCBE1}">
+              <a14:hiddenEffects xmlns:a14="http://schemas.microsoft.com/office/drawing/2010/main">
+                <a:effectLst>
+                  <a:outerShdw dist="35921" dir="2700000" algn="ctr" rotWithShape="0">
+                    <a:srgbClr val="808080"/>
+                  </a:outerShdw>
+                </a:effectLst>
+              </a14:hiddenEffects>
+            </a:ext>
+          </a:extLst>
+        </p:spPr>
+        <p:txBody>
+          <a:bodyPr wrap="none" anchor="ctr"/>
+          <a:lstStyle/>
+          <a:p>
+            <a:endParaRPr lang="en-US"/>
+          </a:p>
+        </p:txBody>
+      </p:sp>
+    </p:spTree>
+  </p:cSld>
+  <p:clrMapOvr>
+    <a:masterClrMapping/>
+  </p:clrMapOvr>
+</p:notes>
+</file>
+
+<file path=ppt/notesSlides/notesSlide2.xml><?xml version="1.0" encoding="utf-8"?>
+<p:notes xmlns:a="http://schemas.openxmlformats.org/drawingml/2006/main" xmlns:r="http://schemas.openxmlformats.org/officeDocument/2006/relationships" xmlns:p="http://schemas.openxmlformats.org/presentationml/2006/main">
+  <p:cSld>
+    <p:bg>
+      <p:bgPr>
+        <a:solidFill>
+          <a:srgbClr val="FFFFFF"/>
+        </a:solidFill>
+        <a:effectLst/>
+      </p:bgPr>
+    </p:bg>
+    <p:spTree>
+      <p:nvGrpSpPr>
+        <p:cNvPr id="1" name=""/>
+        <p:cNvGrpSpPr/>
+        <p:nvPr/>
+      </p:nvGrpSpPr>
+      <p:grpSpPr>
+        <a:xfrm>
+          <a:off x="0" y="0"/>
+          <a:ext cx="0" cy="0"/>
+          <a:chOff x="0" y="0"/>
+          <a:chExt cx="0" cy="0"/>
+        </a:xfrm>
+      </p:grpSpPr>
+      <p:sp>
+        <p:nvSpPr>
+          <p:cNvPr id="7" name="Rectangle 12"/>
+          <p:cNvSpPr>
+            <a:spLocks noGrp="1" noChangeArrowheads="1"/>
+          </p:cNvSpPr>
+          <p:nvPr>
+            <p:ph type="sldNum"/>
+          </p:nvPr>
+        </p:nvSpPr>
+        <p:spPr>
+          <a:ln/>
+        </p:spPr>
+        <p:txBody>
+          <a:bodyPr/>
+          <a:lstStyle/>
+          <a:p>
+            <a:fld id="{A16A351F-7157-4CCE-9650-F13C7935C758}" type="slidenum">
+              <a:rPr lang="en-US"/>
+              <a:pPr/>
+              <a:t>2</a:t>
+            </a:fld>
+            <a:endParaRPr lang="en-US"/>
+          </a:p>
+        </p:txBody>
+      </p:sp>
+      <p:sp>
+        <p:nvSpPr>
+          <p:cNvPr id="10241" name="Rectangle 1"/>
+          <p:cNvSpPr txBox="1">
+            <a:spLocks noGrp="1" noRot="1" noChangeAspect="1" noChangeArrowheads="1"/>
+          </p:cNvSpPr>
+          <p:nvPr>
+            <p:ph type="sldImg"/>
+          </p:nvPr>
+        </p:nvSpPr>
+        <p:spPr bwMode="auto">
+          <a:xfrm>
+            <a:off x="1143000" y="685800"/>
+            <a:ext cx="4572000" cy="3429000"/>
+          </a:xfrm>
+          <a:prstGeom prst="rect">
+            <a:avLst/>
+          </a:prstGeom>
+          <a:solidFill>
+            <a:srgbClr val="FFFFFF"/>
+          </a:solidFill>
+          <a:ln>
+            <a:solidFill>
+              <a:srgbClr val="000000"/>
+            </a:solidFill>
+            <a:miter lim="800000"/>
+            <a:headEnd/>
+            <a:tailEnd/>
+          </a:ln>
+          <a:extLst>
+            <a:ext uri="{AF507438-7753-43E0-B8FC-AC1667EBCBE1}">
+              <a14:hiddenEffects xmlns:a14="http://schemas.microsoft.com/office/drawing/2010/main">
+                <a:effectLst>
+                  <a:outerShdw dist="35921" dir="2700000" algn="ctr" rotWithShape="0">
+                    <a:srgbClr val="808080"/>
+                  </a:outerShdw>
+                </a:effectLst>
+              </a14:hiddenEffects>
+            </a:ext>
+          </a:extLst>
+        </p:spPr>
+      </p:sp>
+      <p:sp>
+        <p:nvSpPr>
+          <p:cNvPr id="10242" name="Rectangle 2"/>
+          <p:cNvSpPr txBox="1">
+            <a:spLocks noGrp="1" noChangeArrowheads="1"/>
+          </p:cNvSpPr>
+          <p:nvPr>
+            <p:ph type="body" idx="1"/>
+          </p:nvPr>
+        </p:nvSpPr>
+        <p:spPr bwMode="auto">
+          <a:xfrm>
+            <a:off x="685800" y="4343400"/>
+            <a:ext cx="5486400" cy="4114800"/>
+          </a:xfrm>
+          <a:prstGeom prst="rect">
+            <a:avLst/>
+          </a:prstGeom>
+          <a:noFill/>
+          <a:ln/>
+          <a:extLst>
+            <a:ext uri="{909E8E84-426E-40DD-AFC4-6F175D3DCCD1}">
+              <a14:hiddenFill xmlns:a14="http://schemas.microsoft.com/office/drawing/2010/main">
+                <a:solidFill>
+                  <a:srgbClr val="FFFFFF"/>
+                </a:solidFill>
+              </a14:hiddenFill>
+            </a:ext>
+            <a:ext uri="{91240B29-F687-4F45-9708-019B960494DF}">
+              <a14:hiddenLine xmlns:a14="http://schemas.microsoft.com/office/drawing/2010/main" w="9525">
+                <a:solidFill>
+                  <a:srgbClr val="000000"/>
+                </a:solidFill>
+                <a:round/>
+                <a:headEnd/>
+                <a:tailEnd/>
+              </a14:hiddenLine>
+            </a:ext>
+            <a:ext uri="{AF507438-7753-43E0-B8FC-AC1667EBCBE1}">
+              <a14:hiddenEffects xmlns:a14="http://schemas.microsoft.com/office/drawing/2010/main">
+                <a:effectLst>
+                  <a:outerShdw dist="35921" dir="2700000" algn="ctr" rotWithShape="0">
+                    <a:srgbClr val="808080"/>
+                  </a:outerShdw>
+                </a:effectLst>
+              </a14:hiddenEffects>
+            </a:ext>
+          </a:extLst>
+        </p:spPr>
+        <p:txBody>
+          <a:bodyPr wrap="none" anchor="ctr"/>
+          <a:lstStyle/>
+          <a:p>
+            <a:endParaRPr lang="en-US"/>
+          </a:p>
+        </p:txBody>
+      </p:sp>
+    </p:spTree>
+  </p:cSld>
+  <p:clrMapOvr>
+    <a:masterClrMapping/>
+  </p:clrMapOvr>
+</p:notes>
+</file>
+
+<file path=ppt/notesSlides/notesSlide20.xml><?xml version="1.0" encoding="utf-8"?>
+<p:notes xmlns:a="http://schemas.openxmlformats.org/drawingml/2006/main" xmlns:r="http://schemas.openxmlformats.org/officeDocument/2006/relationships" xmlns:p="http://schemas.openxmlformats.org/presentationml/2006/main">
+  <p:cSld>
+    <p:bg>
+      <p:bgPr>
+        <a:solidFill>
+          <a:srgbClr val="FFFFFF"/>
+        </a:solidFill>
+        <a:effectLst/>
+      </p:bgPr>
+    </p:bg>
+    <p:spTree>
+      <p:nvGrpSpPr>
+        <p:cNvPr id="1" name=""/>
+        <p:cNvGrpSpPr/>
+        <p:nvPr/>
+      </p:nvGrpSpPr>
+      <p:grpSpPr>
+        <a:xfrm>
+          <a:off x="0" y="0"/>
+          <a:ext cx="0" cy="0"/>
+          <a:chOff x="0" y="0"/>
+          <a:chExt cx="0" cy="0"/>
+        </a:xfrm>
+      </p:grpSpPr>
+      <p:sp>
+        <p:nvSpPr>
+          <p:cNvPr id="7" name="Rectangle 12"/>
+          <p:cNvSpPr>
+            <a:spLocks noGrp="1" noChangeArrowheads="1"/>
+          </p:cNvSpPr>
+          <p:nvPr>
+            <p:ph type="sldNum"/>
+          </p:nvPr>
+        </p:nvSpPr>
+        <p:spPr>
+          <a:ln/>
+        </p:spPr>
+        <p:txBody>
+          <a:bodyPr/>
+          <a:lstStyle/>
+          <a:p>
             <a:fld id="{4D0E4621-4E51-488B-B25F-C77BDC55D452}" type="slidenum">
               <a:rPr lang="en-US"/>
               <a:pPr/>
-              <a:t>18</a:t>
+              <a:t>20</a:t>
             </a:fld>
             <a:endParaRPr lang="en-US"/>
           </a:p>
@@ -2726,7 +3202,7 @@
 </p:notes>
 </file>
 
-<file path=ppt/notesSlides/notesSlide19.xml><?xml version="1.0" encoding="utf-8"?>
+<file path=ppt/notesSlides/notesSlide21.xml><?xml version="1.0" encoding="utf-8"?>
 <p:notes xmlns:a="http://schemas.openxmlformats.org/drawingml/2006/main" xmlns:r="http://schemas.openxmlformats.org/officeDocument/2006/relationships" xmlns:p="http://schemas.openxmlformats.org/presentationml/2006/main">
   <p:cSld>
     <p:bg>
@@ -2771,7 +3247,7 @@
             <a:fld id="{71E5C5E3-2AEC-4469-9CFC-019D62BF0AD3}" type="slidenum">
               <a:rPr lang="en-US"/>
               <a:pPr/>
-              <a:t>19</a:t>
+              <a:t>21</a:t>
             </a:fld>
             <a:endParaRPr lang="en-US"/>
           </a:p>
@@ -2822,164 +3298,6 @@
       <p:sp>
         <p:nvSpPr>
           <p:cNvPr id="13314" name="Rectangle 2"/>
-          <p:cNvSpPr txBox="1">
-            <a:spLocks noGrp="1" noChangeArrowheads="1"/>
-          </p:cNvSpPr>
-          <p:nvPr>
-            <p:ph type="body" idx="1"/>
-          </p:nvPr>
-        </p:nvSpPr>
-        <p:spPr bwMode="auto">
-          <a:xfrm>
-            <a:off x="685800" y="4343400"/>
-            <a:ext cx="5486400" cy="4114800"/>
-          </a:xfrm>
-          <a:prstGeom prst="rect">
-            <a:avLst/>
-          </a:prstGeom>
-          <a:noFill/>
-          <a:ln/>
-          <a:extLst>
-            <a:ext uri="{909E8E84-426E-40DD-AFC4-6F175D3DCCD1}">
-              <a14:hiddenFill xmlns:a14="http://schemas.microsoft.com/office/drawing/2010/main">
-                <a:solidFill>
-                  <a:srgbClr val="FFFFFF"/>
-                </a:solidFill>
-              </a14:hiddenFill>
-            </a:ext>
-            <a:ext uri="{91240B29-F687-4F45-9708-019B960494DF}">
-              <a14:hiddenLine xmlns:a14="http://schemas.microsoft.com/office/drawing/2010/main" w="9525">
-                <a:solidFill>
-                  <a:srgbClr val="000000"/>
-                </a:solidFill>
-                <a:round/>
-                <a:headEnd/>
-                <a:tailEnd/>
-              </a14:hiddenLine>
-            </a:ext>
-            <a:ext uri="{AF507438-7753-43E0-B8FC-AC1667EBCBE1}">
-              <a14:hiddenEffects xmlns:a14="http://schemas.microsoft.com/office/drawing/2010/main">
-                <a:effectLst>
-                  <a:outerShdw dist="35921" dir="2700000" algn="ctr" rotWithShape="0">
-                    <a:srgbClr val="808080"/>
-                  </a:outerShdw>
-                </a:effectLst>
-              </a14:hiddenEffects>
-            </a:ext>
-          </a:extLst>
-        </p:spPr>
-        <p:txBody>
-          <a:bodyPr wrap="none" anchor="ctr"/>
-          <a:lstStyle/>
-          <a:p>
-            <a:endParaRPr lang="en-US"/>
-          </a:p>
-        </p:txBody>
-      </p:sp>
-    </p:spTree>
-  </p:cSld>
-  <p:clrMapOvr>
-    <a:masterClrMapping/>
-  </p:clrMapOvr>
-</p:notes>
-</file>
-
-<file path=ppt/notesSlides/notesSlide2.xml><?xml version="1.0" encoding="utf-8"?>
-<p:notes xmlns:a="http://schemas.openxmlformats.org/drawingml/2006/main" xmlns:r="http://schemas.openxmlformats.org/officeDocument/2006/relationships" xmlns:p="http://schemas.openxmlformats.org/presentationml/2006/main">
-  <p:cSld>
-    <p:bg>
-      <p:bgPr>
-        <a:solidFill>
-          <a:srgbClr val="FFFFFF"/>
-        </a:solidFill>
-        <a:effectLst/>
-      </p:bgPr>
-    </p:bg>
-    <p:spTree>
-      <p:nvGrpSpPr>
-        <p:cNvPr id="1" name=""/>
-        <p:cNvGrpSpPr/>
-        <p:nvPr/>
-      </p:nvGrpSpPr>
-      <p:grpSpPr>
-        <a:xfrm>
-          <a:off x="0" y="0"/>
-          <a:ext cx="0" cy="0"/>
-          <a:chOff x="0" y="0"/>
-          <a:chExt cx="0" cy="0"/>
-        </a:xfrm>
-      </p:grpSpPr>
-      <p:sp>
-        <p:nvSpPr>
-          <p:cNvPr id="7" name="Rectangle 12"/>
-          <p:cNvSpPr>
-            <a:spLocks noGrp="1" noChangeArrowheads="1"/>
-          </p:cNvSpPr>
-          <p:nvPr>
-            <p:ph type="sldNum"/>
-          </p:nvPr>
-        </p:nvSpPr>
-        <p:spPr>
-          <a:ln/>
-        </p:spPr>
-        <p:txBody>
-          <a:bodyPr/>
-          <a:lstStyle/>
-          <a:p>
-            <a:fld id="{A16A351F-7157-4CCE-9650-F13C7935C758}" type="slidenum">
-              <a:rPr lang="en-US"/>
-              <a:pPr/>
-              <a:t>2</a:t>
-            </a:fld>
-            <a:endParaRPr lang="en-US"/>
-          </a:p>
-        </p:txBody>
-      </p:sp>
-      <p:sp>
-        <p:nvSpPr>
-          <p:cNvPr id="10241" name="Rectangle 1"/>
-          <p:cNvSpPr txBox="1">
-            <a:spLocks noGrp="1" noRot="1" noChangeAspect="1" noChangeArrowheads="1"/>
-          </p:cNvSpPr>
-          <p:nvPr>
-            <p:ph type="sldImg"/>
-          </p:nvPr>
-        </p:nvSpPr>
-        <p:spPr bwMode="auto">
-          <a:xfrm>
-            <a:off x="1143000" y="685800"/>
-            <a:ext cx="4572000" cy="3429000"/>
-          </a:xfrm>
-          <a:prstGeom prst="rect">
-            <a:avLst/>
-          </a:prstGeom>
-          <a:solidFill>
-            <a:srgbClr val="FFFFFF"/>
-          </a:solidFill>
-          <a:ln>
-            <a:solidFill>
-              <a:srgbClr val="000000"/>
-            </a:solidFill>
-            <a:miter lim="800000"/>
-            <a:headEnd/>
-            <a:tailEnd/>
-          </a:ln>
-          <a:extLst>
-            <a:ext uri="{AF507438-7753-43E0-B8FC-AC1667EBCBE1}">
-              <a14:hiddenEffects xmlns:a14="http://schemas.microsoft.com/office/drawing/2010/main">
-                <a:effectLst>
-                  <a:outerShdw dist="35921" dir="2700000" algn="ctr" rotWithShape="0">
-                    <a:srgbClr val="808080"/>
-                  </a:outerShdw>
-                </a:effectLst>
-              </a14:hiddenEffects>
-            </a:ext>
-          </a:extLst>
-        </p:spPr>
-      </p:sp>
-      <p:sp>
-        <p:nvSpPr>
-          <p:cNvPr id="10242" name="Rectangle 2"/>
           <p:cNvSpPr txBox="1">
             <a:spLocks noGrp="1" noChangeArrowheads="1"/>
           </p:cNvSpPr>
@@ -13147,7 +13465,7 @@
                 </a:solidFill>
                 <a:latin typeface="CMR10" charset="0"/>
               </a:rPr>
-              <a:t>aim to classify</a:t>
+              <a:t>aim to </a:t>
             </a:r>
             <a:r>
               <a:rPr lang="en-US" sz="2400" dirty="0" smtClean="0">
@@ -13156,8 +13474,14 @@
                 </a:solidFill>
                 <a:latin typeface="CMR10" charset="0"/>
               </a:rPr>
-              <a:t>:</a:t>
-            </a:r>
+              <a:t>classify :</a:t>
+            </a:r>
+            <a:endParaRPr lang="en-US" sz="2400" dirty="0" smtClean="0">
+              <a:solidFill>
+                <a:schemeClr val="tx1"/>
+              </a:solidFill>
+              <a:latin typeface="CMR10" charset="0"/>
+            </a:endParaRPr>
           </a:p>
           <a:p>
             <a:pPr marL="865187" lvl="1" indent="-457200" algn="just">
@@ -13525,7 +13849,25 @@
                 </a:solidFill>
                 <a:latin typeface="CMR10" charset="0"/>
               </a:rPr>
-              <a:t>We use Conditional Random Fields in order to see the probability of each word </a:t>
+              <a:t>We use </a:t>
+            </a:r>
+            <a:r>
+              <a:rPr lang="en-US" sz="2400" dirty="0" smtClean="0">
+                <a:solidFill>
+                  <a:schemeClr val="tx1"/>
+                </a:solidFill>
+                <a:latin typeface="CMR10" charset="0"/>
+              </a:rPr>
+              <a:t>Hidden Markov Models in </a:t>
+            </a:r>
+            <a:r>
+              <a:rPr lang="en-US" sz="2400" dirty="0">
+                <a:solidFill>
+                  <a:schemeClr val="tx1"/>
+                </a:solidFill>
+                <a:latin typeface="CMR10" charset="0"/>
+              </a:rPr>
+              <a:t>order to see the probability of each word </a:t>
             </a:r>
             <a:r>
               <a:rPr lang="en-US" sz="2400" dirty="0" smtClean="0">
@@ -15523,7 +15865,25 @@
                 </a:solidFill>
                 <a:latin typeface="CMR10" charset="0"/>
               </a:rPr>
-              <a:t>We use CRF with another class “</a:t>
+              <a:t>We use </a:t>
+            </a:r>
+            <a:r>
+              <a:rPr lang="en-US" sz="2600" dirty="0" smtClean="0">
+                <a:solidFill>
+                  <a:schemeClr val="tx1"/>
+                </a:solidFill>
+                <a:latin typeface="CMR10" charset="0"/>
+              </a:rPr>
+              <a:t>HMM / AVERAGED PERCEPTRON? with </a:t>
+            </a:r>
+            <a:r>
+              <a:rPr lang="en-US" sz="2600" dirty="0" smtClean="0">
+                <a:solidFill>
+                  <a:schemeClr val="tx1"/>
+                </a:solidFill>
+                <a:latin typeface="CMR10" charset="0"/>
+              </a:rPr>
+              <a:t>another class “</a:t>
             </a:r>
             <a:r>
               <a:rPr lang="en-US" sz="2600" i="1" dirty="0" smtClean="0">
@@ -17135,7 +17495,56 @@
                     <a:tab pos="8983663" algn="l"/>
                   </a:tabLst>
                 </a:pPr>
-                <a:endParaRPr lang="en-US" sz="2400" dirty="0" smtClean="0">
+                <a:r>
+                  <a:rPr lang="en-US" sz="2600" dirty="0" smtClean="0">
+                    <a:solidFill>
+                      <a:schemeClr val="tx1"/>
+                    </a:solidFill>
+                    <a:latin typeface="CMR10" charset="0"/>
+                  </a:rPr>
+                  <a:t>For </a:t>
+                </a:r>
+                <a:r>
+                  <a:rPr lang="en-US" sz="2600" dirty="0" smtClean="0">
+                    <a:solidFill>
+                      <a:schemeClr val="tx1"/>
+                    </a:solidFill>
+                    <a:latin typeface="CMR10" charset="0"/>
+                  </a:rPr>
+                  <a:t>our classification methods, we use </a:t>
+                </a:r>
+                <a:r>
+                  <a:rPr lang="en-US" sz="2600" dirty="0">
+                    <a:solidFill>
+                      <a:schemeClr val="tx1"/>
+                    </a:solidFill>
+                    <a:latin typeface="CMR10" charset="0"/>
+                  </a:rPr>
+                  <a:t>K-Fold Cross Validation with </a:t>
+                </a:r>
+                <a14:m>
+                  <m:oMath xmlns:m="http://schemas.openxmlformats.org/officeDocument/2006/math">
+                    <m:r>
+                      <a:rPr lang="en-US" sz="2600" i="1" dirty="0">
+                        <a:solidFill>
+                          <a:schemeClr val="tx1"/>
+                        </a:solidFill>
+                        <a:latin typeface="Cambria Math"/>
+                      </a:rPr>
+                      <m:t>𝐾</m:t>
+                    </m:r>
+                    <m:r>
+                      <a:rPr lang="en-US" sz="2600" i="1" dirty="0">
+                        <a:solidFill>
+                          <a:schemeClr val="tx1"/>
+                        </a:solidFill>
+                        <a:latin typeface="Cambria Math"/>
+                      </a:rPr>
+                      <m:t>=5</m:t>
+                    </m:r>
+                  </m:oMath>
+                </a14:m>
+                <a:endParaRPr lang="en-US" sz="2600" dirty="0" smtClean="0">
                   <a:solidFill>
                     <a:schemeClr val="tx1"/>
                   </a:solidFill>
@@ -17171,46 +17580,280 @@
                     <a:tab pos="8983663" algn="l"/>
                   </a:tabLst>
                 </a:pPr>
+                <a:endParaRPr lang="en-US" sz="1000" dirty="0" smtClean="0">
+                  <a:solidFill>
+                    <a:schemeClr val="tx1"/>
+                  </a:solidFill>
+                  <a:latin typeface="CMR10" charset="0"/>
+                </a:endParaRPr>
+              </a:p>
+              <a:p>
+                <a:pPr lvl="1" indent="-342900">
+                  <a:lnSpc>
+                    <a:spcPct val="95000"/>
+                  </a:lnSpc>
+                  <a:spcBef>
+                    <a:spcPct val="0"/>
+                  </a:spcBef>
+                  <a:buFontTx/>
+                  <a:buChar char="•"/>
+                </a:pPr>
                 <a:r>
-                  <a:rPr lang="en-US" sz="2800" dirty="0" smtClean="0">
+                  <a:rPr lang="en-US" sz="2200" dirty="0" smtClean="0">
                     <a:solidFill>
-                      <a:schemeClr val="tx1"/>
+                      <a:srgbClr val="000000"/>
                     </a:solidFill>
-                    <a:latin typeface="CMR10" charset="0"/>
+                    <a:latin typeface="Arial" pitchFamily="34" charset="0"/>
                   </a:rPr>
-                  <a:t>For our classification methods, we use </a:t>
+                  <a:t>Training Data chosen:</a:t>
                 </a:r>
                 <a:r>
-                  <a:rPr lang="en-US" sz="2800" dirty="0">
+                  <a:rPr lang="en-US" sz="2200" dirty="0">
                     <a:solidFill>
-                      <a:schemeClr val="tx1"/>
+                      <a:srgbClr val="000000"/>
                     </a:solidFill>
-                    <a:latin typeface="CMR10" charset="0"/>
+                    <a:latin typeface="Arial" pitchFamily="34" charset="0"/>
                   </a:rPr>
-                  <a:t>K-Fold Cross Validation with </a:t>
+                  <a:t> 90% of the original </a:t>
                 </a:r>
-                <a14:m>
-                  <m:oMath xmlns:m="http://schemas.openxmlformats.org/officeDocument/2006/math">
-                    <m:r>
-                      <a:rPr lang="en-US" sz="2800" i="1" dirty="0">
-                        <a:solidFill>
-                          <a:schemeClr val="tx1"/>
-                        </a:solidFill>
-                        <a:latin typeface="Cambria Math"/>
-                      </a:rPr>
-                      <m:t>𝐾</m:t>
-                    </m:r>
-                    <m:r>
-                      <a:rPr lang="en-US" sz="2800" i="1" dirty="0">
-                        <a:solidFill>
-                          <a:schemeClr val="tx1"/>
-                        </a:solidFill>
-                        <a:latin typeface="Cambria Math"/>
-                      </a:rPr>
-                      <m:t>=5</m:t>
-                    </m:r>
-                  </m:oMath>
-                </a14:m>
+                <a:r>
+                  <a:rPr lang="en-US" sz="2200" dirty="0" smtClean="0">
+                    <a:solidFill>
+                      <a:srgbClr val="000000"/>
+                    </a:solidFill>
+                    <a:latin typeface="Arial" pitchFamily="34" charset="0"/>
+                  </a:rPr>
+                  <a:t>data set.</a:t>
+                </a:r>
+                <a:endParaRPr lang="en-US" sz="2200" dirty="0"/>
+              </a:p>
+              <a:p>
+                <a:pPr lvl="1" indent="-342900">
+                  <a:lnSpc>
+                    <a:spcPct val="95000"/>
+                  </a:lnSpc>
+                  <a:spcBef>
+                    <a:spcPct val="0"/>
+                  </a:spcBef>
+                  <a:buFontTx/>
+                  <a:buChar char="•"/>
+                </a:pPr>
+                <a:r>
+                  <a:rPr lang="en-US" sz="2200" dirty="0" smtClean="0">
+                    <a:solidFill>
+                      <a:srgbClr val="000000"/>
+                    </a:solidFill>
+                    <a:latin typeface="Arial" pitchFamily="34" charset="0"/>
+                  </a:rPr>
+                  <a:t>Accuracy with Naïve Bayes</a:t>
+                </a:r>
+                <a:r>
+                  <a:rPr lang="en-US" sz="2200" smtClean="0">
+                    <a:solidFill>
+                      <a:srgbClr val="000000"/>
+                    </a:solidFill>
+                    <a:latin typeface="Arial" pitchFamily="34" charset="0"/>
+                  </a:rPr>
+                  <a:t>: 83% </a:t>
+                </a:r>
+                <a:r>
+                  <a:rPr lang="en-US" sz="2200" dirty="0">
+                    <a:solidFill>
+                      <a:srgbClr val="000000"/>
+                    </a:solidFill>
+                    <a:latin typeface="Arial" pitchFamily="34" charset="0"/>
+                  </a:rPr>
+                  <a:t>(on </a:t>
+                </a:r>
+                <a:r>
+                  <a:rPr lang="en-US" sz="2200" dirty="0" smtClean="0">
+                    <a:solidFill>
+                      <a:srgbClr val="000000"/>
+                    </a:solidFill>
+                    <a:latin typeface="Arial" pitchFamily="34" charset="0"/>
+                  </a:rPr>
+                  <a:t>the 10% of test Data)</a:t>
+                </a:r>
+                <a:endParaRPr lang="en-US" sz="2200" dirty="0"/>
+              </a:p>
+              <a:p>
+                <a:pPr>
+                  <a:lnSpc>
+                    <a:spcPct val="95000"/>
+                  </a:lnSpc>
+                  <a:spcBef>
+                    <a:spcPct val="0"/>
+                  </a:spcBef>
+                </a:pPr>
+                <a:endParaRPr lang="en-US" sz="2400" dirty="0">
+                  <a:solidFill>
+                    <a:srgbClr val="000000"/>
+                  </a:solidFill>
+                  <a:latin typeface="Arial" pitchFamily="34" charset="0"/>
+                </a:endParaRPr>
+              </a:p>
+              <a:p>
+                <a:pPr>
+                  <a:lnSpc>
+                    <a:spcPct val="95000"/>
+                  </a:lnSpc>
+                  <a:spcBef>
+                    <a:spcPct val="0"/>
+                  </a:spcBef>
+                </a:pPr>
+                <a:r>
+                  <a:rPr lang="en-US" sz="2400" dirty="0">
+                    <a:solidFill>
+                      <a:srgbClr val="000000"/>
+                    </a:solidFill>
+                    <a:latin typeface="Arial" pitchFamily="34" charset="0"/>
+                  </a:rPr>
+                  <a:t>    (not considering multiword prepositions. "in" is not "in front of")</a:t>
+                </a:r>
+                <a:endParaRPr lang="en-US" dirty="0"/>
+              </a:p>
+              <a:p>
+                <a:pPr>
+                  <a:lnSpc>
+                    <a:spcPct val="95000"/>
+                  </a:lnSpc>
+                  <a:spcBef>
+                    <a:spcPct val="0"/>
+                  </a:spcBef>
+                </a:pPr>
+                <a:endParaRPr lang="en-US" sz="2400" dirty="0">
+                  <a:solidFill>
+                    <a:srgbClr val="000000"/>
+                  </a:solidFill>
+                  <a:latin typeface="Arial" pitchFamily="34" charset="0"/>
+                </a:endParaRPr>
+              </a:p>
+              <a:p>
+                <a:pPr lvl="1" indent="-342900">
+                  <a:lnSpc>
+                    <a:spcPct val="95000"/>
+                  </a:lnSpc>
+                  <a:spcBef>
+                    <a:spcPct val="0"/>
+                  </a:spcBef>
+                  <a:buFontTx/>
+                  <a:buChar char="•"/>
+                </a:pPr>
+                <a:r>
+                  <a:rPr lang="en-US" sz="2200" b="1" dirty="0">
+                    <a:solidFill>
+                      <a:srgbClr val="000000"/>
+                    </a:solidFill>
+                    <a:latin typeface="Arial" pitchFamily="34" charset="0"/>
+                  </a:rPr>
+                  <a:t>Problem</a:t>
+                </a:r>
+                <a:r>
+                  <a:rPr lang="en-US" sz="2200" dirty="0">
+                    <a:solidFill>
+                      <a:srgbClr val="000000"/>
+                    </a:solidFill>
+                    <a:latin typeface="Arial" pitchFamily="34" charset="0"/>
+                  </a:rPr>
+                  <a:t>: "You are </a:t>
+                </a:r>
+                <a:r>
+                  <a:rPr lang="en-US" sz="2200" b="1" dirty="0">
+                    <a:solidFill>
+                      <a:srgbClr val="000000"/>
+                    </a:solidFill>
+                    <a:latin typeface="Arial" pitchFamily="34" charset="0"/>
+                  </a:rPr>
+                  <a:t>in</a:t>
+                </a:r>
+                <a:r>
+                  <a:rPr lang="en-US" sz="2200" dirty="0">
+                    <a:solidFill>
+                      <a:srgbClr val="000000"/>
+                    </a:solidFill>
+                    <a:latin typeface="Arial" pitchFamily="34" charset="0"/>
+                  </a:rPr>
+                  <a:t> my dreams and they are </a:t>
+                </a:r>
+                <a:r>
+                  <a:rPr lang="en-US" sz="2200" b="1" dirty="0">
+                    <a:solidFill>
+                      <a:srgbClr val="000000"/>
+                    </a:solidFill>
+                    <a:latin typeface="Arial" pitchFamily="34" charset="0"/>
+                  </a:rPr>
+                  <a:t>in</a:t>
+                </a:r>
+                <a:r>
+                  <a:rPr lang="en-US" sz="2200" dirty="0">
+                    <a:solidFill>
+                      <a:srgbClr val="000000"/>
+                    </a:solidFill>
+                    <a:latin typeface="Arial" pitchFamily="34" charset="0"/>
+                  </a:rPr>
+                  <a:t> my nightmares". Two repeated prepositions, two marked up SI. Which is each one?</a:t>
+                </a:r>
+                <a:endParaRPr lang="en-US" sz="2200" dirty="0"/>
+              </a:p>
+              <a:p>
+                <a:pPr lvl="1" indent="-342900">
+                  <a:lnSpc>
+                    <a:spcPct val="95000"/>
+                  </a:lnSpc>
+                  <a:spcBef>
+                    <a:spcPct val="0"/>
+                  </a:spcBef>
+                  <a:buFontTx/>
+                  <a:buChar char="•"/>
+                </a:pPr>
+                <a:r>
+                  <a:rPr lang="en-US" sz="2200" b="1" dirty="0">
+                    <a:solidFill>
+                      <a:srgbClr val="000000"/>
+                    </a:solidFill>
+                    <a:latin typeface="Arial" pitchFamily="34" charset="0"/>
+                  </a:rPr>
+                  <a:t>Solution</a:t>
+                </a:r>
+                <a:r>
+                  <a:rPr lang="en-US" sz="2200" dirty="0">
+                    <a:solidFill>
+                      <a:srgbClr val="000000"/>
+                    </a:solidFill>
+                    <a:latin typeface="Arial" pitchFamily="34" charset="0"/>
+                  </a:rPr>
+                  <a:t>: considering word positions</a:t>
+                </a:r>
+              </a:p>
+              <a:p>
+                <a:pPr marL="465137" indent="-457200" algn="just">
+                  <a:buClrTx/>
+                  <a:buFont typeface="Wingdings" pitchFamily="2" charset="2"/>
+                  <a:buChar char="q"/>
+                  <a:tabLst>
+                    <a:tab pos="342900" algn="l"/>
+                    <a:tab pos="447675" algn="l"/>
+                    <a:tab pos="896938" algn="l"/>
+                    <a:tab pos="1346200" algn="l"/>
+                    <a:tab pos="1795463" algn="l"/>
+                    <a:tab pos="2244725" algn="l"/>
+                    <a:tab pos="2693988" algn="l"/>
+                    <a:tab pos="3143250" algn="l"/>
+                    <a:tab pos="3592513" algn="l"/>
+                    <a:tab pos="4041775" algn="l"/>
+                    <a:tab pos="4491038" algn="l"/>
+                    <a:tab pos="4940300" algn="l"/>
+                    <a:tab pos="5389563" algn="l"/>
+                    <a:tab pos="5838825" algn="l"/>
+                    <a:tab pos="6288088" algn="l"/>
+                    <a:tab pos="6737350" algn="l"/>
+                    <a:tab pos="7186613" algn="l"/>
+                    <a:tab pos="7635875" algn="l"/>
+                    <a:tab pos="8085138" algn="l"/>
+                    <a:tab pos="8534400" algn="l"/>
+                    <a:tab pos="8983663" algn="l"/>
+                  </a:tabLst>
+                </a:pPr>
                 <a:endParaRPr lang="en-US" sz="2800" dirty="0">
                   <a:solidFill>
                     <a:schemeClr val="tx1"/>
@@ -17304,7 +17947,7 @@
               <a:blipFill rotWithShape="1">
                 <a:blip r:embed="rId3"/>
                 <a:stretch>
-                  <a:fillRect l="-1250" r="-1544"/>
+                  <a:fillRect l="-1103" t="-1058" r="-1691"/>
                 </a:stretch>
               </a:blipFill>
               <a:ln/>
@@ -17727,8 +18370,20 @@
                   </a:outerShdw>
                 </a:effectLst>
               </a:rPr>
-              <a:t>Experiments</a:t>
-            </a:r>
+              <a:t>Experiments for SI identification</a:t>
+            </a:r>
+            <a:endParaRPr lang="en-US" sz="3600" b="1" dirty="0" smtClean="0">
+              <a:solidFill>
+                <a:srgbClr val="FFFFFF"/>
+              </a:solidFill>
+              <a:effectLst>
+                <a:outerShdw blurRad="38100" dist="38100" dir="2700000" algn="tl">
+                  <a:srgbClr val="000000">
+                    <a:alpha val="43137"/>
+                  </a:srgbClr>
+                </a:outerShdw>
+              </a:effectLst>
+            </a:endParaRPr>
           </a:p>
         </p:txBody>
       </p:sp>
@@ -17823,355 +18478,444 @@
           <a:chExt cx="0" cy="0"/>
         </a:xfrm>
       </p:grpSpPr>
-      <p:sp>
-        <p:nvSpPr>
-          <p:cNvPr id="5121" name="Rectangle 1"/>
-          <p:cNvSpPr>
-            <a:spLocks noGrp="1" noChangeArrowheads="1"/>
-          </p:cNvSpPr>
-          <p:nvPr>
-            <p:ph type="body" idx="4294967295"/>
-          </p:nvPr>
-        </p:nvSpPr>
-        <p:spPr>
-          <a:xfrm>
-            <a:off x="457200" y="1700808"/>
-            <a:ext cx="8291513" cy="4608512"/>
-          </a:xfrm>
-          <a:ln/>
-        </p:spPr>
-        <p:txBody>
-          <a:bodyPr/>
-          <a:lstStyle/>
-          <a:p>
-            <a:pPr indent="-334963">
-              <a:buClrTx/>
-              <a:buFontTx/>
-              <a:buNone/>
-              <a:tabLst>
-                <a:tab pos="342900" algn="l"/>
-                <a:tab pos="447675" algn="l"/>
-                <a:tab pos="896938" algn="l"/>
-                <a:tab pos="1346200" algn="l"/>
-                <a:tab pos="1795463" algn="l"/>
-                <a:tab pos="2244725" algn="l"/>
-                <a:tab pos="2693988" algn="l"/>
-                <a:tab pos="3143250" algn="l"/>
-                <a:tab pos="3592513" algn="l"/>
-                <a:tab pos="4041775" algn="l"/>
-                <a:tab pos="4491038" algn="l"/>
-                <a:tab pos="4940300" algn="l"/>
-                <a:tab pos="5389563" algn="l"/>
-                <a:tab pos="5838825" algn="l"/>
-                <a:tab pos="6288088" algn="l"/>
-                <a:tab pos="6737350" algn="l"/>
-                <a:tab pos="7186613" algn="l"/>
-                <a:tab pos="7635875" algn="l"/>
-                <a:tab pos="8085138" algn="l"/>
-                <a:tab pos="8534400" algn="l"/>
-                <a:tab pos="8983663" algn="l"/>
-              </a:tabLst>
-            </a:pPr>
-            <a:endParaRPr lang="es-ES" sz="2600" dirty="0" smtClean="0">
-              <a:latin typeface="CMR10" charset="0"/>
-            </a:endParaRPr>
-          </a:p>
-          <a:p>
-            <a:pPr marL="522287" indent="-514350">
-              <a:buClrTx/>
-              <a:buFont typeface="+mj-lt"/>
-              <a:buAutoNum type="arabicPeriod"/>
-              <a:tabLst>
-                <a:tab pos="342900" algn="l"/>
-                <a:tab pos="447675" algn="l"/>
-                <a:tab pos="896938" algn="l"/>
-                <a:tab pos="1346200" algn="l"/>
-                <a:tab pos="1795463" algn="l"/>
-                <a:tab pos="2244725" algn="l"/>
-                <a:tab pos="2693988" algn="l"/>
-                <a:tab pos="3143250" algn="l"/>
-                <a:tab pos="3592513" algn="l"/>
-                <a:tab pos="4041775" algn="l"/>
-                <a:tab pos="4491038" algn="l"/>
-                <a:tab pos="4940300" algn="l"/>
-                <a:tab pos="5389563" algn="l"/>
-                <a:tab pos="5838825" algn="l"/>
-                <a:tab pos="6288088" algn="l"/>
-                <a:tab pos="6737350" algn="l"/>
-                <a:tab pos="7186613" algn="l"/>
-                <a:tab pos="7635875" algn="l"/>
-                <a:tab pos="8085138" algn="l"/>
-                <a:tab pos="8534400" algn="l"/>
-                <a:tab pos="8983663" algn="l"/>
-              </a:tabLst>
-            </a:pPr>
-            <a:r>
-              <a:rPr lang="en-US" sz="2600" dirty="0" smtClean="0">
-                <a:solidFill>
-                  <a:schemeClr val="bg1">
-                    <a:lumMod val="95000"/>
-                  </a:schemeClr>
-                </a:solidFill>
-                <a:latin typeface="CMR10" charset="0"/>
-              </a:rPr>
-              <a:t>Introduction</a:t>
-            </a:r>
-          </a:p>
-          <a:p>
-            <a:pPr marL="522287" indent="-514350">
-              <a:buClrTx/>
-              <a:buFont typeface="+mj-lt"/>
-              <a:buAutoNum type="arabicPeriod"/>
-              <a:tabLst>
-                <a:tab pos="342900" algn="l"/>
-                <a:tab pos="447675" algn="l"/>
-                <a:tab pos="896938" algn="l"/>
-                <a:tab pos="1346200" algn="l"/>
-                <a:tab pos="1795463" algn="l"/>
-                <a:tab pos="2244725" algn="l"/>
-                <a:tab pos="2693988" algn="l"/>
-                <a:tab pos="3143250" algn="l"/>
-                <a:tab pos="3592513" algn="l"/>
-                <a:tab pos="4041775" algn="l"/>
-                <a:tab pos="4491038" algn="l"/>
-                <a:tab pos="4940300" algn="l"/>
-                <a:tab pos="5389563" algn="l"/>
-                <a:tab pos="5838825" algn="l"/>
-                <a:tab pos="6288088" algn="l"/>
-                <a:tab pos="6737350" algn="l"/>
-                <a:tab pos="7186613" algn="l"/>
-                <a:tab pos="7635875" algn="l"/>
-                <a:tab pos="8085138" algn="l"/>
-                <a:tab pos="8534400" algn="l"/>
-                <a:tab pos="8983663" algn="l"/>
-              </a:tabLst>
-            </a:pPr>
-            <a:r>
-              <a:rPr lang="en-US" sz="2600" dirty="0" smtClean="0">
-                <a:solidFill>
-                  <a:schemeClr val="bg1">
-                    <a:lumMod val="95000"/>
-                  </a:schemeClr>
-                </a:solidFill>
-                <a:latin typeface="CMR10" charset="0"/>
-              </a:rPr>
-              <a:t>Identification of </a:t>
-            </a:r>
-            <a:r>
-              <a:rPr lang="en-US" sz="2600" i="1" dirty="0" smtClean="0">
-                <a:solidFill>
-                  <a:schemeClr val="bg1">
-                    <a:lumMod val="95000"/>
-                  </a:schemeClr>
-                </a:solidFill>
-                <a:latin typeface="CMR10" charset="0"/>
-              </a:rPr>
-              <a:t>Spatial Indicators</a:t>
-            </a:r>
-          </a:p>
-          <a:p>
-            <a:pPr marL="522287" indent="-514350">
-              <a:buClrTx/>
-              <a:buFont typeface="+mj-lt"/>
-              <a:buAutoNum type="arabicPeriod"/>
-              <a:tabLst>
-                <a:tab pos="342900" algn="l"/>
-                <a:tab pos="447675" algn="l"/>
-                <a:tab pos="896938" algn="l"/>
-                <a:tab pos="1346200" algn="l"/>
-                <a:tab pos="1795463" algn="l"/>
-                <a:tab pos="2244725" algn="l"/>
-                <a:tab pos="2693988" algn="l"/>
-                <a:tab pos="3143250" algn="l"/>
-                <a:tab pos="3592513" algn="l"/>
-                <a:tab pos="4041775" algn="l"/>
-                <a:tab pos="4491038" algn="l"/>
-                <a:tab pos="4940300" algn="l"/>
-                <a:tab pos="5389563" algn="l"/>
-                <a:tab pos="5838825" algn="l"/>
-                <a:tab pos="6288088" algn="l"/>
-                <a:tab pos="6737350" algn="l"/>
-                <a:tab pos="7186613" algn="l"/>
-                <a:tab pos="7635875" algn="l"/>
-                <a:tab pos="8085138" algn="l"/>
-                <a:tab pos="8534400" algn="l"/>
-                <a:tab pos="8983663" algn="l"/>
-              </a:tabLst>
-            </a:pPr>
-            <a:r>
-              <a:rPr lang="en-US" sz="2600" dirty="0" smtClean="0">
-                <a:solidFill>
-                  <a:schemeClr val="bg1">
-                    <a:lumMod val="95000"/>
-                  </a:schemeClr>
-                </a:solidFill>
-                <a:latin typeface="CMR10" charset="0"/>
-              </a:rPr>
-              <a:t>Identification of </a:t>
-            </a:r>
-            <a:r>
-              <a:rPr lang="en-US" sz="2600" i="1" dirty="0" err="1" smtClean="0">
-                <a:solidFill>
-                  <a:schemeClr val="bg1">
-                    <a:lumMod val="95000"/>
-                  </a:schemeClr>
-                </a:solidFill>
-                <a:latin typeface="CMR10" charset="0"/>
-              </a:rPr>
-              <a:t>Trajectors</a:t>
-            </a:r>
-            <a:r>
-              <a:rPr lang="en-US" sz="2600" dirty="0" smtClean="0">
-                <a:solidFill>
-                  <a:schemeClr val="bg1">
-                    <a:lumMod val="95000"/>
-                  </a:schemeClr>
-                </a:solidFill>
-                <a:latin typeface="CMR10" charset="0"/>
-              </a:rPr>
-              <a:t> and </a:t>
-            </a:r>
-            <a:r>
-              <a:rPr lang="en-US" sz="2600" i="1" dirty="0" smtClean="0">
-                <a:solidFill>
-                  <a:schemeClr val="bg1">
-                    <a:lumMod val="95000"/>
-                  </a:schemeClr>
-                </a:solidFill>
-                <a:latin typeface="CMR10" charset="0"/>
-              </a:rPr>
-              <a:t>Landmarks</a:t>
-            </a:r>
-          </a:p>
-          <a:p>
-            <a:pPr marL="522287" indent="-514350">
-              <a:buClrTx/>
-              <a:buFont typeface="+mj-lt"/>
-              <a:buAutoNum type="arabicPeriod"/>
-              <a:tabLst>
-                <a:tab pos="342900" algn="l"/>
-                <a:tab pos="447675" algn="l"/>
-                <a:tab pos="896938" algn="l"/>
-                <a:tab pos="1346200" algn="l"/>
-                <a:tab pos="1795463" algn="l"/>
-                <a:tab pos="2244725" algn="l"/>
-                <a:tab pos="2693988" algn="l"/>
-                <a:tab pos="3143250" algn="l"/>
-                <a:tab pos="3592513" algn="l"/>
-                <a:tab pos="4041775" algn="l"/>
-                <a:tab pos="4491038" algn="l"/>
-                <a:tab pos="4940300" algn="l"/>
-                <a:tab pos="5389563" algn="l"/>
-                <a:tab pos="5838825" algn="l"/>
-                <a:tab pos="6288088" algn="l"/>
-                <a:tab pos="6737350" algn="l"/>
-                <a:tab pos="7186613" algn="l"/>
-                <a:tab pos="7635875" algn="l"/>
-                <a:tab pos="8085138" algn="l"/>
-                <a:tab pos="8534400" algn="l"/>
-                <a:tab pos="8983663" algn="l"/>
-              </a:tabLst>
-            </a:pPr>
-            <a:r>
-              <a:rPr lang="en-US" sz="2600" dirty="0" smtClean="0">
-                <a:solidFill>
-                  <a:schemeClr val="bg1">
-                    <a:lumMod val="95000"/>
-                  </a:schemeClr>
-                </a:solidFill>
-                <a:latin typeface="CMR10" charset="0"/>
-              </a:rPr>
-              <a:t>Jointly identification</a:t>
-            </a:r>
-          </a:p>
-          <a:p>
-            <a:pPr marL="522287" indent="-514350">
-              <a:buClrTx/>
-              <a:buFont typeface="+mj-lt"/>
-              <a:buAutoNum type="arabicPeriod"/>
-              <a:tabLst>
-                <a:tab pos="342900" algn="l"/>
-                <a:tab pos="447675" algn="l"/>
-                <a:tab pos="896938" algn="l"/>
-                <a:tab pos="1346200" algn="l"/>
-                <a:tab pos="1795463" algn="l"/>
-                <a:tab pos="2244725" algn="l"/>
-                <a:tab pos="2693988" algn="l"/>
-                <a:tab pos="3143250" algn="l"/>
-                <a:tab pos="3592513" algn="l"/>
-                <a:tab pos="4041775" algn="l"/>
-                <a:tab pos="4491038" algn="l"/>
-                <a:tab pos="4940300" algn="l"/>
-                <a:tab pos="5389563" algn="l"/>
-                <a:tab pos="5838825" algn="l"/>
-                <a:tab pos="6288088" algn="l"/>
-                <a:tab pos="6737350" algn="l"/>
-                <a:tab pos="7186613" algn="l"/>
-                <a:tab pos="7635875" algn="l"/>
-                <a:tab pos="8085138" algn="l"/>
-                <a:tab pos="8534400" algn="l"/>
-                <a:tab pos="8983663" algn="l"/>
-              </a:tabLst>
-            </a:pPr>
-            <a:r>
-              <a:rPr lang="en-US" sz="2600" dirty="0" smtClean="0">
-                <a:solidFill>
-                  <a:schemeClr val="bg1">
-                    <a:lumMod val="95000"/>
-                  </a:schemeClr>
-                </a:solidFill>
-                <a:latin typeface="CMR10" charset="0"/>
-              </a:rPr>
-              <a:t>Experiments</a:t>
-            </a:r>
-          </a:p>
-          <a:p>
-            <a:pPr marL="522287" indent="-514350">
-              <a:buClrTx/>
-              <a:buFont typeface="+mj-lt"/>
-              <a:buAutoNum type="arabicPeriod"/>
-              <a:tabLst>
-                <a:tab pos="342900" algn="l"/>
-                <a:tab pos="447675" algn="l"/>
-                <a:tab pos="896938" algn="l"/>
-                <a:tab pos="1346200" algn="l"/>
-                <a:tab pos="1795463" algn="l"/>
-                <a:tab pos="2244725" algn="l"/>
-                <a:tab pos="2693988" algn="l"/>
-                <a:tab pos="3143250" algn="l"/>
-                <a:tab pos="3592513" algn="l"/>
-                <a:tab pos="4041775" algn="l"/>
-                <a:tab pos="4491038" algn="l"/>
-                <a:tab pos="4940300" algn="l"/>
-                <a:tab pos="5389563" algn="l"/>
-                <a:tab pos="5838825" algn="l"/>
-                <a:tab pos="6288088" algn="l"/>
-                <a:tab pos="6737350" algn="l"/>
-                <a:tab pos="7186613" algn="l"/>
-                <a:tab pos="7635875" algn="l"/>
-                <a:tab pos="8085138" algn="l"/>
-                <a:tab pos="8534400" algn="l"/>
-                <a:tab pos="8983663" algn="l"/>
-              </a:tabLst>
-            </a:pPr>
-            <a:r>
-              <a:rPr lang="en-US" sz="2600" dirty="0" smtClean="0">
-                <a:solidFill>
-                  <a:schemeClr val="tx1"/>
-                </a:solidFill>
-                <a:latin typeface="CMR10" charset="0"/>
-              </a:rPr>
-              <a:t>Conclusion</a:t>
-            </a:r>
-            <a:endParaRPr lang="en-US" sz="2600" dirty="0">
-              <a:solidFill>
-                <a:schemeClr val="tx1"/>
-              </a:solidFill>
-              <a:latin typeface="CMR10" charset="0"/>
-            </a:endParaRPr>
-          </a:p>
-        </p:txBody>
-      </p:sp>
+      <mc:AlternateContent xmlns:mc="http://schemas.openxmlformats.org/markup-compatibility/2006">
+        <mc:Choice xmlns:a14="http://schemas.microsoft.com/office/drawing/2010/main" Requires="a14">
+          <p:sp>
+            <p:nvSpPr>
+              <p:cNvPr id="5121" name="Rectangle 1"/>
+              <p:cNvSpPr>
+                <a:spLocks noGrp="1" noChangeArrowheads="1"/>
+              </p:cNvSpPr>
+              <p:nvPr>
+                <p:ph type="body" idx="4294967295"/>
+              </p:nvPr>
+            </p:nvSpPr>
+            <p:spPr>
+              <a:xfrm>
+                <a:off x="457200" y="1700808"/>
+                <a:ext cx="8291513" cy="4608512"/>
+              </a:xfrm>
+              <a:ln/>
+            </p:spPr>
+            <p:txBody>
+              <a:bodyPr/>
+              <a:lstStyle/>
+              <a:p>
+                <a:pPr marL="465137" indent="-457200" algn="just">
+                  <a:buClrTx/>
+                  <a:buFont typeface="Wingdings" pitchFamily="2" charset="2"/>
+                  <a:buChar char="q"/>
+                  <a:tabLst>
+                    <a:tab pos="342900" algn="l"/>
+                    <a:tab pos="447675" algn="l"/>
+                    <a:tab pos="896938" algn="l"/>
+                    <a:tab pos="1346200" algn="l"/>
+                    <a:tab pos="1795463" algn="l"/>
+                    <a:tab pos="2244725" algn="l"/>
+                    <a:tab pos="2693988" algn="l"/>
+                    <a:tab pos="3143250" algn="l"/>
+                    <a:tab pos="3592513" algn="l"/>
+                    <a:tab pos="4041775" algn="l"/>
+                    <a:tab pos="4491038" algn="l"/>
+                    <a:tab pos="4940300" algn="l"/>
+                    <a:tab pos="5389563" algn="l"/>
+                    <a:tab pos="5838825" algn="l"/>
+                    <a:tab pos="6288088" algn="l"/>
+                    <a:tab pos="6737350" algn="l"/>
+                    <a:tab pos="7186613" algn="l"/>
+                    <a:tab pos="7635875" algn="l"/>
+                    <a:tab pos="8085138" algn="l"/>
+                    <a:tab pos="8534400" algn="l"/>
+                    <a:tab pos="8983663" algn="l"/>
+                  </a:tabLst>
+                </a:pPr>
+                <a:r>
+                  <a:rPr lang="en-US" sz="2600" dirty="0" smtClean="0">
+                    <a:solidFill>
+                      <a:schemeClr val="tx1"/>
+                    </a:solidFill>
+                    <a:latin typeface="CMR10" charset="0"/>
+                  </a:rPr>
+                  <a:t>For </a:t>
+                </a:r>
+                <a:r>
+                  <a:rPr lang="en-US" sz="2600" dirty="0" smtClean="0">
+                    <a:solidFill>
+                      <a:schemeClr val="tx1"/>
+                    </a:solidFill>
+                    <a:latin typeface="CMR10" charset="0"/>
+                  </a:rPr>
+                  <a:t>our classification methods, we use </a:t>
+                </a:r>
+                <a:r>
+                  <a:rPr lang="en-US" sz="2600" dirty="0">
+                    <a:solidFill>
+                      <a:schemeClr val="tx1"/>
+                    </a:solidFill>
+                    <a:latin typeface="CMR10" charset="0"/>
+                  </a:rPr>
+                  <a:t>K-Fold Cross Validation with </a:t>
+                </a:r>
+                <a14:m>
+                  <m:oMath xmlns:m="http://schemas.openxmlformats.org/officeDocument/2006/math">
+                    <m:r>
+                      <a:rPr lang="en-US" sz="2600" i="1" dirty="0">
+                        <a:solidFill>
+                          <a:schemeClr val="tx1"/>
+                        </a:solidFill>
+                        <a:latin typeface="Cambria Math"/>
+                      </a:rPr>
+                      <m:t>𝐾</m:t>
+                    </m:r>
+                    <m:r>
+                      <a:rPr lang="en-US" sz="2600" i="1" dirty="0">
+                        <a:solidFill>
+                          <a:schemeClr val="tx1"/>
+                        </a:solidFill>
+                        <a:latin typeface="Cambria Math"/>
+                      </a:rPr>
+                      <m:t>=5</m:t>
+                    </m:r>
+                  </m:oMath>
+                </a14:m>
+                <a:endParaRPr lang="en-US" sz="2600" dirty="0" smtClean="0">
+                  <a:solidFill>
+                    <a:schemeClr val="tx1"/>
+                  </a:solidFill>
+                  <a:latin typeface="CMR10" charset="0"/>
+                </a:endParaRPr>
+              </a:p>
+              <a:p>
+                <a:pPr marL="465137" indent="-457200" algn="just">
+                  <a:buClrTx/>
+                  <a:buFont typeface="Wingdings" pitchFamily="2" charset="2"/>
+                  <a:buChar char="q"/>
+                  <a:tabLst>
+                    <a:tab pos="342900" algn="l"/>
+                    <a:tab pos="447675" algn="l"/>
+                    <a:tab pos="896938" algn="l"/>
+                    <a:tab pos="1346200" algn="l"/>
+                    <a:tab pos="1795463" algn="l"/>
+                    <a:tab pos="2244725" algn="l"/>
+                    <a:tab pos="2693988" algn="l"/>
+                    <a:tab pos="3143250" algn="l"/>
+                    <a:tab pos="3592513" algn="l"/>
+                    <a:tab pos="4041775" algn="l"/>
+                    <a:tab pos="4491038" algn="l"/>
+                    <a:tab pos="4940300" algn="l"/>
+                    <a:tab pos="5389563" algn="l"/>
+                    <a:tab pos="5838825" algn="l"/>
+                    <a:tab pos="6288088" algn="l"/>
+                    <a:tab pos="6737350" algn="l"/>
+                    <a:tab pos="7186613" algn="l"/>
+                    <a:tab pos="7635875" algn="l"/>
+                    <a:tab pos="8085138" algn="l"/>
+                    <a:tab pos="8534400" algn="l"/>
+                    <a:tab pos="8983663" algn="l"/>
+                  </a:tabLst>
+                </a:pPr>
+                <a:endParaRPr lang="en-US" sz="1000" dirty="0" smtClean="0">
+                  <a:solidFill>
+                    <a:schemeClr val="tx1"/>
+                  </a:solidFill>
+                  <a:latin typeface="CMR10" charset="0"/>
+                </a:endParaRPr>
+              </a:p>
+              <a:p>
+                <a:pPr lvl="1" indent="-342900">
+                  <a:lnSpc>
+                    <a:spcPct val="95000"/>
+                  </a:lnSpc>
+                  <a:spcBef>
+                    <a:spcPct val="0"/>
+                  </a:spcBef>
+                  <a:buFontTx/>
+                  <a:buChar char="•"/>
+                </a:pPr>
+                <a:r>
+                  <a:rPr lang="en-US" sz="2200" dirty="0" smtClean="0">
+                    <a:solidFill>
+                      <a:srgbClr val="000000"/>
+                    </a:solidFill>
+                    <a:latin typeface="Arial" pitchFamily="34" charset="0"/>
+                  </a:rPr>
+                  <a:t>Training Data chosen:</a:t>
+                </a:r>
+                <a:r>
+                  <a:rPr lang="en-US" sz="2200" dirty="0">
+                    <a:solidFill>
+                      <a:srgbClr val="000000"/>
+                    </a:solidFill>
+                    <a:latin typeface="Arial" pitchFamily="34" charset="0"/>
+                  </a:rPr>
+                  <a:t> 90% of the original </a:t>
+                </a:r>
+                <a:r>
+                  <a:rPr lang="en-US" sz="2200" dirty="0" smtClean="0">
+                    <a:solidFill>
+                      <a:srgbClr val="000000"/>
+                    </a:solidFill>
+                    <a:latin typeface="Arial" pitchFamily="34" charset="0"/>
+                  </a:rPr>
+                  <a:t>data set.</a:t>
+                </a:r>
+                <a:endParaRPr lang="en-US" sz="2200" dirty="0"/>
+              </a:p>
+              <a:p>
+                <a:pPr lvl="1" indent="-342900">
+                  <a:lnSpc>
+                    <a:spcPct val="95000"/>
+                  </a:lnSpc>
+                  <a:spcBef>
+                    <a:spcPct val="0"/>
+                  </a:spcBef>
+                  <a:buFontTx/>
+                  <a:buChar char="•"/>
+                </a:pPr>
+                <a:r>
+                  <a:rPr lang="en-US" sz="2200" dirty="0" smtClean="0">
+                    <a:solidFill>
+                      <a:srgbClr val="000000"/>
+                    </a:solidFill>
+                    <a:latin typeface="Arial" pitchFamily="34" charset="0"/>
+                  </a:rPr>
+                  <a:t>Accuracy with Hidden Markov Models: </a:t>
+                </a:r>
+              </a:p>
+              <a:p>
+                <a:pPr lvl="2" indent="-342900">
+                  <a:lnSpc>
+                    <a:spcPct val="95000"/>
+                  </a:lnSpc>
+                  <a:spcBef>
+                    <a:spcPct val="0"/>
+                  </a:spcBef>
+                  <a:buFontTx/>
+                  <a:buChar char="•"/>
+                </a:pPr>
+                <a:r>
+                  <a:rPr lang="en-US" sz="1800" dirty="0" smtClean="0">
+                    <a:solidFill>
+                      <a:srgbClr val="000000"/>
+                    </a:solidFill>
+                    <a:latin typeface="Arial" pitchFamily="34" charset="0"/>
+                  </a:rPr>
+                  <a:t>XXX% </a:t>
+                </a:r>
+                <a:r>
+                  <a:rPr lang="en-US" sz="1800" dirty="0">
+                    <a:solidFill>
+                      <a:srgbClr val="000000"/>
+                    </a:solidFill>
+                    <a:latin typeface="Arial" pitchFamily="34" charset="0"/>
+                  </a:rPr>
+                  <a:t>(on </a:t>
+                </a:r>
+                <a:r>
+                  <a:rPr lang="en-US" sz="1800" dirty="0" smtClean="0">
+                    <a:solidFill>
+                      <a:srgbClr val="000000"/>
+                    </a:solidFill>
+                    <a:latin typeface="Arial" pitchFamily="34" charset="0"/>
+                  </a:rPr>
+                  <a:t>the 10% of test Data)</a:t>
+                </a:r>
+                <a:endParaRPr lang="en-US" sz="1800" dirty="0"/>
+              </a:p>
+              <a:p>
+                <a:pPr>
+                  <a:lnSpc>
+                    <a:spcPct val="95000"/>
+                  </a:lnSpc>
+                  <a:spcBef>
+                    <a:spcPct val="0"/>
+                  </a:spcBef>
+                </a:pPr>
+                <a:endParaRPr lang="en-US" sz="2400" dirty="0">
+                  <a:solidFill>
+                    <a:srgbClr val="000000"/>
+                  </a:solidFill>
+                  <a:latin typeface="Arial" pitchFamily="34" charset="0"/>
+                </a:endParaRPr>
+              </a:p>
+              <a:p>
+                <a:pPr>
+                  <a:lnSpc>
+                    <a:spcPct val="95000"/>
+                  </a:lnSpc>
+                  <a:spcBef>
+                    <a:spcPct val="0"/>
+                  </a:spcBef>
+                </a:pPr>
+                <a:r>
+                  <a:rPr lang="en-US" sz="2400" dirty="0">
+                    <a:solidFill>
+                      <a:srgbClr val="000000"/>
+                    </a:solidFill>
+                    <a:latin typeface="Arial" pitchFamily="34" charset="0"/>
+                  </a:rPr>
+                  <a:t>    (not considering multiword prepositions. "in" is not "in front of")</a:t>
+                </a:r>
+                <a:endParaRPr lang="en-US" dirty="0"/>
+              </a:p>
+              <a:p>
+                <a:pPr>
+                  <a:lnSpc>
+                    <a:spcPct val="95000"/>
+                  </a:lnSpc>
+                  <a:spcBef>
+                    <a:spcPct val="0"/>
+                  </a:spcBef>
+                </a:pPr>
+                <a:endParaRPr lang="en-US" sz="2400" dirty="0">
+                  <a:solidFill>
+                    <a:srgbClr val="000000"/>
+                  </a:solidFill>
+                  <a:latin typeface="Arial" pitchFamily="34" charset="0"/>
+                </a:endParaRPr>
+              </a:p>
+              <a:p>
+                <a:pPr marL="465137" indent="-457200" algn="just">
+                  <a:buClrTx/>
+                  <a:buFont typeface="Wingdings" pitchFamily="2" charset="2"/>
+                  <a:buChar char="q"/>
+                  <a:tabLst>
+                    <a:tab pos="342900" algn="l"/>
+                    <a:tab pos="447675" algn="l"/>
+                    <a:tab pos="896938" algn="l"/>
+                    <a:tab pos="1346200" algn="l"/>
+                    <a:tab pos="1795463" algn="l"/>
+                    <a:tab pos="2244725" algn="l"/>
+                    <a:tab pos="2693988" algn="l"/>
+                    <a:tab pos="3143250" algn="l"/>
+                    <a:tab pos="3592513" algn="l"/>
+                    <a:tab pos="4041775" algn="l"/>
+                    <a:tab pos="4491038" algn="l"/>
+                    <a:tab pos="4940300" algn="l"/>
+                    <a:tab pos="5389563" algn="l"/>
+                    <a:tab pos="5838825" algn="l"/>
+                    <a:tab pos="6288088" algn="l"/>
+                    <a:tab pos="6737350" algn="l"/>
+                    <a:tab pos="7186613" algn="l"/>
+                    <a:tab pos="7635875" algn="l"/>
+                    <a:tab pos="8085138" algn="l"/>
+                    <a:tab pos="8534400" algn="l"/>
+                    <a:tab pos="8983663" algn="l"/>
+                  </a:tabLst>
+                </a:pPr>
+                <a:endParaRPr lang="en-US" sz="2800" dirty="0">
+                  <a:solidFill>
+                    <a:schemeClr val="tx1"/>
+                  </a:solidFill>
+                  <a:latin typeface="CMR10" charset="0"/>
+                </a:endParaRPr>
+              </a:p>
+              <a:p>
+                <a:pPr marL="7937" indent="0">
+                  <a:buClrTx/>
+                  <a:tabLst>
+                    <a:tab pos="342900" algn="l"/>
+                    <a:tab pos="447675" algn="l"/>
+                    <a:tab pos="896938" algn="l"/>
+                    <a:tab pos="1346200" algn="l"/>
+                    <a:tab pos="1795463" algn="l"/>
+                    <a:tab pos="2244725" algn="l"/>
+                    <a:tab pos="2693988" algn="l"/>
+                    <a:tab pos="3143250" algn="l"/>
+                    <a:tab pos="3592513" algn="l"/>
+                    <a:tab pos="4041775" algn="l"/>
+                    <a:tab pos="4491038" algn="l"/>
+                    <a:tab pos="4940300" algn="l"/>
+                    <a:tab pos="5389563" algn="l"/>
+                    <a:tab pos="5838825" algn="l"/>
+                    <a:tab pos="6288088" algn="l"/>
+                    <a:tab pos="6737350" algn="l"/>
+                    <a:tab pos="7186613" algn="l"/>
+                    <a:tab pos="7635875" algn="l"/>
+                    <a:tab pos="8085138" algn="l"/>
+                    <a:tab pos="8534400" algn="l"/>
+                    <a:tab pos="8983663" algn="l"/>
+                  </a:tabLst>
+                </a:pPr>
+                <a:endParaRPr lang="en-US" sz="2600" dirty="0">
+                  <a:latin typeface="CMR10" charset="0"/>
+                </a:endParaRPr>
+              </a:p>
+              <a:p>
+                <a:pPr marL="522287" indent="-514350">
+                  <a:buClrTx/>
+                  <a:buFont typeface="+mj-lt"/>
+                  <a:buAutoNum type="arabicPeriod"/>
+                  <a:tabLst>
+                    <a:tab pos="342900" algn="l"/>
+                    <a:tab pos="447675" algn="l"/>
+                    <a:tab pos="896938" algn="l"/>
+                    <a:tab pos="1346200" algn="l"/>
+                    <a:tab pos="1795463" algn="l"/>
+                    <a:tab pos="2244725" algn="l"/>
+                    <a:tab pos="2693988" algn="l"/>
+                    <a:tab pos="3143250" algn="l"/>
+                    <a:tab pos="3592513" algn="l"/>
+                    <a:tab pos="4041775" algn="l"/>
+                    <a:tab pos="4491038" algn="l"/>
+                    <a:tab pos="4940300" algn="l"/>
+                    <a:tab pos="5389563" algn="l"/>
+                    <a:tab pos="5838825" algn="l"/>
+                    <a:tab pos="6288088" algn="l"/>
+                    <a:tab pos="6737350" algn="l"/>
+                    <a:tab pos="7186613" algn="l"/>
+                    <a:tab pos="7635875" algn="l"/>
+                    <a:tab pos="8085138" algn="l"/>
+                    <a:tab pos="8534400" algn="l"/>
+                    <a:tab pos="8983663" algn="l"/>
+                  </a:tabLst>
+                </a:pPr>
+                <a:endParaRPr lang="en-US" sz="2600" dirty="0">
+                  <a:latin typeface="CMR10" charset="0"/>
+                </a:endParaRPr>
+              </a:p>
+            </p:txBody>
+          </p:sp>
+        </mc:Choice>
+        <mc:Fallback>
+          <p:sp>
+            <p:nvSpPr>
+              <p:cNvPr id="5121" name="Rectangle 1"/>
+              <p:cNvSpPr>
+                <a:spLocks noGrp="1" noRot="1" noChangeAspect="1" noMove="1" noResize="1" noEditPoints="1" noAdjustHandles="1" noChangeArrowheads="1" noChangeShapeType="1" noTextEdit="1"/>
+              </p:cNvSpPr>
+              <p:nvPr>
+                <p:ph type="body" idx="4294967295"/>
+              </p:nvPr>
+            </p:nvSpPr>
+            <p:spPr>
+              <a:xfrm>
+                <a:off x="457200" y="1700808"/>
+                <a:ext cx="8291513" cy="4608512"/>
+              </a:xfrm>
+              <a:blipFill rotWithShape="1">
+                <a:blip r:embed="rId3"/>
+                <a:stretch>
+                  <a:fillRect l="-1103" t="-1058" r="-1397"/>
+                </a:stretch>
+              </a:blipFill>
+              <a:ln/>
+            </p:spPr>
+            <p:txBody>
+              <a:bodyPr/>
+              <a:lstStyle/>
+              <a:p>
+                <a:r>
+                  <a:rPr lang="en-US">
+                    <a:noFill/>
+                  </a:rPr>
+                  <a:t> </a:t>
+                </a:r>
+              </a:p>
+            </p:txBody>
+          </p:sp>
+        </mc:Fallback>
+      </mc:AlternateContent>
       <p:sp>
         <p:nvSpPr>
           <p:cNvPr id="5122" name="Text Box 2"/>
@@ -18182,7 +18926,7 @@
         </p:nvSpPr>
         <p:spPr bwMode="auto">
           <a:xfrm>
-            <a:off x="457200" y="260350"/>
+            <a:off x="457200" y="188640"/>
             <a:ext cx="8291513" cy="720725"/>
           </a:xfrm>
           <a:prstGeom prst="rect">
@@ -18561,8 +19305,6 @@
           <a:p>
             <a:pPr>
               <a:buClrTx/>
-              <a:buFontTx/>
-              <a:buNone/>
             </a:pPr>
             <a:r>
               <a:rPr lang="en-US" sz="3600" b="1" dirty="0" smtClean="0">
@@ -18577,9 +19319,39 @@
                   </a:outerShdw>
                 </a:effectLst>
               </a:rPr>
-              <a:t>Outline</a:t>
-            </a:r>
-            <a:endParaRPr lang="en-US" sz="3600" b="1" dirty="0">
+              <a:t>Experiments for </a:t>
+            </a:r>
+            <a:r>
+              <a:rPr lang="en-US" sz="3600" b="1" dirty="0" err="1" smtClean="0">
+                <a:solidFill>
+                  <a:srgbClr val="FFFFFF"/>
+                </a:solidFill>
+                <a:effectLst>
+                  <a:outerShdw blurRad="38100" dist="38100" dir="2700000" algn="tl">
+                    <a:srgbClr val="000000">
+                      <a:alpha val="43137"/>
+                    </a:srgbClr>
+                  </a:outerShdw>
+                </a:effectLst>
+              </a:rPr>
+              <a:t>Trajectors</a:t>
+            </a:r>
+            <a:r>
+              <a:rPr lang="en-US" sz="3600" b="1" dirty="0" smtClean="0">
+                <a:solidFill>
+                  <a:srgbClr val="FFFFFF"/>
+                </a:solidFill>
+                <a:effectLst>
+                  <a:outerShdw blurRad="38100" dist="38100" dir="2700000" algn="tl">
+                    <a:srgbClr val="000000">
+                      <a:alpha val="43137"/>
+                    </a:srgbClr>
+                  </a:outerShdw>
+                </a:effectLst>
+              </a:rPr>
+              <a:t> and Landmarks Identification</a:t>
+            </a:r>
+            <a:endParaRPr lang="en-US" sz="3600" b="1" dirty="0" smtClean="0">
               <a:solidFill>
                 <a:srgbClr val="FFFFFF"/>
               </a:solidFill>
@@ -18628,7 +19400,7 @@
     </p:spTree>
     <p:extLst>
       <p:ext uri="{BB962C8B-B14F-4D97-AF65-F5344CB8AC3E}">
-        <p14:creationId xmlns:p14="http://schemas.microsoft.com/office/powerpoint/2010/main" val="2680999308"/>
+        <p14:creationId xmlns:p14="http://schemas.microsoft.com/office/powerpoint/2010/main" val="3493794678"/>
       </p:ext>
     </p:extLst>
   </p:cSld>
@@ -18685,103 +19457,444 @@
           <a:chExt cx="0" cy="0"/>
         </a:xfrm>
       </p:grpSpPr>
-      <p:sp>
-        <p:nvSpPr>
-          <p:cNvPr id="5121" name="Rectangle 1"/>
-          <p:cNvSpPr>
-            <a:spLocks noGrp="1" noChangeArrowheads="1"/>
-          </p:cNvSpPr>
-          <p:nvPr>
-            <p:ph type="body" idx="4294967295"/>
-          </p:nvPr>
-        </p:nvSpPr>
-        <p:spPr>
-          <a:xfrm>
-            <a:off x="457200" y="1700808"/>
-            <a:ext cx="8291513" cy="4608512"/>
-          </a:xfrm>
-          <a:ln/>
-        </p:spPr>
-        <p:txBody>
-          <a:bodyPr/>
-          <a:lstStyle/>
-          <a:p>
-            <a:pPr marL="465137" indent="-457200" algn="just">
-              <a:buClrTx/>
-              <a:buFont typeface="Wingdings" pitchFamily="2" charset="2"/>
-              <a:buChar char="q"/>
-              <a:tabLst>
-                <a:tab pos="342900" algn="l"/>
-                <a:tab pos="447675" algn="l"/>
-                <a:tab pos="896938" algn="l"/>
-                <a:tab pos="1346200" algn="l"/>
-                <a:tab pos="1795463" algn="l"/>
-                <a:tab pos="2244725" algn="l"/>
-                <a:tab pos="2693988" algn="l"/>
-                <a:tab pos="3143250" algn="l"/>
-                <a:tab pos="3592513" algn="l"/>
-                <a:tab pos="4041775" algn="l"/>
-                <a:tab pos="4491038" algn="l"/>
-                <a:tab pos="4940300" algn="l"/>
-                <a:tab pos="5389563" algn="l"/>
-                <a:tab pos="5838825" algn="l"/>
-                <a:tab pos="6288088" algn="l"/>
-                <a:tab pos="6737350" algn="l"/>
-                <a:tab pos="7186613" algn="l"/>
-                <a:tab pos="7635875" algn="l"/>
-                <a:tab pos="8085138" algn="l"/>
-                <a:tab pos="8534400" algn="l"/>
-                <a:tab pos="8983663" algn="l"/>
-              </a:tabLst>
-            </a:pPr>
-            <a:r>
-              <a:rPr lang="en-US" sz="2400" dirty="0">
-                <a:solidFill>
-                  <a:schemeClr val="tx1"/>
-                </a:solidFill>
-                <a:latin typeface="CMR10" charset="0"/>
-              </a:rPr>
-              <a:t>f</a:t>
-            </a:r>
-            <a:endParaRPr lang="en-US" sz="2200" dirty="0">
-              <a:latin typeface="CMR10" charset="0"/>
-            </a:endParaRPr>
-          </a:p>
-          <a:p>
-            <a:pPr marL="522287" indent="-514350">
-              <a:buClrTx/>
-              <a:buFont typeface="+mj-lt"/>
-              <a:buAutoNum type="arabicPeriod"/>
-              <a:tabLst>
-                <a:tab pos="342900" algn="l"/>
-                <a:tab pos="447675" algn="l"/>
-                <a:tab pos="896938" algn="l"/>
-                <a:tab pos="1346200" algn="l"/>
-                <a:tab pos="1795463" algn="l"/>
-                <a:tab pos="2244725" algn="l"/>
-                <a:tab pos="2693988" algn="l"/>
-                <a:tab pos="3143250" algn="l"/>
-                <a:tab pos="3592513" algn="l"/>
-                <a:tab pos="4041775" algn="l"/>
-                <a:tab pos="4491038" algn="l"/>
-                <a:tab pos="4940300" algn="l"/>
-                <a:tab pos="5389563" algn="l"/>
-                <a:tab pos="5838825" algn="l"/>
-                <a:tab pos="6288088" algn="l"/>
-                <a:tab pos="6737350" algn="l"/>
-                <a:tab pos="7186613" algn="l"/>
-                <a:tab pos="7635875" algn="l"/>
-                <a:tab pos="8085138" algn="l"/>
-                <a:tab pos="8534400" algn="l"/>
-                <a:tab pos="8983663" algn="l"/>
-              </a:tabLst>
-            </a:pPr>
-            <a:endParaRPr lang="en-US" sz="2600" dirty="0">
-              <a:latin typeface="CMR10" charset="0"/>
-            </a:endParaRPr>
-          </a:p>
-        </p:txBody>
-      </p:sp>
+      <mc:AlternateContent xmlns:mc="http://schemas.openxmlformats.org/markup-compatibility/2006">
+        <mc:Choice xmlns:a14="http://schemas.microsoft.com/office/drawing/2010/main" Requires="a14">
+          <p:sp>
+            <p:nvSpPr>
+              <p:cNvPr id="5121" name="Rectangle 1"/>
+              <p:cNvSpPr>
+                <a:spLocks noGrp="1" noChangeArrowheads="1"/>
+              </p:cNvSpPr>
+              <p:nvPr>
+                <p:ph type="body" idx="4294967295"/>
+              </p:nvPr>
+            </p:nvSpPr>
+            <p:spPr>
+              <a:xfrm>
+                <a:off x="457200" y="1700808"/>
+                <a:ext cx="8291513" cy="4608512"/>
+              </a:xfrm>
+              <a:ln/>
+            </p:spPr>
+            <p:txBody>
+              <a:bodyPr/>
+              <a:lstStyle/>
+              <a:p>
+                <a:pPr marL="465137" indent="-457200" algn="just">
+                  <a:buClrTx/>
+                  <a:buFont typeface="Wingdings" pitchFamily="2" charset="2"/>
+                  <a:buChar char="q"/>
+                  <a:tabLst>
+                    <a:tab pos="342900" algn="l"/>
+                    <a:tab pos="447675" algn="l"/>
+                    <a:tab pos="896938" algn="l"/>
+                    <a:tab pos="1346200" algn="l"/>
+                    <a:tab pos="1795463" algn="l"/>
+                    <a:tab pos="2244725" algn="l"/>
+                    <a:tab pos="2693988" algn="l"/>
+                    <a:tab pos="3143250" algn="l"/>
+                    <a:tab pos="3592513" algn="l"/>
+                    <a:tab pos="4041775" algn="l"/>
+                    <a:tab pos="4491038" algn="l"/>
+                    <a:tab pos="4940300" algn="l"/>
+                    <a:tab pos="5389563" algn="l"/>
+                    <a:tab pos="5838825" algn="l"/>
+                    <a:tab pos="6288088" algn="l"/>
+                    <a:tab pos="6737350" algn="l"/>
+                    <a:tab pos="7186613" algn="l"/>
+                    <a:tab pos="7635875" algn="l"/>
+                    <a:tab pos="8085138" algn="l"/>
+                    <a:tab pos="8534400" algn="l"/>
+                    <a:tab pos="8983663" algn="l"/>
+                  </a:tabLst>
+                </a:pPr>
+                <a:r>
+                  <a:rPr lang="en-US" sz="2600" dirty="0" smtClean="0">
+                    <a:solidFill>
+                      <a:schemeClr val="tx1"/>
+                    </a:solidFill>
+                    <a:latin typeface="CMR10" charset="0"/>
+                  </a:rPr>
+                  <a:t>For </a:t>
+                </a:r>
+                <a:r>
+                  <a:rPr lang="en-US" sz="2600" dirty="0" smtClean="0">
+                    <a:solidFill>
+                      <a:schemeClr val="tx1"/>
+                    </a:solidFill>
+                    <a:latin typeface="CMR10" charset="0"/>
+                  </a:rPr>
+                  <a:t>our classification methods, we use </a:t>
+                </a:r>
+                <a:r>
+                  <a:rPr lang="en-US" sz="2600" dirty="0">
+                    <a:solidFill>
+                      <a:schemeClr val="tx1"/>
+                    </a:solidFill>
+                    <a:latin typeface="CMR10" charset="0"/>
+                  </a:rPr>
+                  <a:t>K-Fold Cross Validation with </a:t>
+                </a:r>
+                <a14:m>
+                  <m:oMath xmlns:m="http://schemas.openxmlformats.org/officeDocument/2006/math">
+                    <m:r>
+                      <a:rPr lang="en-US" sz="2600" i="1" dirty="0">
+                        <a:solidFill>
+                          <a:schemeClr val="tx1"/>
+                        </a:solidFill>
+                        <a:latin typeface="Cambria Math"/>
+                      </a:rPr>
+                      <m:t>𝐾</m:t>
+                    </m:r>
+                    <m:r>
+                      <a:rPr lang="en-US" sz="2600" i="1" dirty="0">
+                        <a:solidFill>
+                          <a:schemeClr val="tx1"/>
+                        </a:solidFill>
+                        <a:latin typeface="Cambria Math"/>
+                      </a:rPr>
+                      <m:t>=5</m:t>
+                    </m:r>
+                  </m:oMath>
+                </a14:m>
+                <a:endParaRPr lang="en-US" sz="2600" dirty="0" smtClean="0">
+                  <a:solidFill>
+                    <a:schemeClr val="tx1"/>
+                  </a:solidFill>
+                  <a:latin typeface="CMR10" charset="0"/>
+                </a:endParaRPr>
+              </a:p>
+              <a:p>
+                <a:pPr marL="465137" indent="-457200" algn="just">
+                  <a:buClrTx/>
+                  <a:buFont typeface="Wingdings" pitchFamily="2" charset="2"/>
+                  <a:buChar char="q"/>
+                  <a:tabLst>
+                    <a:tab pos="342900" algn="l"/>
+                    <a:tab pos="447675" algn="l"/>
+                    <a:tab pos="896938" algn="l"/>
+                    <a:tab pos="1346200" algn="l"/>
+                    <a:tab pos="1795463" algn="l"/>
+                    <a:tab pos="2244725" algn="l"/>
+                    <a:tab pos="2693988" algn="l"/>
+                    <a:tab pos="3143250" algn="l"/>
+                    <a:tab pos="3592513" algn="l"/>
+                    <a:tab pos="4041775" algn="l"/>
+                    <a:tab pos="4491038" algn="l"/>
+                    <a:tab pos="4940300" algn="l"/>
+                    <a:tab pos="5389563" algn="l"/>
+                    <a:tab pos="5838825" algn="l"/>
+                    <a:tab pos="6288088" algn="l"/>
+                    <a:tab pos="6737350" algn="l"/>
+                    <a:tab pos="7186613" algn="l"/>
+                    <a:tab pos="7635875" algn="l"/>
+                    <a:tab pos="8085138" algn="l"/>
+                    <a:tab pos="8534400" algn="l"/>
+                    <a:tab pos="8983663" algn="l"/>
+                  </a:tabLst>
+                </a:pPr>
+                <a:endParaRPr lang="en-US" sz="1000" dirty="0" smtClean="0">
+                  <a:solidFill>
+                    <a:schemeClr val="tx1"/>
+                  </a:solidFill>
+                  <a:latin typeface="CMR10" charset="0"/>
+                </a:endParaRPr>
+              </a:p>
+              <a:p>
+                <a:pPr lvl="1" indent="-342900">
+                  <a:lnSpc>
+                    <a:spcPct val="95000"/>
+                  </a:lnSpc>
+                  <a:spcBef>
+                    <a:spcPct val="0"/>
+                  </a:spcBef>
+                  <a:buFontTx/>
+                  <a:buChar char="•"/>
+                </a:pPr>
+                <a:r>
+                  <a:rPr lang="en-US" sz="2200" dirty="0" smtClean="0">
+                    <a:solidFill>
+                      <a:srgbClr val="000000"/>
+                    </a:solidFill>
+                    <a:latin typeface="Arial" pitchFamily="34" charset="0"/>
+                  </a:rPr>
+                  <a:t>Training Data chosen:</a:t>
+                </a:r>
+                <a:r>
+                  <a:rPr lang="en-US" sz="2200" dirty="0">
+                    <a:solidFill>
+                      <a:srgbClr val="000000"/>
+                    </a:solidFill>
+                    <a:latin typeface="Arial" pitchFamily="34" charset="0"/>
+                  </a:rPr>
+                  <a:t> 90% of the original </a:t>
+                </a:r>
+                <a:r>
+                  <a:rPr lang="en-US" sz="2200" dirty="0" smtClean="0">
+                    <a:solidFill>
+                      <a:srgbClr val="000000"/>
+                    </a:solidFill>
+                    <a:latin typeface="Arial" pitchFamily="34" charset="0"/>
+                  </a:rPr>
+                  <a:t>data set.</a:t>
+                </a:r>
+                <a:endParaRPr lang="en-US" sz="2200" dirty="0"/>
+              </a:p>
+              <a:p>
+                <a:pPr lvl="1" indent="-342900">
+                  <a:lnSpc>
+                    <a:spcPct val="95000"/>
+                  </a:lnSpc>
+                  <a:spcBef>
+                    <a:spcPct val="0"/>
+                  </a:spcBef>
+                  <a:buFontTx/>
+                  <a:buChar char="•"/>
+                </a:pPr>
+                <a:r>
+                  <a:rPr lang="en-US" sz="2200" dirty="0" smtClean="0">
+                    <a:solidFill>
+                      <a:srgbClr val="000000"/>
+                    </a:solidFill>
+                    <a:latin typeface="Arial" pitchFamily="34" charset="0"/>
+                  </a:rPr>
+                  <a:t>Accuracy with Hidden Markov Models: </a:t>
+                </a:r>
+              </a:p>
+              <a:p>
+                <a:pPr lvl="2" indent="-342900">
+                  <a:lnSpc>
+                    <a:spcPct val="95000"/>
+                  </a:lnSpc>
+                  <a:spcBef>
+                    <a:spcPct val="0"/>
+                  </a:spcBef>
+                  <a:buFontTx/>
+                  <a:buChar char="•"/>
+                </a:pPr>
+                <a:r>
+                  <a:rPr lang="en-US" sz="1800" dirty="0" smtClean="0">
+                    <a:solidFill>
+                      <a:srgbClr val="000000"/>
+                    </a:solidFill>
+                    <a:latin typeface="Arial" pitchFamily="34" charset="0"/>
+                  </a:rPr>
+                  <a:t>XXX% </a:t>
+                </a:r>
+                <a:r>
+                  <a:rPr lang="en-US" sz="1800" dirty="0">
+                    <a:solidFill>
+                      <a:srgbClr val="000000"/>
+                    </a:solidFill>
+                    <a:latin typeface="Arial" pitchFamily="34" charset="0"/>
+                  </a:rPr>
+                  <a:t>(on </a:t>
+                </a:r>
+                <a:r>
+                  <a:rPr lang="en-US" sz="1800" dirty="0" smtClean="0">
+                    <a:solidFill>
+                      <a:srgbClr val="000000"/>
+                    </a:solidFill>
+                    <a:latin typeface="Arial" pitchFamily="34" charset="0"/>
+                  </a:rPr>
+                  <a:t>the 10% of test Data)</a:t>
+                </a:r>
+                <a:endParaRPr lang="en-US" sz="1800" dirty="0"/>
+              </a:p>
+              <a:p>
+                <a:pPr>
+                  <a:lnSpc>
+                    <a:spcPct val="95000"/>
+                  </a:lnSpc>
+                  <a:spcBef>
+                    <a:spcPct val="0"/>
+                  </a:spcBef>
+                </a:pPr>
+                <a:endParaRPr lang="en-US" sz="2400" dirty="0">
+                  <a:solidFill>
+                    <a:srgbClr val="000000"/>
+                  </a:solidFill>
+                  <a:latin typeface="Arial" pitchFamily="34" charset="0"/>
+                </a:endParaRPr>
+              </a:p>
+              <a:p>
+                <a:pPr>
+                  <a:lnSpc>
+                    <a:spcPct val="95000"/>
+                  </a:lnSpc>
+                  <a:spcBef>
+                    <a:spcPct val="0"/>
+                  </a:spcBef>
+                </a:pPr>
+                <a:r>
+                  <a:rPr lang="en-US" sz="2400" dirty="0">
+                    <a:solidFill>
+                      <a:srgbClr val="000000"/>
+                    </a:solidFill>
+                    <a:latin typeface="Arial" pitchFamily="34" charset="0"/>
+                  </a:rPr>
+                  <a:t>    (not considering multiword prepositions. "in" is not "in front of")</a:t>
+                </a:r>
+                <a:endParaRPr lang="en-US" dirty="0"/>
+              </a:p>
+              <a:p>
+                <a:pPr>
+                  <a:lnSpc>
+                    <a:spcPct val="95000"/>
+                  </a:lnSpc>
+                  <a:spcBef>
+                    <a:spcPct val="0"/>
+                  </a:spcBef>
+                </a:pPr>
+                <a:endParaRPr lang="en-US" sz="2400" dirty="0">
+                  <a:solidFill>
+                    <a:srgbClr val="000000"/>
+                  </a:solidFill>
+                  <a:latin typeface="Arial" pitchFamily="34" charset="0"/>
+                </a:endParaRPr>
+              </a:p>
+              <a:p>
+                <a:pPr marL="465137" indent="-457200" algn="just">
+                  <a:buClrTx/>
+                  <a:buFont typeface="Wingdings" pitchFamily="2" charset="2"/>
+                  <a:buChar char="q"/>
+                  <a:tabLst>
+                    <a:tab pos="342900" algn="l"/>
+                    <a:tab pos="447675" algn="l"/>
+                    <a:tab pos="896938" algn="l"/>
+                    <a:tab pos="1346200" algn="l"/>
+                    <a:tab pos="1795463" algn="l"/>
+                    <a:tab pos="2244725" algn="l"/>
+                    <a:tab pos="2693988" algn="l"/>
+                    <a:tab pos="3143250" algn="l"/>
+                    <a:tab pos="3592513" algn="l"/>
+                    <a:tab pos="4041775" algn="l"/>
+                    <a:tab pos="4491038" algn="l"/>
+                    <a:tab pos="4940300" algn="l"/>
+                    <a:tab pos="5389563" algn="l"/>
+                    <a:tab pos="5838825" algn="l"/>
+                    <a:tab pos="6288088" algn="l"/>
+                    <a:tab pos="6737350" algn="l"/>
+                    <a:tab pos="7186613" algn="l"/>
+                    <a:tab pos="7635875" algn="l"/>
+                    <a:tab pos="8085138" algn="l"/>
+                    <a:tab pos="8534400" algn="l"/>
+                    <a:tab pos="8983663" algn="l"/>
+                  </a:tabLst>
+                </a:pPr>
+                <a:endParaRPr lang="en-US" sz="2800" dirty="0">
+                  <a:solidFill>
+                    <a:schemeClr val="tx1"/>
+                  </a:solidFill>
+                  <a:latin typeface="CMR10" charset="0"/>
+                </a:endParaRPr>
+              </a:p>
+              <a:p>
+                <a:pPr marL="7937" indent="0">
+                  <a:buClrTx/>
+                  <a:tabLst>
+                    <a:tab pos="342900" algn="l"/>
+                    <a:tab pos="447675" algn="l"/>
+                    <a:tab pos="896938" algn="l"/>
+                    <a:tab pos="1346200" algn="l"/>
+                    <a:tab pos="1795463" algn="l"/>
+                    <a:tab pos="2244725" algn="l"/>
+                    <a:tab pos="2693988" algn="l"/>
+                    <a:tab pos="3143250" algn="l"/>
+                    <a:tab pos="3592513" algn="l"/>
+                    <a:tab pos="4041775" algn="l"/>
+                    <a:tab pos="4491038" algn="l"/>
+                    <a:tab pos="4940300" algn="l"/>
+                    <a:tab pos="5389563" algn="l"/>
+                    <a:tab pos="5838825" algn="l"/>
+                    <a:tab pos="6288088" algn="l"/>
+                    <a:tab pos="6737350" algn="l"/>
+                    <a:tab pos="7186613" algn="l"/>
+                    <a:tab pos="7635875" algn="l"/>
+                    <a:tab pos="8085138" algn="l"/>
+                    <a:tab pos="8534400" algn="l"/>
+                    <a:tab pos="8983663" algn="l"/>
+                  </a:tabLst>
+                </a:pPr>
+                <a:endParaRPr lang="en-US" sz="2600" dirty="0">
+                  <a:latin typeface="CMR10" charset="0"/>
+                </a:endParaRPr>
+              </a:p>
+              <a:p>
+                <a:pPr marL="522287" indent="-514350">
+                  <a:buClrTx/>
+                  <a:buFont typeface="+mj-lt"/>
+                  <a:buAutoNum type="arabicPeriod"/>
+                  <a:tabLst>
+                    <a:tab pos="342900" algn="l"/>
+                    <a:tab pos="447675" algn="l"/>
+                    <a:tab pos="896938" algn="l"/>
+                    <a:tab pos="1346200" algn="l"/>
+                    <a:tab pos="1795463" algn="l"/>
+                    <a:tab pos="2244725" algn="l"/>
+                    <a:tab pos="2693988" algn="l"/>
+                    <a:tab pos="3143250" algn="l"/>
+                    <a:tab pos="3592513" algn="l"/>
+                    <a:tab pos="4041775" algn="l"/>
+                    <a:tab pos="4491038" algn="l"/>
+                    <a:tab pos="4940300" algn="l"/>
+                    <a:tab pos="5389563" algn="l"/>
+                    <a:tab pos="5838825" algn="l"/>
+                    <a:tab pos="6288088" algn="l"/>
+                    <a:tab pos="6737350" algn="l"/>
+                    <a:tab pos="7186613" algn="l"/>
+                    <a:tab pos="7635875" algn="l"/>
+                    <a:tab pos="8085138" algn="l"/>
+                    <a:tab pos="8534400" algn="l"/>
+                    <a:tab pos="8983663" algn="l"/>
+                  </a:tabLst>
+                </a:pPr>
+                <a:endParaRPr lang="en-US" sz="2600" dirty="0">
+                  <a:latin typeface="CMR10" charset="0"/>
+                </a:endParaRPr>
+              </a:p>
+            </p:txBody>
+          </p:sp>
+        </mc:Choice>
+        <mc:Fallback>
+          <p:sp>
+            <p:nvSpPr>
+              <p:cNvPr id="5121" name="Rectangle 1"/>
+              <p:cNvSpPr>
+                <a:spLocks noGrp="1" noRot="1" noChangeAspect="1" noMove="1" noResize="1" noEditPoints="1" noAdjustHandles="1" noChangeArrowheads="1" noChangeShapeType="1" noTextEdit="1"/>
+              </p:cNvSpPr>
+              <p:nvPr>
+                <p:ph type="body" idx="4294967295"/>
+              </p:nvPr>
+            </p:nvSpPr>
+            <p:spPr>
+              <a:xfrm>
+                <a:off x="457200" y="1700808"/>
+                <a:ext cx="8291513" cy="4608512"/>
+              </a:xfrm>
+              <a:blipFill rotWithShape="1">
+                <a:blip r:embed="rId3"/>
+                <a:stretch>
+                  <a:fillRect l="-1103" t="-1058" r="-1397"/>
+                </a:stretch>
+              </a:blipFill>
+              <a:ln/>
+            </p:spPr>
+            <p:txBody>
+              <a:bodyPr/>
+              <a:lstStyle/>
+              <a:p>
+                <a:r>
+                  <a:rPr lang="en-US">
+                    <a:noFill/>
+                  </a:rPr>
+                  <a:t> </a:t>
+                </a:r>
+              </a:p>
+            </p:txBody>
+          </p:sp>
+        </mc:Fallback>
+      </mc:AlternateContent>
       <p:sp>
         <p:nvSpPr>
           <p:cNvPr id="5122" name="Text Box 2"/>
@@ -18792,7 +19905,7 @@
         </p:nvSpPr>
         <p:spPr bwMode="auto">
           <a:xfrm>
-            <a:off x="457200" y="260350"/>
+            <a:off x="457200" y="188640"/>
             <a:ext cx="8291513" cy="720725"/>
           </a:xfrm>
           <a:prstGeom prst="rect">
@@ -19171,8 +20284,6 @@
           <a:p>
             <a:pPr>
               <a:buClrTx/>
-              <a:buFontTx/>
-              <a:buNone/>
             </a:pPr>
             <a:r>
               <a:rPr lang="en-US" sz="3600" b="1" dirty="0" smtClean="0">
@@ -19187,9 +20298,9 @@
                   </a:outerShdw>
                 </a:effectLst>
               </a:rPr>
-              <a:t>Conclusion</a:t>
-            </a:r>
-            <a:endParaRPr lang="en-US" sz="3600" b="1" dirty="0">
+              <a:t>Experiments for Jointly Identification</a:t>
+            </a:r>
+            <a:endParaRPr lang="en-US" sz="3600" b="1" dirty="0" smtClean="0">
               <a:solidFill>
                 <a:srgbClr val="FFFFFF"/>
               </a:solidFill>
@@ -19238,7 +20349,7 @@
     </p:spTree>
     <p:extLst>
       <p:ext uri="{BB962C8B-B14F-4D97-AF65-F5344CB8AC3E}">
-        <p14:creationId xmlns:p14="http://schemas.microsoft.com/office/powerpoint/2010/main" val="2795773487"/>
+        <p14:creationId xmlns:p14="http://schemas.microsoft.com/office/powerpoint/2010/main" val="980853417"/>
       </p:ext>
     </p:extLst>
   </p:cSld>
@@ -19297,80 +20408,7 @@
       </p:grpSpPr>
       <p:sp>
         <p:nvSpPr>
-          <p:cNvPr id="7169" name="Rectangle 1"/>
-          <p:cNvSpPr>
-            <a:spLocks noGrp="1" noChangeArrowheads="1"/>
-          </p:cNvSpPr>
-          <p:nvPr>
-            <p:ph type="title" idx="4294967295"/>
-          </p:nvPr>
-        </p:nvSpPr>
-        <p:spPr>
-          <a:xfrm>
-            <a:off x="457200" y="260350"/>
-            <a:ext cx="8291513" cy="720725"/>
-          </a:xfrm>
-          <a:ln/>
-        </p:spPr>
-        <p:txBody>
-          <a:bodyPr/>
-          <a:lstStyle/>
-          <a:p>
-            <a:pPr>
-              <a:buClrTx/>
-              <a:buFontTx/>
-              <a:buNone/>
-              <a:tabLst>
-                <a:tab pos="0" algn="l"/>
-                <a:tab pos="447675" algn="l"/>
-                <a:tab pos="896938" algn="l"/>
-                <a:tab pos="1346200" algn="l"/>
-                <a:tab pos="1795463" algn="l"/>
-                <a:tab pos="2244725" algn="l"/>
-                <a:tab pos="2693988" algn="l"/>
-                <a:tab pos="3143250" algn="l"/>
-                <a:tab pos="3592513" algn="l"/>
-                <a:tab pos="4041775" algn="l"/>
-                <a:tab pos="4491038" algn="l"/>
-                <a:tab pos="4940300" algn="l"/>
-                <a:tab pos="5389563" algn="l"/>
-                <a:tab pos="5838825" algn="l"/>
-                <a:tab pos="6288088" algn="l"/>
-                <a:tab pos="6737350" algn="l"/>
-                <a:tab pos="7186613" algn="l"/>
-                <a:tab pos="7635875" algn="l"/>
-                <a:tab pos="8085138" algn="l"/>
-                <a:tab pos="8534400" algn="l"/>
-                <a:tab pos="8983663" algn="l"/>
-              </a:tabLst>
-            </a:pPr>
-            <a:r>
-              <a:rPr lang="en-US" b="1" dirty="0" smtClean="0">
-                <a:effectLst>
-                  <a:outerShdw blurRad="38100" dist="38100" dir="2700000" algn="tl">
-                    <a:srgbClr val="000000">
-                      <a:alpha val="43137"/>
-                    </a:srgbClr>
-                  </a:outerShdw>
-                </a:effectLst>
-              </a:rPr>
-              <a:t>References</a:t>
-            </a:r>
-            <a:endParaRPr lang="en-US" b="1" dirty="0">
-              <a:effectLst>
-                <a:outerShdw blurRad="38100" dist="38100" dir="2700000" algn="tl">
-                  <a:srgbClr val="000000">
-                    <a:alpha val="43137"/>
-                  </a:srgbClr>
-                </a:outerShdw>
-              </a:effectLst>
-            </a:endParaRPr>
-          </a:p>
-        </p:txBody>
-      </p:sp>
-      <p:sp>
-        <p:nvSpPr>
-          <p:cNvPr id="7170" name="Rectangle 2"/>
+          <p:cNvPr id="5121" name="Rectangle 1"/>
           <p:cNvSpPr>
             <a:spLocks noGrp="1" noChangeArrowheads="1"/>
           </p:cNvSpPr>
@@ -19380,8 +20418,8 @@
         </p:nvSpPr>
         <p:spPr>
           <a:xfrm>
-            <a:off x="360363" y="1844824"/>
-            <a:ext cx="8291512" cy="4635351"/>
+            <a:off x="457200" y="1700808"/>
+            <a:ext cx="8291513" cy="4608512"/>
           </a:xfrm>
           <a:ln/>
         </p:spPr>
@@ -19389,423 +20427,7 @@
           <a:bodyPr/>
           <a:lstStyle/>
           <a:p>
-            <a:pPr indent="-341313" algn="just">
-              <a:tabLst>
-                <a:tab pos="358775" algn="l"/>
-                <a:tab pos="447675" algn="l"/>
-                <a:tab pos="896938" algn="l"/>
-                <a:tab pos="1346200" algn="l"/>
-                <a:tab pos="1795463" algn="l"/>
-                <a:tab pos="2244725" algn="l"/>
-                <a:tab pos="2693988" algn="l"/>
-                <a:tab pos="3143250" algn="l"/>
-                <a:tab pos="3592513" algn="l"/>
-                <a:tab pos="4041775" algn="l"/>
-                <a:tab pos="4491038" algn="l"/>
-                <a:tab pos="4940300" algn="l"/>
-                <a:tab pos="5389563" algn="l"/>
-                <a:tab pos="5838825" algn="l"/>
-                <a:tab pos="6288088" algn="l"/>
-                <a:tab pos="6737350" algn="l"/>
-                <a:tab pos="7186613" algn="l"/>
-                <a:tab pos="7635875" algn="l"/>
-                <a:tab pos="8085138" algn="l"/>
-                <a:tab pos="8534400" algn="l"/>
-                <a:tab pos="8983663" algn="l"/>
-              </a:tabLst>
-            </a:pPr>
-            <a:r>
-              <a:rPr lang="en-US" sz="1400" dirty="0" smtClean="0">
-                <a:solidFill>
-                  <a:schemeClr val="tx1"/>
-                </a:solidFill>
-              </a:rPr>
-              <a:t>[1]	P</a:t>
-            </a:r>
-            <a:r>
-              <a:rPr lang="en-US" sz="1400" dirty="0">
-                <a:solidFill>
-                  <a:schemeClr val="tx1"/>
-                </a:solidFill>
-              </a:rPr>
-              <a:t>. </a:t>
-            </a:r>
-            <a:r>
-              <a:rPr lang="en-US" sz="1400" dirty="0" err="1">
-                <a:solidFill>
-                  <a:schemeClr val="tx1"/>
-                </a:solidFill>
-              </a:rPr>
-              <a:t>Kordjamshidi</a:t>
-            </a:r>
-            <a:r>
-              <a:rPr lang="en-US" sz="1400" dirty="0">
-                <a:solidFill>
-                  <a:schemeClr val="tx1"/>
-                </a:solidFill>
-              </a:rPr>
-              <a:t>, M van </a:t>
-            </a:r>
-            <a:r>
-              <a:rPr lang="en-US" sz="1400" dirty="0" err="1">
-                <a:solidFill>
-                  <a:schemeClr val="tx1"/>
-                </a:solidFill>
-              </a:rPr>
-              <a:t>Otterlo</a:t>
-            </a:r>
-            <a:r>
-              <a:rPr lang="en-US" sz="1400" dirty="0">
-                <a:solidFill>
-                  <a:schemeClr val="tx1"/>
-                </a:solidFill>
-              </a:rPr>
-              <a:t>, and M. F. </a:t>
-            </a:r>
-            <a:r>
-              <a:rPr lang="en-US" sz="1400" dirty="0" err="1">
-                <a:solidFill>
-                  <a:schemeClr val="tx1"/>
-                </a:solidFill>
-              </a:rPr>
-              <a:t>Moens</a:t>
-            </a:r>
-            <a:r>
-              <a:rPr lang="en-US" sz="1400" dirty="0">
-                <a:solidFill>
-                  <a:schemeClr val="tx1"/>
-                </a:solidFill>
-              </a:rPr>
-              <a:t>. Spatial role labeling: task deﬁnition and </a:t>
-            </a:r>
-            <a:r>
-              <a:rPr lang="en-US" sz="1400" dirty="0" smtClean="0">
-                <a:solidFill>
-                  <a:schemeClr val="tx1"/>
-                </a:solidFill>
-              </a:rPr>
-              <a:t>annotation scheme</a:t>
-            </a:r>
-            <a:r>
-              <a:rPr lang="en-US" sz="1400" dirty="0">
-                <a:solidFill>
-                  <a:schemeClr val="tx1"/>
-                </a:solidFill>
-              </a:rPr>
-              <a:t>. In LREC, </a:t>
-            </a:r>
-            <a:r>
-              <a:rPr lang="en-US" sz="1400" dirty="0" smtClean="0">
-                <a:solidFill>
-                  <a:schemeClr val="tx1"/>
-                </a:solidFill>
-              </a:rPr>
-              <a:t>2010.</a:t>
-            </a:r>
-          </a:p>
-          <a:p>
-            <a:pPr indent="-341313" algn="just">
-              <a:tabLst>
-                <a:tab pos="358775" algn="l"/>
-                <a:tab pos="447675" algn="l"/>
-                <a:tab pos="896938" algn="l"/>
-                <a:tab pos="1346200" algn="l"/>
-                <a:tab pos="1795463" algn="l"/>
-                <a:tab pos="2244725" algn="l"/>
-                <a:tab pos="2693988" algn="l"/>
-                <a:tab pos="3143250" algn="l"/>
-                <a:tab pos="3592513" algn="l"/>
-                <a:tab pos="4041775" algn="l"/>
-                <a:tab pos="4491038" algn="l"/>
-                <a:tab pos="4940300" algn="l"/>
-                <a:tab pos="5389563" algn="l"/>
-                <a:tab pos="5838825" algn="l"/>
-                <a:tab pos="6288088" algn="l"/>
-                <a:tab pos="6737350" algn="l"/>
-                <a:tab pos="7186613" algn="l"/>
-                <a:tab pos="7635875" algn="l"/>
-                <a:tab pos="8085138" algn="l"/>
-                <a:tab pos="8534400" algn="l"/>
-                <a:tab pos="8983663" algn="l"/>
-              </a:tabLst>
-            </a:pPr>
-            <a:r>
-              <a:rPr lang="en-US" sz="1400" dirty="0" smtClean="0">
-                <a:solidFill>
-                  <a:schemeClr val="tx1"/>
-                </a:solidFill>
-              </a:rPr>
-              <a:t>[2]	P</a:t>
-            </a:r>
-            <a:r>
-              <a:rPr lang="en-US" sz="1400" dirty="0">
-                <a:solidFill>
-                  <a:schemeClr val="tx1"/>
-                </a:solidFill>
-              </a:rPr>
-              <a:t>. </a:t>
-            </a:r>
-            <a:r>
-              <a:rPr lang="en-US" sz="1400" dirty="0" err="1">
-                <a:solidFill>
-                  <a:schemeClr val="tx1"/>
-                </a:solidFill>
-              </a:rPr>
-              <a:t>Kordjamshidi</a:t>
-            </a:r>
-            <a:r>
-              <a:rPr lang="en-US" sz="1400" dirty="0">
-                <a:solidFill>
-                  <a:schemeClr val="tx1"/>
-                </a:solidFill>
-              </a:rPr>
-              <a:t>, M van </a:t>
-            </a:r>
-            <a:r>
-              <a:rPr lang="en-US" sz="1400" dirty="0" err="1">
-                <a:solidFill>
-                  <a:schemeClr val="tx1"/>
-                </a:solidFill>
-              </a:rPr>
-              <a:t>Otterlo</a:t>
-            </a:r>
-            <a:r>
-              <a:rPr lang="en-US" sz="1400" dirty="0">
-                <a:solidFill>
-                  <a:schemeClr val="tx1"/>
-                </a:solidFill>
-              </a:rPr>
-              <a:t>, and M. F. </a:t>
-            </a:r>
-            <a:r>
-              <a:rPr lang="en-US" sz="1400" dirty="0" err="1">
-                <a:solidFill>
-                  <a:schemeClr val="tx1"/>
-                </a:solidFill>
-              </a:rPr>
-              <a:t>Moens</a:t>
-            </a:r>
-            <a:r>
-              <a:rPr lang="en-US" sz="1400" dirty="0">
-                <a:solidFill>
-                  <a:schemeClr val="tx1"/>
-                </a:solidFill>
-              </a:rPr>
-              <a:t>. From language towards formal spatial calculi.</a:t>
-            </a:r>
-            <a:br>
-              <a:rPr lang="en-US" sz="1400" dirty="0">
-                <a:solidFill>
-                  <a:schemeClr val="tx1"/>
-                </a:solidFill>
-              </a:rPr>
-            </a:br>
-            <a:r>
-              <a:rPr lang="en-US" sz="1400" dirty="0">
-                <a:solidFill>
-                  <a:schemeClr val="tx1"/>
-                </a:solidFill>
-              </a:rPr>
-              <a:t>In Workshop on Computational Models of Spatial Language Interpretation (</a:t>
-            </a:r>
-            <a:r>
-              <a:rPr lang="en-US" sz="1400" dirty="0" err="1">
-                <a:solidFill>
-                  <a:schemeClr val="tx1"/>
-                </a:solidFill>
-              </a:rPr>
-              <a:t>CoSLI</a:t>
-            </a:r>
-            <a:r>
-              <a:rPr lang="en-US" sz="1400" dirty="0">
-                <a:solidFill>
-                  <a:schemeClr val="tx1"/>
-                </a:solidFill>
-              </a:rPr>
-              <a:t> 2010, at Spatial</a:t>
-            </a:r>
-            <a:br>
-              <a:rPr lang="en-US" sz="1400" dirty="0">
-                <a:solidFill>
-                  <a:schemeClr val="tx1"/>
-                </a:solidFill>
-              </a:rPr>
-            </a:br>
-            <a:r>
-              <a:rPr lang="en-US" sz="1400" dirty="0">
-                <a:solidFill>
-                  <a:schemeClr val="tx1"/>
-                </a:solidFill>
-              </a:rPr>
-              <a:t>Cognition 2010), 2010.</a:t>
-            </a:r>
-          </a:p>
-          <a:p>
-            <a:pPr indent="-341313" algn="just">
-              <a:tabLst>
-                <a:tab pos="358775" algn="l"/>
-                <a:tab pos="447675" algn="l"/>
-                <a:tab pos="896938" algn="l"/>
-                <a:tab pos="1346200" algn="l"/>
-                <a:tab pos="1795463" algn="l"/>
-                <a:tab pos="2244725" algn="l"/>
-                <a:tab pos="2693988" algn="l"/>
-                <a:tab pos="3143250" algn="l"/>
-                <a:tab pos="3592513" algn="l"/>
-                <a:tab pos="4041775" algn="l"/>
-                <a:tab pos="4491038" algn="l"/>
-                <a:tab pos="4940300" algn="l"/>
-                <a:tab pos="5389563" algn="l"/>
-                <a:tab pos="5838825" algn="l"/>
-                <a:tab pos="6288088" algn="l"/>
-                <a:tab pos="6737350" algn="l"/>
-                <a:tab pos="7186613" algn="l"/>
-                <a:tab pos="7635875" algn="l"/>
-                <a:tab pos="8085138" algn="l"/>
-                <a:tab pos="8534400" algn="l"/>
-                <a:tab pos="8983663" algn="l"/>
-              </a:tabLst>
-            </a:pPr>
-            <a:r>
-              <a:rPr lang="en-US" sz="1400" dirty="0" smtClean="0">
-                <a:solidFill>
-                  <a:schemeClr val="tx1"/>
-                </a:solidFill>
-              </a:rPr>
-              <a:t>[3]	</a:t>
-            </a:r>
-            <a:r>
-              <a:rPr lang="en-US" sz="1400" dirty="0" err="1" smtClean="0">
-                <a:solidFill>
-                  <a:schemeClr val="tx1"/>
-                </a:solidFill>
-              </a:rPr>
-              <a:t>Parisa</a:t>
-            </a:r>
-            <a:r>
-              <a:rPr lang="en-US" sz="1400" dirty="0" smtClean="0">
-                <a:solidFill>
-                  <a:schemeClr val="tx1"/>
-                </a:solidFill>
-              </a:rPr>
-              <a:t> </a:t>
-            </a:r>
-            <a:r>
-              <a:rPr lang="en-US" sz="1400" dirty="0" err="1">
-                <a:solidFill>
-                  <a:schemeClr val="tx1"/>
-                </a:solidFill>
-              </a:rPr>
-              <a:t>Kordjamshidi</a:t>
-            </a:r>
-            <a:r>
-              <a:rPr lang="en-US" sz="1400" dirty="0">
-                <a:solidFill>
-                  <a:schemeClr val="tx1"/>
-                </a:solidFill>
-              </a:rPr>
-              <a:t>, </a:t>
-            </a:r>
-            <a:r>
-              <a:rPr lang="en-US" sz="1400" dirty="0" err="1">
-                <a:solidFill>
-                  <a:schemeClr val="tx1"/>
-                </a:solidFill>
-              </a:rPr>
-              <a:t>Martijn</a:t>
-            </a:r>
-            <a:r>
-              <a:rPr lang="en-US" sz="1400" dirty="0">
-                <a:solidFill>
-                  <a:schemeClr val="tx1"/>
-                </a:solidFill>
-              </a:rPr>
-              <a:t> van </a:t>
-            </a:r>
-            <a:r>
-              <a:rPr lang="en-US" sz="1400" dirty="0" err="1">
-                <a:solidFill>
-                  <a:schemeClr val="tx1"/>
-                </a:solidFill>
-              </a:rPr>
-              <a:t>Otterlo</a:t>
-            </a:r>
-            <a:r>
-              <a:rPr lang="en-US" sz="1400" dirty="0">
-                <a:solidFill>
-                  <a:schemeClr val="tx1"/>
-                </a:solidFill>
-              </a:rPr>
-              <a:t>, and Marie-</a:t>
-            </a:r>
-            <a:r>
-              <a:rPr lang="en-US" sz="1400" dirty="0" err="1">
-                <a:solidFill>
-                  <a:schemeClr val="tx1"/>
-                </a:solidFill>
-              </a:rPr>
-              <a:t>Francie</a:t>
-            </a:r>
-            <a:r>
-              <a:rPr lang="en-US" sz="1400" dirty="0">
-                <a:solidFill>
-                  <a:schemeClr val="tx1"/>
-                </a:solidFill>
-              </a:rPr>
-              <a:t> </a:t>
-            </a:r>
-            <a:r>
-              <a:rPr lang="en-US" sz="1400" dirty="0" err="1">
-                <a:solidFill>
-                  <a:schemeClr val="tx1"/>
-                </a:solidFill>
-              </a:rPr>
-              <a:t>Moens</a:t>
-            </a:r>
-            <a:r>
-              <a:rPr lang="en-US" sz="1400" dirty="0">
-                <a:solidFill>
-                  <a:schemeClr val="tx1"/>
-                </a:solidFill>
-              </a:rPr>
-              <a:t>. Spatial role labeling: Towards extraction of spatial relations from natural language. ACM Transactions on Speech and Language Processing, Nov. 2011. to appear.</a:t>
-            </a:r>
-          </a:p>
-          <a:p>
-            <a:pPr indent="-341313">
-              <a:buClrTx/>
-              <a:buFontTx/>
-              <a:buNone/>
-              <a:tabLst>
-                <a:tab pos="358775" algn="l"/>
-                <a:tab pos="447675" algn="l"/>
-                <a:tab pos="896938" algn="l"/>
-                <a:tab pos="1346200" algn="l"/>
-                <a:tab pos="1795463" algn="l"/>
-                <a:tab pos="2244725" algn="l"/>
-                <a:tab pos="2693988" algn="l"/>
-                <a:tab pos="3143250" algn="l"/>
-                <a:tab pos="3592513" algn="l"/>
-                <a:tab pos="4041775" algn="l"/>
-                <a:tab pos="4491038" algn="l"/>
-                <a:tab pos="4940300" algn="l"/>
-                <a:tab pos="5389563" algn="l"/>
-                <a:tab pos="5838825" algn="l"/>
-                <a:tab pos="6288088" algn="l"/>
-                <a:tab pos="6737350" algn="l"/>
-                <a:tab pos="7186613" algn="l"/>
-                <a:tab pos="7635875" algn="l"/>
-                <a:tab pos="8085138" algn="l"/>
-                <a:tab pos="8534400" algn="l"/>
-                <a:tab pos="8983663" algn="l"/>
-              </a:tabLst>
-            </a:pPr>
-            <a:endParaRPr lang="es-ES" sz="2400" dirty="0">
-              <a:latin typeface="CMR10" charset="0"/>
-            </a:endParaRPr>
-          </a:p>
-          <a:p>
-            <a:pPr indent="-341313">
+            <a:pPr indent="-334963">
               <a:buClrTx/>
               <a:buFontTx/>
               <a:buNone/>
@@ -19833,15 +20455,15 @@
                 <a:tab pos="8983663" algn="l"/>
               </a:tabLst>
             </a:pPr>
-            <a:endParaRPr lang="es-ES" sz="2400" dirty="0">
+            <a:endParaRPr lang="es-ES" sz="2600" dirty="0" smtClean="0">
               <a:latin typeface="CMR10" charset="0"/>
             </a:endParaRPr>
           </a:p>
           <a:p>
-            <a:pPr indent="-341313">
+            <a:pPr marL="522287" indent="-514350">
               <a:buClrTx/>
-              <a:buFontTx/>
-              <a:buNone/>
+              <a:buFont typeface="+mj-lt"/>
+              <a:buAutoNum type="arabicPeriod"/>
               <a:tabLst>
                 <a:tab pos="342900" algn="l"/>
                 <a:tab pos="447675" algn="l"/>
@@ -19866,8 +20488,691 @@
                 <a:tab pos="8983663" algn="l"/>
               </a:tabLst>
             </a:pPr>
-            <a:endParaRPr lang="es-ES" sz="2400" dirty="0">
+            <a:r>
+              <a:rPr lang="en-US" sz="2600" dirty="0" smtClean="0">
+                <a:solidFill>
+                  <a:schemeClr val="bg1">
+                    <a:lumMod val="95000"/>
+                  </a:schemeClr>
+                </a:solidFill>
+                <a:latin typeface="CMR10" charset="0"/>
+              </a:rPr>
+              <a:t>Introduction</a:t>
+            </a:r>
+          </a:p>
+          <a:p>
+            <a:pPr marL="522287" indent="-514350">
+              <a:buClrTx/>
+              <a:buFont typeface="+mj-lt"/>
+              <a:buAutoNum type="arabicPeriod"/>
+              <a:tabLst>
+                <a:tab pos="342900" algn="l"/>
+                <a:tab pos="447675" algn="l"/>
+                <a:tab pos="896938" algn="l"/>
+                <a:tab pos="1346200" algn="l"/>
+                <a:tab pos="1795463" algn="l"/>
+                <a:tab pos="2244725" algn="l"/>
+                <a:tab pos="2693988" algn="l"/>
+                <a:tab pos="3143250" algn="l"/>
+                <a:tab pos="3592513" algn="l"/>
+                <a:tab pos="4041775" algn="l"/>
+                <a:tab pos="4491038" algn="l"/>
+                <a:tab pos="4940300" algn="l"/>
+                <a:tab pos="5389563" algn="l"/>
+                <a:tab pos="5838825" algn="l"/>
+                <a:tab pos="6288088" algn="l"/>
+                <a:tab pos="6737350" algn="l"/>
+                <a:tab pos="7186613" algn="l"/>
+                <a:tab pos="7635875" algn="l"/>
+                <a:tab pos="8085138" algn="l"/>
+                <a:tab pos="8534400" algn="l"/>
+                <a:tab pos="8983663" algn="l"/>
+              </a:tabLst>
+            </a:pPr>
+            <a:r>
+              <a:rPr lang="en-US" sz="2600" dirty="0" smtClean="0">
+                <a:solidFill>
+                  <a:schemeClr val="bg1">
+                    <a:lumMod val="95000"/>
+                  </a:schemeClr>
+                </a:solidFill>
+                <a:latin typeface="CMR10" charset="0"/>
+              </a:rPr>
+              <a:t>Identification of </a:t>
+            </a:r>
+            <a:r>
+              <a:rPr lang="en-US" sz="2600" i="1" dirty="0" smtClean="0">
+                <a:solidFill>
+                  <a:schemeClr val="bg1">
+                    <a:lumMod val="95000"/>
+                  </a:schemeClr>
+                </a:solidFill>
+                <a:latin typeface="CMR10" charset="0"/>
+              </a:rPr>
+              <a:t>Spatial Indicators</a:t>
+            </a:r>
+          </a:p>
+          <a:p>
+            <a:pPr marL="522287" indent="-514350">
+              <a:buClrTx/>
+              <a:buFont typeface="+mj-lt"/>
+              <a:buAutoNum type="arabicPeriod"/>
+              <a:tabLst>
+                <a:tab pos="342900" algn="l"/>
+                <a:tab pos="447675" algn="l"/>
+                <a:tab pos="896938" algn="l"/>
+                <a:tab pos="1346200" algn="l"/>
+                <a:tab pos="1795463" algn="l"/>
+                <a:tab pos="2244725" algn="l"/>
+                <a:tab pos="2693988" algn="l"/>
+                <a:tab pos="3143250" algn="l"/>
+                <a:tab pos="3592513" algn="l"/>
+                <a:tab pos="4041775" algn="l"/>
+                <a:tab pos="4491038" algn="l"/>
+                <a:tab pos="4940300" algn="l"/>
+                <a:tab pos="5389563" algn="l"/>
+                <a:tab pos="5838825" algn="l"/>
+                <a:tab pos="6288088" algn="l"/>
+                <a:tab pos="6737350" algn="l"/>
+                <a:tab pos="7186613" algn="l"/>
+                <a:tab pos="7635875" algn="l"/>
+                <a:tab pos="8085138" algn="l"/>
+                <a:tab pos="8534400" algn="l"/>
+                <a:tab pos="8983663" algn="l"/>
+              </a:tabLst>
+            </a:pPr>
+            <a:r>
+              <a:rPr lang="en-US" sz="2600" dirty="0" smtClean="0">
+                <a:solidFill>
+                  <a:schemeClr val="bg1">
+                    <a:lumMod val="95000"/>
+                  </a:schemeClr>
+                </a:solidFill>
+                <a:latin typeface="CMR10" charset="0"/>
+              </a:rPr>
+              <a:t>Identification of </a:t>
+            </a:r>
+            <a:r>
+              <a:rPr lang="en-US" sz="2600" i="1" dirty="0" err="1" smtClean="0">
+                <a:solidFill>
+                  <a:schemeClr val="bg1">
+                    <a:lumMod val="95000"/>
+                  </a:schemeClr>
+                </a:solidFill>
+                <a:latin typeface="CMR10" charset="0"/>
+              </a:rPr>
+              <a:t>Trajectors</a:t>
+            </a:r>
+            <a:r>
+              <a:rPr lang="en-US" sz="2600" dirty="0" smtClean="0">
+                <a:solidFill>
+                  <a:schemeClr val="bg1">
+                    <a:lumMod val="95000"/>
+                  </a:schemeClr>
+                </a:solidFill>
+                <a:latin typeface="CMR10" charset="0"/>
+              </a:rPr>
+              <a:t> and </a:t>
+            </a:r>
+            <a:r>
+              <a:rPr lang="en-US" sz="2600" i="1" dirty="0" smtClean="0">
+                <a:solidFill>
+                  <a:schemeClr val="bg1">
+                    <a:lumMod val="95000"/>
+                  </a:schemeClr>
+                </a:solidFill>
+                <a:latin typeface="CMR10" charset="0"/>
+              </a:rPr>
+              <a:t>Landmarks</a:t>
+            </a:r>
+          </a:p>
+          <a:p>
+            <a:pPr marL="522287" indent="-514350">
+              <a:buClrTx/>
+              <a:buFont typeface="+mj-lt"/>
+              <a:buAutoNum type="arabicPeriod"/>
+              <a:tabLst>
+                <a:tab pos="342900" algn="l"/>
+                <a:tab pos="447675" algn="l"/>
+                <a:tab pos="896938" algn="l"/>
+                <a:tab pos="1346200" algn="l"/>
+                <a:tab pos="1795463" algn="l"/>
+                <a:tab pos="2244725" algn="l"/>
+                <a:tab pos="2693988" algn="l"/>
+                <a:tab pos="3143250" algn="l"/>
+                <a:tab pos="3592513" algn="l"/>
+                <a:tab pos="4041775" algn="l"/>
+                <a:tab pos="4491038" algn="l"/>
+                <a:tab pos="4940300" algn="l"/>
+                <a:tab pos="5389563" algn="l"/>
+                <a:tab pos="5838825" algn="l"/>
+                <a:tab pos="6288088" algn="l"/>
+                <a:tab pos="6737350" algn="l"/>
+                <a:tab pos="7186613" algn="l"/>
+                <a:tab pos="7635875" algn="l"/>
+                <a:tab pos="8085138" algn="l"/>
+                <a:tab pos="8534400" algn="l"/>
+                <a:tab pos="8983663" algn="l"/>
+              </a:tabLst>
+            </a:pPr>
+            <a:r>
+              <a:rPr lang="en-US" sz="2600" dirty="0" smtClean="0">
+                <a:solidFill>
+                  <a:schemeClr val="bg1">
+                    <a:lumMod val="95000"/>
+                  </a:schemeClr>
+                </a:solidFill>
+                <a:latin typeface="CMR10" charset="0"/>
+              </a:rPr>
+              <a:t>Jointly identification</a:t>
+            </a:r>
+          </a:p>
+          <a:p>
+            <a:pPr marL="522287" indent="-514350">
+              <a:buClrTx/>
+              <a:buFont typeface="+mj-lt"/>
+              <a:buAutoNum type="arabicPeriod"/>
+              <a:tabLst>
+                <a:tab pos="342900" algn="l"/>
+                <a:tab pos="447675" algn="l"/>
+                <a:tab pos="896938" algn="l"/>
+                <a:tab pos="1346200" algn="l"/>
+                <a:tab pos="1795463" algn="l"/>
+                <a:tab pos="2244725" algn="l"/>
+                <a:tab pos="2693988" algn="l"/>
+                <a:tab pos="3143250" algn="l"/>
+                <a:tab pos="3592513" algn="l"/>
+                <a:tab pos="4041775" algn="l"/>
+                <a:tab pos="4491038" algn="l"/>
+                <a:tab pos="4940300" algn="l"/>
+                <a:tab pos="5389563" algn="l"/>
+                <a:tab pos="5838825" algn="l"/>
+                <a:tab pos="6288088" algn="l"/>
+                <a:tab pos="6737350" algn="l"/>
+                <a:tab pos="7186613" algn="l"/>
+                <a:tab pos="7635875" algn="l"/>
+                <a:tab pos="8085138" algn="l"/>
+                <a:tab pos="8534400" algn="l"/>
+                <a:tab pos="8983663" algn="l"/>
+              </a:tabLst>
+            </a:pPr>
+            <a:r>
+              <a:rPr lang="en-US" sz="2600" dirty="0" smtClean="0">
+                <a:solidFill>
+                  <a:schemeClr val="bg1">
+                    <a:lumMod val="95000"/>
+                  </a:schemeClr>
+                </a:solidFill>
+                <a:latin typeface="CMR10" charset="0"/>
+              </a:rPr>
+              <a:t>Experiments</a:t>
+            </a:r>
+          </a:p>
+          <a:p>
+            <a:pPr marL="522287" indent="-514350">
+              <a:buClrTx/>
+              <a:buFont typeface="+mj-lt"/>
+              <a:buAutoNum type="arabicPeriod"/>
+              <a:tabLst>
+                <a:tab pos="342900" algn="l"/>
+                <a:tab pos="447675" algn="l"/>
+                <a:tab pos="896938" algn="l"/>
+                <a:tab pos="1346200" algn="l"/>
+                <a:tab pos="1795463" algn="l"/>
+                <a:tab pos="2244725" algn="l"/>
+                <a:tab pos="2693988" algn="l"/>
+                <a:tab pos="3143250" algn="l"/>
+                <a:tab pos="3592513" algn="l"/>
+                <a:tab pos="4041775" algn="l"/>
+                <a:tab pos="4491038" algn="l"/>
+                <a:tab pos="4940300" algn="l"/>
+                <a:tab pos="5389563" algn="l"/>
+                <a:tab pos="5838825" algn="l"/>
+                <a:tab pos="6288088" algn="l"/>
+                <a:tab pos="6737350" algn="l"/>
+                <a:tab pos="7186613" algn="l"/>
+                <a:tab pos="7635875" algn="l"/>
+                <a:tab pos="8085138" algn="l"/>
+                <a:tab pos="8534400" algn="l"/>
+                <a:tab pos="8983663" algn="l"/>
+              </a:tabLst>
+            </a:pPr>
+            <a:r>
+              <a:rPr lang="en-US" sz="2600" dirty="0" smtClean="0">
+                <a:solidFill>
+                  <a:schemeClr val="tx1"/>
+                </a:solidFill>
+                <a:latin typeface="CMR10" charset="0"/>
+              </a:rPr>
+              <a:t>Conclusion</a:t>
+            </a:r>
+            <a:endParaRPr lang="en-US" sz="2600" dirty="0">
+              <a:solidFill>
+                <a:schemeClr val="tx1"/>
+              </a:solidFill>
               <a:latin typeface="CMR10" charset="0"/>
+            </a:endParaRPr>
+          </a:p>
+        </p:txBody>
+      </p:sp>
+      <p:sp>
+        <p:nvSpPr>
+          <p:cNvPr id="5122" name="Text Box 2"/>
+          <p:cNvSpPr txBox="1">
+            <a:spLocks noChangeArrowheads="1"/>
+          </p:cNvSpPr>
+          <p:nvPr/>
+        </p:nvSpPr>
+        <p:spPr bwMode="auto">
+          <a:xfrm>
+            <a:off x="457200" y="260350"/>
+            <a:ext cx="8291513" cy="720725"/>
+          </a:xfrm>
+          <a:prstGeom prst="rect">
+            <a:avLst/>
+          </a:prstGeom>
+          <a:noFill/>
+          <a:ln>
+            <a:noFill/>
+          </a:ln>
+          <a:effectLst/>
+          <a:extLst>
+            <a:ext uri="{909E8E84-426E-40DD-AFC4-6F175D3DCCD1}">
+              <a14:hiddenFill xmlns:a14="http://schemas.microsoft.com/office/drawing/2010/main">
+                <a:solidFill>
+                  <a:srgbClr val="FFFFFF"/>
+                </a:solidFill>
+              </a14:hiddenFill>
+            </a:ext>
+            <a:ext uri="{91240B29-F687-4F45-9708-019B960494DF}">
+              <a14:hiddenLine xmlns:a14="http://schemas.microsoft.com/office/drawing/2010/main" w="9525">
+                <a:solidFill>
+                  <a:srgbClr val="000000"/>
+                </a:solidFill>
+                <a:round/>
+                <a:headEnd/>
+                <a:tailEnd/>
+              </a14:hiddenLine>
+            </a:ext>
+            <a:ext uri="{AF507438-7753-43E0-B8FC-AC1667EBCBE1}">
+              <a14:hiddenEffects xmlns:a14="http://schemas.microsoft.com/office/drawing/2010/main">
+                <a:effectLst>
+                  <a:outerShdw dist="35921" dir="2700000" algn="ctr" rotWithShape="0">
+                    <a:srgbClr val="808080"/>
+                  </a:outerShdw>
+                </a:effectLst>
+              </a14:hiddenEffects>
+            </a:ext>
+          </a:extLst>
+        </p:spPr>
+        <p:txBody>
+          <a:bodyPr lIns="90000" tIns="46800" rIns="90000" bIns="46800" anchor="ctr"/>
+          <a:lstStyle>
+            <a:lvl1pPr>
+              <a:tabLst>
+                <a:tab pos="0" algn="l"/>
+                <a:tab pos="447675" algn="l"/>
+                <a:tab pos="896938" algn="l"/>
+                <a:tab pos="1346200" algn="l"/>
+                <a:tab pos="1795463" algn="l"/>
+                <a:tab pos="2244725" algn="l"/>
+                <a:tab pos="2693988" algn="l"/>
+                <a:tab pos="3143250" algn="l"/>
+                <a:tab pos="3592513" algn="l"/>
+                <a:tab pos="4041775" algn="l"/>
+                <a:tab pos="4491038" algn="l"/>
+                <a:tab pos="4940300" algn="l"/>
+                <a:tab pos="5389563" algn="l"/>
+                <a:tab pos="5838825" algn="l"/>
+                <a:tab pos="6288088" algn="l"/>
+                <a:tab pos="6737350" algn="l"/>
+                <a:tab pos="7186613" algn="l"/>
+                <a:tab pos="7635875" algn="l"/>
+                <a:tab pos="8085138" algn="l"/>
+                <a:tab pos="8534400" algn="l"/>
+                <a:tab pos="8983663" algn="l"/>
+              </a:tabLst>
+              <a:defRPr>
+                <a:solidFill>
+                  <a:srgbClr val="003366"/>
+                </a:solidFill>
+                <a:latin typeface="Arial" charset="0"/>
+                <a:cs typeface="Arial" charset="0"/>
+              </a:defRPr>
+            </a:lvl1pPr>
+            <a:lvl2pPr>
+              <a:tabLst>
+                <a:tab pos="0" algn="l"/>
+                <a:tab pos="447675" algn="l"/>
+                <a:tab pos="896938" algn="l"/>
+                <a:tab pos="1346200" algn="l"/>
+                <a:tab pos="1795463" algn="l"/>
+                <a:tab pos="2244725" algn="l"/>
+                <a:tab pos="2693988" algn="l"/>
+                <a:tab pos="3143250" algn="l"/>
+                <a:tab pos="3592513" algn="l"/>
+                <a:tab pos="4041775" algn="l"/>
+                <a:tab pos="4491038" algn="l"/>
+                <a:tab pos="4940300" algn="l"/>
+                <a:tab pos="5389563" algn="l"/>
+                <a:tab pos="5838825" algn="l"/>
+                <a:tab pos="6288088" algn="l"/>
+                <a:tab pos="6737350" algn="l"/>
+                <a:tab pos="7186613" algn="l"/>
+                <a:tab pos="7635875" algn="l"/>
+                <a:tab pos="8085138" algn="l"/>
+                <a:tab pos="8534400" algn="l"/>
+                <a:tab pos="8983663" algn="l"/>
+              </a:tabLst>
+              <a:defRPr>
+                <a:solidFill>
+                  <a:srgbClr val="003366"/>
+                </a:solidFill>
+                <a:latin typeface="Arial" charset="0"/>
+                <a:cs typeface="Arial" charset="0"/>
+              </a:defRPr>
+            </a:lvl2pPr>
+            <a:lvl3pPr>
+              <a:tabLst>
+                <a:tab pos="0" algn="l"/>
+                <a:tab pos="447675" algn="l"/>
+                <a:tab pos="896938" algn="l"/>
+                <a:tab pos="1346200" algn="l"/>
+                <a:tab pos="1795463" algn="l"/>
+                <a:tab pos="2244725" algn="l"/>
+                <a:tab pos="2693988" algn="l"/>
+                <a:tab pos="3143250" algn="l"/>
+                <a:tab pos="3592513" algn="l"/>
+                <a:tab pos="4041775" algn="l"/>
+                <a:tab pos="4491038" algn="l"/>
+                <a:tab pos="4940300" algn="l"/>
+                <a:tab pos="5389563" algn="l"/>
+                <a:tab pos="5838825" algn="l"/>
+                <a:tab pos="6288088" algn="l"/>
+                <a:tab pos="6737350" algn="l"/>
+                <a:tab pos="7186613" algn="l"/>
+                <a:tab pos="7635875" algn="l"/>
+                <a:tab pos="8085138" algn="l"/>
+                <a:tab pos="8534400" algn="l"/>
+                <a:tab pos="8983663" algn="l"/>
+              </a:tabLst>
+              <a:defRPr>
+                <a:solidFill>
+                  <a:srgbClr val="003366"/>
+                </a:solidFill>
+                <a:latin typeface="Arial" charset="0"/>
+                <a:cs typeface="Arial" charset="0"/>
+              </a:defRPr>
+            </a:lvl3pPr>
+            <a:lvl4pPr>
+              <a:tabLst>
+                <a:tab pos="0" algn="l"/>
+                <a:tab pos="447675" algn="l"/>
+                <a:tab pos="896938" algn="l"/>
+                <a:tab pos="1346200" algn="l"/>
+                <a:tab pos="1795463" algn="l"/>
+                <a:tab pos="2244725" algn="l"/>
+                <a:tab pos="2693988" algn="l"/>
+                <a:tab pos="3143250" algn="l"/>
+                <a:tab pos="3592513" algn="l"/>
+                <a:tab pos="4041775" algn="l"/>
+                <a:tab pos="4491038" algn="l"/>
+                <a:tab pos="4940300" algn="l"/>
+                <a:tab pos="5389563" algn="l"/>
+                <a:tab pos="5838825" algn="l"/>
+                <a:tab pos="6288088" algn="l"/>
+                <a:tab pos="6737350" algn="l"/>
+                <a:tab pos="7186613" algn="l"/>
+                <a:tab pos="7635875" algn="l"/>
+                <a:tab pos="8085138" algn="l"/>
+                <a:tab pos="8534400" algn="l"/>
+                <a:tab pos="8983663" algn="l"/>
+              </a:tabLst>
+              <a:defRPr>
+                <a:solidFill>
+                  <a:srgbClr val="003366"/>
+                </a:solidFill>
+                <a:latin typeface="Arial" charset="0"/>
+                <a:cs typeface="Arial" charset="0"/>
+              </a:defRPr>
+            </a:lvl4pPr>
+            <a:lvl5pPr>
+              <a:tabLst>
+                <a:tab pos="0" algn="l"/>
+                <a:tab pos="447675" algn="l"/>
+                <a:tab pos="896938" algn="l"/>
+                <a:tab pos="1346200" algn="l"/>
+                <a:tab pos="1795463" algn="l"/>
+                <a:tab pos="2244725" algn="l"/>
+                <a:tab pos="2693988" algn="l"/>
+                <a:tab pos="3143250" algn="l"/>
+                <a:tab pos="3592513" algn="l"/>
+                <a:tab pos="4041775" algn="l"/>
+                <a:tab pos="4491038" algn="l"/>
+                <a:tab pos="4940300" algn="l"/>
+                <a:tab pos="5389563" algn="l"/>
+                <a:tab pos="5838825" algn="l"/>
+                <a:tab pos="6288088" algn="l"/>
+                <a:tab pos="6737350" algn="l"/>
+                <a:tab pos="7186613" algn="l"/>
+                <a:tab pos="7635875" algn="l"/>
+                <a:tab pos="8085138" algn="l"/>
+                <a:tab pos="8534400" algn="l"/>
+                <a:tab pos="8983663" algn="l"/>
+              </a:tabLst>
+              <a:defRPr>
+                <a:solidFill>
+                  <a:srgbClr val="003366"/>
+                </a:solidFill>
+                <a:latin typeface="Arial" charset="0"/>
+                <a:cs typeface="Arial" charset="0"/>
+              </a:defRPr>
+            </a:lvl5pPr>
+            <a:lvl6pPr marL="2514600" indent="-228600" defTabSz="449263" fontAlgn="base">
+              <a:spcBef>
+                <a:spcPct val="0"/>
+              </a:spcBef>
+              <a:spcAft>
+                <a:spcPct val="0"/>
+              </a:spcAft>
+              <a:buClr>
+                <a:srgbClr val="000000"/>
+              </a:buClr>
+              <a:buSzPct val="100000"/>
+              <a:buFont typeface="Times New Roman" pitchFamily="16" charset="0"/>
+              <a:tabLst>
+                <a:tab pos="0" algn="l"/>
+                <a:tab pos="447675" algn="l"/>
+                <a:tab pos="896938" algn="l"/>
+                <a:tab pos="1346200" algn="l"/>
+                <a:tab pos="1795463" algn="l"/>
+                <a:tab pos="2244725" algn="l"/>
+                <a:tab pos="2693988" algn="l"/>
+                <a:tab pos="3143250" algn="l"/>
+                <a:tab pos="3592513" algn="l"/>
+                <a:tab pos="4041775" algn="l"/>
+                <a:tab pos="4491038" algn="l"/>
+                <a:tab pos="4940300" algn="l"/>
+                <a:tab pos="5389563" algn="l"/>
+                <a:tab pos="5838825" algn="l"/>
+                <a:tab pos="6288088" algn="l"/>
+                <a:tab pos="6737350" algn="l"/>
+                <a:tab pos="7186613" algn="l"/>
+                <a:tab pos="7635875" algn="l"/>
+                <a:tab pos="8085138" algn="l"/>
+                <a:tab pos="8534400" algn="l"/>
+                <a:tab pos="8983663" algn="l"/>
+              </a:tabLst>
+              <a:defRPr>
+                <a:solidFill>
+                  <a:srgbClr val="003366"/>
+                </a:solidFill>
+                <a:latin typeface="Arial" charset="0"/>
+                <a:cs typeface="Arial" charset="0"/>
+              </a:defRPr>
+            </a:lvl6pPr>
+            <a:lvl7pPr marL="2971800" indent="-228600" defTabSz="449263" fontAlgn="base">
+              <a:spcBef>
+                <a:spcPct val="0"/>
+              </a:spcBef>
+              <a:spcAft>
+                <a:spcPct val="0"/>
+              </a:spcAft>
+              <a:buClr>
+                <a:srgbClr val="000000"/>
+              </a:buClr>
+              <a:buSzPct val="100000"/>
+              <a:buFont typeface="Times New Roman" pitchFamily="16" charset="0"/>
+              <a:tabLst>
+                <a:tab pos="0" algn="l"/>
+                <a:tab pos="447675" algn="l"/>
+                <a:tab pos="896938" algn="l"/>
+                <a:tab pos="1346200" algn="l"/>
+                <a:tab pos="1795463" algn="l"/>
+                <a:tab pos="2244725" algn="l"/>
+                <a:tab pos="2693988" algn="l"/>
+                <a:tab pos="3143250" algn="l"/>
+                <a:tab pos="3592513" algn="l"/>
+                <a:tab pos="4041775" algn="l"/>
+                <a:tab pos="4491038" algn="l"/>
+                <a:tab pos="4940300" algn="l"/>
+                <a:tab pos="5389563" algn="l"/>
+                <a:tab pos="5838825" algn="l"/>
+                <a:tab pos="6288088" algn="l"/>
+                <a:tab pos="6737350" algn="l"/>
+                <a:tab pos="7186613" algn="l"/>
+                <a:tab pos="7635875" algn="l"/>
+                <a:tab pos="8085138" algn="l"/>
+                <a:tab pos="8534400" algn="l"/>
+                <a:tab pos="8983663" algn="l"/>
+              </a:tabLst>
+              <a:defRPr>
+                <a:solidFill>
+                  <a:srgbClr val="003366"/>
+                </a:solidFill>
+                <a:latin typeface="Arial" charset="0"/>
+                <a:cs typeface="Arial" charset="0"/>
+              </a:defRPr>
+            </a:lvl7pPr>
+            <a:lvl8pPr marL="3429000" indent="-228600" defTabSz="449263" fontAlgn="base">
+              <a:spcBef>
+                <a:spcPct val="0"/>
+              </a:spcBef>
+              <a:spcAft>
+                <a:spcPct val="0"/>
+              </a:spcAft>
+              <a:buClr>
+                <a:srgbClr val="000000"/>
+              </a:buClr>
+              <a:buSzPct val="100000"/>
+              <a:buFont typeface="Times New Roman" pitchFamily="16" charset="0"/>
+              <a:tabLst>
+                <a:tab pos="0" algn="l"/>
+                <a:tab pos="447675" algn="l"/>
+                <a:tab pos="896938" algn="l"/>
+                <a:tab pos="1346200" algn="l"/>
+                <a:tab pos="1795463" algn="l"/>
+                <a:tab pos="2244725" algn="l"/>
+                <a:tab pos="2693988" algn="l"/>
+                <a:tab pos="3143250" algn="l"/>
+                <a:tab pos="3592513" algn="l"/>
+                <a:tab pos="4041775" algn="l"/>
+                <a:tab pos="4491038" algn="l"/>
+                <a:tab pos="4940300" algn="l"/>
+                <a:tab pos="5389563" algn="l"/>
+                <a:tab pos="5838825" algn="l"/>
+                <a:tab pos="6288088" algn="l"/>
+                <a:tab pos="6737350" algn="l"/>
+                <a:tab pos="7186613" algn="l"/>
+                <a:tab pos="7635875" algn="l"/>
+                <a:tab pos="8085138" algn="l"/>
+                <a:tab pos="8534400" algn="l"/>
+                <a:tab pos="8983663" algn="l"/>
+              </a:tabLst>
+              <a:defRPr>
+                <a:solidFill>
+                  <a:srgbClr val="003366"/>
+                </a:solidFill>
+                <a:latin typeface="Arial" charset="0"/>
+                <a:cs typeface="Arial" charset="0"/>
+              </a:defRPr>
+            </a:lvl8pPr>
+            <a:lvl9pPr marL="3886200" indent="-228600" defTabSz="449263" fontAlgn="base">
+              <a:spcBef>
+                <a:spcPct val="0"/>
+              </a:spcBef>
+              <a:spcAft>
+                <a:spcPct val="0"/>
+              </a:spcAft>
+              <a:buClr>
+                <a:srgbClr val="000000"/>
+              </a:buClr>
+              <a:buSzPct val="100000"/>
+              <a:buFont typeface="Times New Roman" pitchFamily="16" charset="0"/>
+              <a:tabLst>
+                <a:tab pos="0" algn="l"/>
+                <a:tab pos="447675" algn="l"/>
+                <a:tab pos="896938" algn="l"/>
+                <a:tab pos="1346200" algn="l"/>
+                <a:tab pos="1795463" algn="l"/>
+                <a:tab pos="2244725" algn="l"/>
+                <a:tab pos="2693988" algn="l"/>
+                <a:tab pos="3143250" algn="l"/>
+                <a:tab pos="3592513" algn="l"/>
+                <a:tab pos="4041775" algn="l"/>
+                <a:tab pos="4491038" algn="l"/>
+                <a:tab pos="4940300" algn="l"/>
+                <a:tab pos="5389563" algn="l"/>
+                <a:tab pos="5838825" algn="l"/>
+                <a:tab pos="6288088" algn="l"/>
+                <a:tab pos="6737350" algn="l"/>
+                <a:tab pos="7186613" algn="l"/>
+                <a:tab pos="7635875" algn="l"/>
+                <a:tab pos="8085138" algn="l"/>
+                <a:tab pos="8534400" algn="l"/>
+                <a:tab pos="8983663" algn="l"/>
+              </a:tabLst>
+              <a:defRPr>
+                <a:solidFill>
+                  <a:srgbClr val="003366"/>
+                </a:solidFill>
+                <a:latin typeface="Arial" charset="0"/>
+                <a:cs typeface="Arial" charset="0"/>
+              </a:defRPr>
+            </a:lvl9pPr>
+          </a:lstStyle>
+          <a:p>
+            <a:pPr>
+              <a:buClrTx/>
+              <a:buFontTx/>
+              <a:buNone/>
+            </a:pPr>
+            <a:r>
+              <a:rPr lang="en-US" sz="3600" b="1" dirty="0" smtClean="0">
+                <a:solidFill>
+                  <a:srgbClr val="FFFFFF"/>
+                </a:solidFill>
+                <a:effectLst>
+                  <a:outerShdw blurRad="38100" dist="38100" dir="2700000" algn="tl">
+                    <a:srgbClr val="000000">
+                      <a:alpha val="43137"/>
+                    </a:srgbClr>
+                  </a:outerShdw>
+                </a:effectLst>
+              </a:rPr>
+              <a:t>Outline</a:t>
+            </a:r>
+            <a:endParaRPr lang="en-US" sz="3600" b="1" dirty="0">
+              <a:solidFill>
+                <a:srgbClr val="FFFFFF"/>
+              </a:solidFill>
+              <a:effectLst>
+                <a:outerShdw blurRad="38100" dist="38100" dir="2700000" algn="tl">
+                  <a:srgbClr val="000000">
+                    <a:alpha val="43137"/>
+                  </a:srgbClr>
+                </a:outerShdw>
+              </a:effectLst>
             </a:endParaRPr>
           </a:p>
         </p:txBody>
@@ -19906,7 +21211,7 @@
     </p:spTree>
     <p:extLst>
       <p:ext uri="{BB962C8B-B14F-4D97-AF65-F5344CB8AC3E}">
-        <p14:creationId xmlns:p14="http://schemas.microsoft.com/office/powerpoint/2010/main" val="1505454943"/>
+        <p14:creationId xmlns:p14="http://schemas.microsoft.com/office/powerpoint/2010/main" val="2680999308"/>
       </p:ext>
     </p:extLst>
   </p:cSld>
@@ -19949,14 +21254,6 @@
 <file path=ppt/slides/slide19.xml><?xml version="1.0" encoding="utf-8"?>
 <p:sld xmlns:a="http://schemas.openxmlformats.org/drawingml/2006/main" xmlns:r="http://schemas.openxmlformats.org/officeDocument/2006/relationships" xmlns:p="http://schemas.openxmlformats.org/presentationml/2006/main">
   <p:cSld>
-    <p:bg>
-      <p:bgPr>
-        <a:solidFill>
-          <a:srgbClr val="FFFFFF"/>
-        </a:solidFill>
-        <a:effectLst/>
-      </p:bgPr>
-    </p:bg>
     <p:spTree>
       <p:nvGrpSpPr>
         <p:cNvPr id="1" name=""/>
@@ -19973,7 +21270,104 @@
       </p:grpSpPr>
       <p:sp>
         <p:nvSpPr>
-          <p:cNvPr id="8194" name="Text Box 2"/>
+          <p:cNvPr id="5121" name="Rectangle 1"/>
+          <p:cNvSpPr>
+            <a:spLocks noGrp="1" noChangeArrowheads="1"/>
+          </p:cNvSpPr>
+          <p:nvPr>
+            <p:ph type="body" idx="4294967295"/>
+          </p:nvPr>
+        </p:nvSpPr>
+        <p:spPr>
+          <a:xfrm>
+            <a:off x="457200" y="1700808"/>
+            <a:ext cx="8291513" cy="4608512"/>
+          </a:xfrm>
+          <a:ln/>
+        </p:spPr>
+        <p:txBody>
+          <a:bodyPr/>
+          <a:lstStyle/>
+          <a:p>
+            <a:pPr marL="465137" indent="-457200" algn="just">
+              <a:buClrTx/>
+              <a:buFont typeface="Wingdings" pitchFamily="2" charset="2"/>
+              <a:buChar char="q"/>
+              <a:tabLst>
+                <a:tab pos="342900" algn="l"/>
+                <a:tab pos="447675" algn="l"/>
+                <a:tab pos="896938" algn="l"/>
+                <a:tab pos="1346200" algn="l"/>
+                <a:tab pos="1795463" algn="l"/>
+                <a:tab pos="2244725" algn="l"/>
+                <a:tab pos="2693988" algn="l"/>
+                <a:tab pos="3143250" algn="l"/>
+                <a:tab pos="3592513" algn="l"/>
+                <a:tab pos="4041775" algn="l"/>
+                <a:tab pos="4491038" algn="l"/>
+                <a:tab pos="4940300" algn="l"/>
+                <a:tab pos="5389563" algn="l"/>
+                <a:tab pos="5838825" algn="l"/>
+                <a:tab pos="6288088" algn="l"/>
+                <a:tab pos="6737350" algn="l"/>
+                <a:tab pos="7186613" algn="l"/>
+                <a:tab pos="7635875" algn="l"/>
+                <a:tab pos="8085138" algn="l"/>
+                <a:tab pos="8534400" algn="l"/>
+                <a:tab pos="8983663" algn="l"/>
+              </a:tabLst>
+            </a:pPr>
+            <a:r>
+              <a:rPr lang="en-US" sz="2400" dirty="0">
+                <a:solidFill>
+                  <a:schemeClr val="tx1"/>
+                </a:solidFill>
+                <a:latin typeface="CMR10" charset="0"/>
+              </a:rPr>
+              <a:t>f</a:t>
+            </a:r>
+            <a:endParaRPr lang="en-US" sz="2200" dirty="0">
+              <a:latin typeface="CMR10" charset="0"/>
+            </a:endParaRPr>
+          </a:p>
+          <a:p>
+            <a:pPr marL="522287" indent="-514350">
+              <a:buClrTx/>
+              <a:buFont typeface="+mj-lt"/>
+              <a:buAutoNum type="arabicPeriod"/>
+              <a:tabLst>
+                <a:tab pos="342900" algn="l"/>
+                <a:tab pos="447675" algn="l"/>
+                <a:tab pos="896938" algn="l"/>
+                <a:tab pos="1346200" algn="l"/>
+                <a:tab pos="1795463" algn="l"/>
+                <a:tab pos="2244725" algn="l"/>
+                <a:tab pos="2693988" algn="l"/>
+                <a:tab pos="3143250" algn="l"/>
+                <a:tab pos="3592513" algn="l"/>
+                <a:tab pos="4041775" algn="l"/>
+                <a:tab pos="4491038" algn="l"/>
+                <a:tab pos="4940300" algn="l"/>
+                <a:tab pos="5389563" algn="l"/>
+                <a:tab pos="5838825" algn="l"/>
+                <a:tab pos="6288088" algn="l"/>
+                <a:tab pos="6737350" algn="l"/>
+                <a:tab pos="7186613" algn="l"/>
+                <a:tab pos="7635875" algn="l"/>
+                <a:tab pos="8085138" algn="l"/>
+                <a:tab pos="8534400" algn="l"/>
+                <a:tab pos="8983663" algn="l"/>
+              </a:tabLst>
+            </a:pPr>
+            <a:endParaRPr lang="en-US" sz="2600" dirty="0">
+              <a:latin typeface="CMR10" charset="0"/>
+            </a:endParaRPr>
+          </a:p>
+        </p:txBody>
+      </p:sp>
+      <p:sp>
+        <p:nvSpPr>
+          <p:cNvPr id="5122" name="Text Box 2"/>
           <p:cNvSpPr txBox="1">
             <a:spLocks noChangeArrowheads="1"/>
           </p:cNvSpPr>
@@ -19981,8 +21375,8 @@
         </p:nvSpPr>
         <p:spPr bwMode="auto">
           <a:xfrm>
-            <a:off x="1979613" y="4500563"/>
-            <a:ext cx="5291137" cy="881909"/>
+            <a:off x="457200" y="260350"/>
+            <a:ext cx="8291513" cy="720725"/>
           </a:xfrm>
           <a:prstGeom prst="rect">
             <a:avLst/>
@@ -20022,9 +21416,7 @@
           </a:extLst>
         </p:spPr>
         <p:txBody>
-          <a:bodyPr lIns="90000" tIns="46800" rIns="90000" bIns="46800">
-            <a:spAutoFit/>
-          </a:bodyPr>
+          <a:bodyPr lIns="90000" tIns="46800" rIns="90000" bIns="46800" anchor="ctr"/>
           <a:lstStyle>
             <a:lvl1pPr>
               <a:tabLst>
@@ -20360,16 +21752,16 @@
             </a:lvl9pPr>
           </a:lstStyle>
           <a:p>
-            <a:pPr algn="ctr">
-              <a:spcBef>
-                <a:spcPts val="1125"/>
-              </a:spcBef>
+            <a:pPr>
               <a:buClrTx/>
               <a:buFontTx/>
               <a:buNone/>
             </a:pPr>
             <a:r>
-              <a:rPr lang="es-ES" sz="2400" b="1" dirty="0" err="1">
+              <a:rPr lang="en-US" sz="3600" b="1" dirty="0" smtClean="0">
+                <a:solidFill>
+                  <a:srgbClr val="FFFFFF"/>
+                </a:solidFill>
                 <a:effectLst>
                   <a:outerShdw blurRad="38100" dist="38100" dir="2700000" algn="tl">
                     <a:srgbClr val="000000">
@@ -20378,259 +21770,12 @@
                   </a:outerShdw>
                 </a:effectLst>
               </a:rPr>
-              <a:t>Thank</a:t>
-            </a:r>
-            <a:r>
-              <a:rPr lang="es-ES" sz="2400" b="1" dirty="0">
-                <a:effectLst>
-                  <a:outerShdw blurRad="38100" dist="38100" dir="2700000" algn="tl">
-                    <a:srgbClr val="000000">
-                      <a:alpha val="43137"/>
-                    </a:srgbClr>
-                  </a:outerShdw>
-                </a:effectLst>
-              </a:rPr>
-              <a:t> </a:t>
-            </a:r>
-            <a:r>
-              <a:rPr lang="es-ES" sz="2400" b="1" dirty="0" err="1">
-                <a:effectLst>
-                  <a:outerShdw blurRad="38100" dist="38100" dir="2700000" algn="tl">
-                    <a:srgbClr val="000000">
-                      <a:alpha val="43137"/>
-                    </a:srgbClr>
-                  </a:outerShdw>
-                </a:effectLst>
-              </a:rPr>
-              <a:t>you</a:t>
-            </a:r>
-            <a:r>
-              <a:rPr lang="es-ES" sz="2400" b="1" dirty="0">
-                <a:effectLst>
-                  <a:outerShdw blurRad="38100" dist="38100" dir="2700000" algn="tl">
-                    <a:srgbClr val="000000">
-                      <a:alpha val="43137"/>
-                    </a:srgbClr>
-                  </a:outerShdw>
-                </a:effectLst>
-              </a:rPr>
-              <a:t>!</a:t>
-            </a:r>
-          </a:p>
-          <a:p>
-            <a:pPr algn="ctr">
-              <a:spcBef>
-                <a:spcPts val="1125"/>
-              </a:spcBef>
-              <a:buClrTx/>
-              <a:buFontTx/>
-              <a:buNone/>
-            </a:pPr>
-            <a:endParaRPr lang="es-ES" dirty="0"/>
-          </a:p>
-        </p:txBody>
-      </p:sp>
-      <p:pic>
-        <p:nvPicPr>
-          <p:cNvPr id="8195" name="Picture 3"/>
-          <p:cNvPicPr>
-            <a:picLocks noChangeAspect="1" noChangeArrowheads="1"/>
-          </p:cNvPicPr>
-          <p:nvPr/>
-        </p:nvPicPr>
-        <p:blipFill>
-          <a:blip r:embed="rId3">
-            <a:extLst>
-              <a:ext uri="{28A0092B-C50C-407E-A947-70E740481C1C}">
-                <a14:useLocalDpi xmlns:a14="http://schemas.microsoft.com/office/drawing/2010/main" val="0"/>
-              </a:ext>
-            </a:extLst>
-          </a:blip>
-          <a:srcRect/>
-          <a:stretch>
-            <a:fillRect/>
-          </a:stretch>
-        </p:blipFill>
-        <p:spPr bwMode="auto">
-          <a:xfrm>
-            <a:off x="3195638" y="3419475"/>
-            <a:ext cx="2924175" cy="695325"/>
-          </a:xfrm>
-          <a:prstGeom prst="rect">
-            <a:avLst/>
-          </a:prstGeom>
-          <a:noFill/>
-          <a:ln>
-            <a:noFill/>
-          </a:ln>
-          <a:effectLst/>
-          <a:extLst>
-            <a:ext uri="{909E8E84-426E-40DD-AFC4-6F175D3DCCD1}">
-              <a14:hiddenFill xmlns:a14="http://schemas.microsoft.com/office/drawing/2010/main">
-                <a:blipFill dpi="0" rotWithShape="0">
-                  <a:blip/>
-                  <a:srcRect/>
-                  <a:stretch>
-                    <a:fillRect/>
-                  </a:stretch>
-                </a:blipFill>
-              </a14:hiddenFill>
-            </a:ext>
-            <a:ext uri="{91240B29-F687-4F45-9708-019B960494DF}">
-              <a14:hiddenLine xmlns:a14="http://schemas.microsoft.com/office/drawing/2010/main" w="9525">
-                <a:solidFill>
-                  <a:srgbClr val="000000"/>
-                </a:solidFill>
-                <a:round/>
-                <a:headEnd/>
-                <a:tailEnd/>
-              </a14:hiddenLine>
-            </a:ext>
-            <a:ext uri="{AF507438-7753-43E0-B8FC-AC1667EBCBE1}">
-              <a14:hiddenEffects xmlns:a14="http://schemas.microsoft.com/office/drawing/2010/main">
-                <a:effectLst>
-                  <a:outerShdw dist="35921" dir="2700000" algn="ctr" rotWithShape="0">
-                    <a:srgbClr val="808080"/>
-                  </a:outerShdw>
-                </a:effectLst>
-              </a14:hiddenEffects>
-            </a:ext>
-          </a:extLst>
-        </p:spPr>
-      </p:pic>
-      <p:sp>
-        <p:nvSpPr>
-          <p:cNvPr id="9" name="Rectangle 1"/>
-          <p:cNvSpPr>
-            <a:spLocks noGrp="1" noChangeArrowheads="1"/>
-          </p:cNvSpPr>
-          <p:nvPr>
-            <p:ph type="title"/>
-          </p:nvPr>
-        </p:nvSpPr>
-        <p:spPr>
-          <a:xfrm>
-            <a:off x="611560" y="296863"/>
-            <a:ext cx="7989887" cy="2124075"/>
-          </a:xfrm>
-          <a:ln/>
-        </p:spPr>
-        <p:txBody>
-          <a:bodyPr/>
-          <a:lstStyle/>
-          <a:p>
-            <a:pPr algn="ctr">
-              <a:buClrTx/>
-              <a:buFontTx/>
-              <a:buNone/>
-              <a:tabLst>
-                <a:tab pos="0" algn="l"/>
-                <a:tab pos="447675" algn="l"/>
-                <a:tab pos="896938" algn="l"/>
-                <a:tab pos="1346200" algn="l"/>
-                <a:tab pos="1795463" algn="l"/>
-                <a:tab pos="2244725" algn="l"/>
-                <a:tab pos="2693988" algn="l"/>
-                <a:tab pos="3143250" algn="l"/>
-                <a:tab pos="3592513" algn="l"/>
-                <a:tab pos="4041775" algn="l"/>
-                <a:tab pos="4491038" algn="l"/>
-                <a:tab pos="4940300" algn="l"/>
-                <a:tab pos="5389563" algn="l"/>
-                <a:tab pos="5838825" algn="l"/>
-                <a:tab pos="6288088" algn="l"/>
-                <a:tab pos="6737350" algn="l"/>
-                <a:tab pos="7186613" algn="l"/>
-                <a:tab pos="7635875" algn="l"/>
-                <a:tab pos="8085138" algn="l"/>
-                <a:tab pos="8534400" algn="l"/>
-                <a:tab pos="8983663" algn="l"/>
-              </a:tabLst>
-            </a:pPr>
-            <a:r>
-              <a:rPr lang="en-GB" b="1" dirty="0" smtClean="0">
-                <a:effectLst>
-                  <a:outerShdw blurRad="38100" dist="38100" dir="2700000" algn="tl">
-                    <a:srgbClr val="000000">
-                      <a:alpha val="43137"/>
-                    </a:srgbClr>
-                  </a:outerShdw>
-                </a:effectLst>
-              </a:rPr>
-              <a:t>Spatial Role </a:t>
-            </a:r>
-            <a:r>
-              <a:rPr lang="en-GB" b="1" dirty="0" err="1" smtClean="0">
-                <a:effectLst>
-                  <a:outerShdw blurRad="38100" dist="38100" dir="2700000" algn="tl">
-                    <a:srgbClr val="000000">
-                      <a:alpha val="43137"/>
-                    </a:srgbClr>
-                  </a:outerShdw>
-                </a:effectLst>
-              </a:rPr>
-              <a:t>Labeling</a:t>
-            </a:r>
-            <a:r>
-              <a:rPr lang="en-GB" b="1" dirty="0">
-                <a:effectLst>
-                  <a:outerShdw blurRad="38100" dist="38100" dir="2700000" algn="tl">
-                    <a:srgbClr val="000000">
-                      <a:alpha val="43137"/>
-                    </a:srgbClr>
-                  </a:outerShdw>
-                </a:effectLst>
-              </a:rPr>
-              <a:t/>
-            </a:r>
-            <a:br>
-              <a:rPr lang="en-GB" b="1" dirty="0">
-                <a:effectLst>
-                  <a:outerShdw blurRad="38100" dist="38100" dir="2700000" algn="tl">
-                    <a:srgbClr val="000000">
-                      <a:alpha val="43137"/>
-                    </a:srgbClr>
-                  </a:outerShdw>
-                </a:effectLst>
-              </a:rPr>
-            </a:br>
-            <a:r>
-              <a:rPr lang="en-GB" b="1" dirty="0" smtClean="0">
-                <a:effectLst>
-                  <a:outerShdw blurRad="38100" dist="38100" dir="2700000" algn="tl">
-                    <a:srgbClr val="000000">
-                      <a:alpha val="43137"/>
-                    </a:srgbClr>
-                  </a:outerShdw>
-                </a:effectLst>
-              </a:rPr>
-              <a:t>Task for </a:t>
-            </a:r>
-            <a:r>
-              <a:rPr lang="en-GB" b="1" dirty="0" err="1" smtClean="0">
-                <a:effectLst>
-                  <a:outerShdw blurRad="38100" dist="38100" dir="2700000" algn="tl">
-                    <a:srgbClr val="000000">
-                      <a:alpha val="43137"/>
-                    </a:srgbClr>
-                  </a:outerShdw>
-                </a:effectLst>
-              </a:rPr>
-              <a:t>SemEval</a:t>
-            </a:r>
-            <a:r>
-              <a:rPr lang="en-GB" b="1" dirty="0" smtClean="0">
-                <a:effectLst>
-                  <a:outerShdw blurRad="38100" dist="38100" dir="2700000" algn="tl">
-                    <a:srgbClr val="000000">
-                      <a:alpha val="43137"/>
-                    </a:srgbClr>
-                  </a:outerShdw>
-                </a:effectLst>
-              </a:rPr>
-              <a:t> 2012</a:t>
-            </a:r>
-            <a:endParaRPr lang="en-GB" b="1" dirty="0">
+              <a:t>Conclusion</a:t>
+            </a:r>
+            <a:endParaRPr lang="en-US" sz="3600" b="1" dirty="0">
+              <a:solidFill>
+                <a:srgbClr val="FFFFFF"/>
+              </a:solidFill>
               <a:effectLst>
                 <a:outerShdw blurRad="38100" dist="38100" dir="2700000" algn="tl">
                   <a:srgbClr val="000000">
@@ -20644,7 +21789,7 @@
       </p:sp>
       <p:sp>
         <p:nvSpPr>
-          <p:cNvPr id="3" name="2 Marcador de número de diapositiva"/>
+          <p:cNvPr id="2" name="1 Marcador de número de diapositiva"/>
           <p:cNvSpPr>
             <a:spLocks noGrp="1"/>
           </p:cNvSpPr>
@@ -20657,16 +21802,28 @@
           <a:bodyPr/>
           <a:lstStyle/>
           <a:p>
-            <a:fld id="{DAC7916D-032C-4751-912E-DD21B962C781}" type="slidenum">
-              <a:rPr lang="es-ES" smtClean="0"/>
-              <a:pPr/>
+            <a:pPr algn="r"/>
+            <a:fld id="{81022233-0816-4994-B4E1-5F74D0375BF0}" type="slidenum">
+              <a:rPr lang="es-ES" sz="1400" smtClean="0">
+                <a:latin typeface="Times New Roman" pitchFamily="18" charset="0"/>
+                <a:cs typeface="Times New Roman" pitchFamily="18" charset="0"/>
+              </a:rPr>
+              <a:pPr algn="r"/>
               <a:t>19</a:t>
             </a:fld>
-            <a:endParaRPr lang="es-ES"/>
+            <a:endParaRPr lang="es-ES" sz="1400" dirty="0">
+              <a:latin typeface="Times New Roman" pitchFamily="18" charset="0"/>
+              <a:cs typeface="Times New Roman" pitchFamily="18" charset="0"/>
+            </a:endParaRPr>
           </a:p>
         </p:txBody>
       </p:sp>
     </p:spTree>
+    <p:extLst>
+      <p:ext uri="{BB962C8B-B14F-4D97-AF65-F5344CB8AC3E}">
+        <p14:creationId xmlns:p14="http://schemas.microsoft.com/office/powerpoint/2010/main" val="2795773487"/>
+      </p:ext>
+    </p:extLst>
   </p:cSld>
   <p:clrMapOvr>
     <a:masterClrMapping/>
@@ -21551,6 +22708,1432 @@
 </p:sld>
 </file>
 
+<file path=ppt/slides/slide20.xml><?xml version="1.0" encoding="utf-8"?>
+<p:sld xmlns:a="http://schemas.openxmlformats.org/drawingml/2006/main" xmlns:r="http://schemas.openxmlformats.org/officeDocument/2006/relationships" xmlns:p="http://schemas.openxmlformats.org/presentationml/2006/main">
+  <p:cSld>
+    <p:spTree>
+      <p:nvGrpSpPr>
+        <p:cNvPr id="1" name=""/>
+        <p:cNvGrpSpPr/>
+        <p:nvPr/>
+      </p:nvGrpSpPr>
+      <p:grpSpPr>
+        <a:xfrm>
+          <a:off x="0" y="0"/>
+          <a:ext cx="0" cy="0"/>
+          <a:chOff x="0" y="0"/>
+          <a:chExt cx="0" cy="0"/>
+        </a:xfrm>
+      </p:grpSpPr>
+      <p:sp>
+        <p:nvSpPr>
+          <p:cNvPr id="7169" name="Rectangle 1"/>
+          <p:cNvSpPr>
+            <a:spLocks noGrp="1" noChangeArrowheads="1"/>
+          </p:cNvSpPr>
+          <p:nvPr>
+            <p:ph type="title" idx="4294967295"/>
+          </p:nvPr>
+        </p:nvSpPr>
+        <p:spPr>
+          <a:xfrm>
+            <a:off x="457200" y="260350"/>
+            <a:ext cx="8291513" cy="720725"/>
+          </a:xfrm>
+          <a:ln/>
+        </p:spPr>
+        <p:txBody>
+          <a:bodyPr/>
+          <a:lstStyle/>
+          <a:p>
+            <a:pPr>
+              <a:buClrTx/>
+              <a:buFontTx/>
+              <a:buNone/>
+              <a:tabLst>
+                <a:tab pos="0" algn="l"/>
+                <a:tab pos="447675" algn="l"/>
+                <a:tab pos="896938" algn="l"/>
+                <a:tab pos="1346200" algn="l"/>
+                <a:tab pos="1795463" algn="l"/>
+                <a:tab pos="2244725" algn="l"/>
+                <a:tab pos="2693988" algn="l"/>
+                <a:tab pos="3143250" algn="l"/>
+                <a:tab pos="3592513" algn="l"/>
+                <a:tab pos="4041775" algn="l"/>
+                <a:tab pos="4491038" algn="l"/>
+                <a:tab pos="4940300" algn="l"/>
+                <a:tab pos="5389563" algn="l"/>
+                <a:tab pos="5838825" algn="l"/>
+                <a:tab pos="6288088" algn="l"/>
+                <a:tab pos="6737350" algn="l"/>
+                <a:tab pos="7186613" algn="l"/>
+                <a:tab pos="7635875" algn="l"/>
+                <a:tab pos="8085138" algn="l"/>
+                <a:tab pos="8534400" algn="l"/>
+                <a:tab pos="8983663" algn="l"/>
+              </a:tabLst>
+            </a:pPr>
+            <a:r>
+              <a:rPr lang="en-US" b="1" dirty="0" smtClean="0">
+                <a:effectLst>
+                  <a:outerShdw blurRad="38100" dist="38100" dir="2700000" algn="tl">
+                    <a:srgbClr val="000000">
+                      <a:alpha val="43137"/>
+                    </a:srgbClr>
+                  </a:outerShdw>
+                </a:effectLst>
+              </a:rPr>
+              <a:t>References</a:t>
+            </a:r>
+            <a:endParaRPr lang="en-US" b="1" dirty="0">
+              <a:effectLst>
+                <a:outerShdw blurRad="38100" dist="38100" dir="2700000" algn="tl">
+                  <a:srgbClr val="000000">
+                    <a:alpha val="43137"/>
+                  </a:srgbClr>
+                </a:outerShdw>
+              </a:effectLst>
+            </a:endParaRPr>
+          </a:p>
+        </p:txBody>
+      </p:sp>
+      <p:sp>
+        <p:nvSpPr>
+          <p:cNvPr id="7170" name="Rectangle 2"/>
+          <p:cNvSpPr>
+            <a:spLocks noGrp="1" noChangeArrowheads="1"/>
+          </p:cNvSpPr>
+          <p:nvPr>
+            <p:ph type="body" idx="4294967295"/>
+          </p:nvPr>
+        </p:nvSpPr>
+        <p:spPr>
+          <a:xfrm>
+            <a:off x="360363" y="1844824"/>
+            <a:ext cx="8291512" cy="4635351"/>
+          </a:xfrm>
+          <a:ln/>
+        </p:spPr>
+        <p:txBody>
+          <a:bodyPr/>
+          <a:lstStyle/>
+          <a:p>
+            <a:pPr indent="-341313" algn="just">
+              <a:tabLst>
+                <a:tab pos="358775" algn="l"/>
+                <a:tab pos="447675" algn="l"/>
+                <a:tab pos="896938" algn="l"/>
+                <a:tab pos="1346200" algn="l"/>
+                <a:tab pos="1795463" algn="l"/>
+                <a:tab pos="2244725" algn="l"/>
+                <a:tab pos="2693988" algn="l"/>
+                <a:tab pos="3143250" algn="l"/>
+                <a:tab pos="3592513" algn="l"/>
+                <a:tab pos="4041775" algn="l"/>
+                <a:tab pos="4491038" algn="l"/>
+                <a:tab pos="4940300" algn="l"/>
+                <a:tab pos="5389563" algn="l"/>
+                <a:tab pos="5838825" algn="l"/>
+                <a:tab pos="6288088" algn="l"/>
+                <a:tab pos="6737350" algn="l"/>
+                <a:tab pos="7186613" algn="l"/>
+                <a:tab pos="7635875" algn="l"/>
+                <a:tab pos="8085138" algn="l"/>
+                <a:tab pos="8534400" algn="l"/>
+                <a:tab pos="8983663" algn="l"/>
+              </a:tabLst>
+            </a:pPr>
+            <a:r>
+              <a:rPr lang="en-US" sz="1400" dirty="0" smtClean="0">
+                <a:solidFill>
+                  <a:schemeClr val="tx1"/>
+                </a:solidFill>
+              </a:rPr>
+              <a:t>[1]	P</a:t>
+            </a:r>
+            <a:r>
+              <a:rPr lang="en-US" sz="1400" dirty="0">
+                <a:solidFill>
+                  <a:schemeClr val="tx1"/>
+                </a:solidFill>
+              </a:rPr>
+              <a:t>. </a:t>
+            </a:r>
+            <a:r>
+              <a:rPr lang="en-US" sz="1400" dirty="0" err="1">
+                <a:solidFill>
+                  <a:schemeClr val="tx1"/>
+                </a:solidFill>
+              </a:rPr>
+              <a:t>Kordjamshidi</a:t>
+            </a:r>
+            <a:r>
+              <a:rPr lang="en-US" sz="1400" dirty="0">
+                <a:solidFill>
+                  <a:schemeClr val="tx1"/>
+                </a:solidFill>
+              </a:rPr>
+              <a:t>, M van </a:t>
+            </a:r>
+            <a:r>
+              <a:rPr lang="en-US" sz="1400" dirty="0" err="1">
+                <a:solidFill>
+                  <a:schemeClr val="tx1"/>
+                </a:solidFill>
+              </a:rPr>
+              <a:t>Otterlo</a:t>
+            </a:r>
+            <a:r>
+              <a:rPr lang="en-US" sz="1400" dirty="0">
+                <a:solidFill>
+                  <a:schemeClr val="tx1"/>
+                </a:solidFill>
+              </a:rPr>
+              <a:t>, and M. F. </a:t>
+            </a:r>
+            <a:r>
+              <a:rPr lang="en-US" sz="1400" dirty="0" err="1">
+                <a:solidFill>
+                  <a:schemeClr val="tx1"/>
+                </a:solidFill>
+              </a:rPr>
+              <a:t>Moens</a:t>
+            </a:r>
+            <a:r>
+              <a:rPr lang="en-US" sz="1400" dirty="0">
+                <a:solidFill>
+                  <a:schemeClr val="tx1"/>
+                </a:solidFill>
+              </a:rPr>
+              <a:t>. Spatial role labeling: task deﬁnition and </a:t>
+            </a:r>
+            <a:r>
+              <a:rPr lang="en-US" sz="1400" dirty="0" smtClean="0">
+                <a:solidFill>
+                  <a:schemeClr val="tx1"/>
+                </a:solidFill>
+              </a:rPr>
+              <a:t>annotation scheme</a:t>
+            </a:r>
+            <a:r>
+              <a:rPr lang="en-US" sz="1400" dirty="0">
+                <a:solidFill>
+                  <a:schemeClr val="tx1"/>
+                </a:solidFill>
+              </a:rPr>
+              <a:t>. In LREC, </a:t>
+            </a:r>
+            <a:r>
+              <a:rPr lang="en-US" sz="1400" dirty="0" smtClean="0">
+                <a:solidFill>
+                  <a:schemeClr val="tx1"/>
+                </a:solidFill>
+              </a:rPr>
+              <a:t>2010.</a:t>
+            </a:r>
+          </a:p>
+          <a:p>
+            <a:pPr indent="-341313" algn="just">
+              <a:tabLst>
+                <a:tab pos="358775" algn="l"/>
+                <a:tab pos="447675" algn="l"/>
+                <a:tab pos="896938" algn="l"/>
+                <a:tab pos="1346200" algn="l"/>
+                <a:tab pos="1795463" algn="l"/>
+                <a:tab pos="2244725" algn="l"/>
+                <a:tab pos="2693988" algn="l"/>
+                <a:tab pos="3143250" algn="l"/>
+                <a:tab pos="3592513" algn="l"/>
+                <a:tab pos="4041775" algn="l"/>
+                <a:tab pos="4491038" algn="l"/>
+                <a:tab pos="4940300" algn="l"/>
+                <a:tab pos="5389563" algn="l"/>
+                <a:tab pos="5838825" algn="l"/>
+                <a:tab pos="6288088" algn="l"/>
+                <a:tab pos="6737350" algn="l"/>
+                <a:tab pos="7186613" algn="l"/>
+                <a:tab pos="7635875" algn="l"/>
+                <a:tab pos="8085138" algn="l"/>
+                <a:tab pos="8534400" algn="l"/>
+                <a:tab pos="8983663" algn="l"/>
+              </a:tabLst>
+            </a:pPr>
+            <a:r>
+              <a:rPr lang="en-US" sz="1400" dirty="0" smtClean="0">
+                <a:solidFill>
+                  <a:schemeClr val="tx1"/>
+                </a:solidFill>
+              </a:rPr>
+              <a:t>[2]	P</a:t>
+            </a:r>
+            <a:r>
+              <a:rPr lang="en-US" sz="1400" dirty="0">
+                <a:solidFill>
+                  <a:schemeClr val="tx1"/>
+                </a:solidFill>
+              </a:rPr>
+              <a:t>. </a:t>
+            </a:r>
+            <a:r>
+              <a:rPr lang="en-US" sz="1400" dirty="0" err="1">
+                <a:solidFill>
+                  <a:schemeClr val="tx1"/>
+                </a:solidFill>
+              </a:rPr>
+              <a:t>Kordjamshidi</a:t>
+            </a:r>
+            <a:r>
+              <a:rPr lang="en-US" sz="1400" dirty="0">
+                <a:solidFill>
+                  <a:schemeClr val="tx1"/>
+                </a:solidFill>
+              </a:rPr>
+              <a:t>, M van </a:t>
+            </a:r>
+            <a:r>
+              <a:rPr lang="en-US" sz="1400" dirty="0" err="1">
+                <a:solidFill>
+                  <a:schemeClr val="tx1"/>
+                </a:solidFill>
+              </a:rPr>
+              <a:t>Otterlo</a:t>
+            </a:r>
+            <a:r>
+              <a:rPr lang="en-US" sz="1400" dirty="0">
+                <a:solidFill>
+                  <a:schemeClr val="tx1"/>
+                </a:solidFill>
+              </a:rPr>
+              <a:t>, and M. F. </a:t>
+            </a:r>
+            <a:r>
+              <a:rPr lang="en-US" sz="1400" dirty="0" err="1">
+                <a:solidFill>
+                  <a:schemeClr val="tx1"/>
+                </a:solidFill>
+              </a:rPr>
+              <a:t>Moens</a:t>
+            </a:r>
+            <a:r>
+              <a:rPr lang="en-US" sz="1400" dirty="0">
+                <a:solidFill>
+                  <a:schemeClr val="tx1"/>
+                </a:solidFill>
+              </a:rPr>
+              <a:t>. From language towards formal spatial calculi.</a:t>
+            </a:r>
+            <a:br>
+              <a:rPr lang="en-US" sz="1400" dirty="0">
+                <a:solidFill>
+                  <a:schemeClr val="tx1"/>
+                </a:solidFill>
+              </a:rPr>
+            </a:br>
+            <a:r>
+              <a:rPr lang="en-US" sz="1400" dirty="0">
+                <a:solidFill>
+                  <a:schemeClr val="tx1"/>
+                </a:solidFill>
+              </a:rPr>
+              <a:t>In Workshop on Computational Models of Spatial Language Interpretation (</a:t>
+            </a:r>
+            <a:r>
+              <a:rPr lang="en-US" sz="1400" dirty="0" err="1">
+                <a:solidFill>
+                  <a:schemeClr val="tx1"/>
+                </a:solidFill>
+              </a:rPr>
+              <a:t>CoSLI</a:t>
+            </a:r>
+            <a:r>
+              <a:rPr lang="en-US" sz="1400" dirty="0">
+                <a:solidFill>
+                  <a:schemeClr val="tx1"/>
+                </a:solidFill>
+              </a:rPr>
+              <a:t> 2010, at Spatial</a:t>
+            </a:r>
+            <a:br>
+              <a:rPr lang="en-US" sz="1400" dirty="0">
+                <a:solidFill>
+                  <a:schemeClr val="tx1"/>
+                </a:solidFill>
+              </a:rPr>
+            </a:br>
+            <a:r>
+              <a:rPr lang="en-US" sz="1400" dirty="0">
+                <a:solidFill>
+                  <a:schemeClr val="tx1"/>
+                </a:solidFill>
+              </a:rPr>
+              <a:t>Cognition 2010), 2010.</a:t>
+            </a:r>
+          </a:p>
+          <a:p>
+            <a:pPr indent="-341313" algn="just">
+              <a:tabLst>
+                <a:tab pos="358775" algn="l"/>
+                <a:tab pos="447675" algn="l"/>
+                <a:tab pos="896938" algn="l"/>
+                <a:tab pos="1346200" algn="l"/>
+                <a:tab pos="1795463" algn="l"/>
+                <a:tab pos="2244725" algn="l"/>
+                <a:tab pos="2693988" algn="l"/>
+                <a:tab pos="3143250" algn="l"/>
+                <a:tab pos="3592513" algn="l"/>
+                <a:tab pos="4041775" algn="l"/>
+                <a:tab pos="4491038" algn="l"/>
+                <a:tab pos="4940300" algn="l"/>
+                <a:tab pos="5389563" algn="l"/>
+                <a:tab pos="5838825" algn="l"/>
+                <a:tab pos="6288088" algn="l"/>
+                <a:tab pos="6737350" algn="l"/>
+                <a:tab pos="7186613" algn="l"/>
+                <a:tab pos="7635875" algn="l"/>
+                <a:tab pos="8085138" algn="l"/>
+                <a:tab pos="8534400" algn="l"/>
+                <a:tab pos="8983663" algn="l"/>
+              </a:tabLst>
+            </a:pPr>
+            <a:r>
+              <a:rPr lang="en-US" sz="1400" dirty="0" smtClean="0">
+                <a:solidFill>
+                  <a:schemeClr val="tx1"/>
+                </a:solidFill>
+              </a:rPr>
+              <a:t>[3]	</a:t>
+            </a:r>
+            <a:r>
+              <a:rPr lang="en-US" sz="1400" dirty="0" err="1" smtClean="0">
+                <a:solidFill>
+                  <a:schemeClr val="tx1"/>
+                </a:solidFill>
+              </a:rPr>
+              <a:t>Parisa</a:t>
+            </a:r>
+            <a:r>
+              <a:rPr lang="en-US" sz="1400" dirty="0" smtClean="0">
+                <a:solidFill>
+                  <a:schemeClr val="tx1"/>
+                </a:solidFill>
+              </a:rPr>
+              <a:t> </a:t>
+            </a:r>
+            <a:r>
+              <a:rPr lang="en-US" sz="1400" dirty="0" err="1">
+                <a:solidFill>
+                  <a:schemeClr val="tx1"/>
+                </a:solidFill>
+              </a:rPr>
+              <a:t>Kordjamshidi</a:t>
+            </a:r>
+            <a:r>
+              <a:rPr lang="en-US" sz="1400" dirty="0">
+                <a:solidFill>
+                  <a:schemeClr val="tx1"/>
+                </a:solidFill>
+              </a:rPr>
+              <a:t>, </a:t>
+            </a:r>
+            <a:r>
+              <a:rPr lang="en-US" sz="1400" dirty="0" err="1">
+                <a:solidFill>
+                  <a:schemeClr val="tx1"/>
+                </a:solidFill>
+              </a:rPr>
+              <a:t>Martijn</a:t>
+            </a:r>
+            <a:r>
+              <a:rPr lang="en-US" sz="1400" dirty="0">
+                <a:solidFill>
+                  <a:schemeClr val="tx1"/>
+                </a:solidFill>
+              </a:rPr>
+              <a:t> van </a:t>
+            </a:r>
+            <a:r>
+              <a:rPr lang="en-US" sz="1400" dirty="0" err="1">
+                <a:solidFill>
+                  <a:schemeClr val="tx1"/>
+                </a:solidFill>
+              </a:rPr>
+              <a:t>Otterlo</a:t>
+            </a:r>
+            <a:r>
+              <a:rPr lang="en-US" sz="1400" dirty="0">
+                <a:solidFill>
+                  <a:schemeClr val="tx1"/>
+                </a:solidFill>
+              </a:rPr>
+              <a:t>, and Marie-</a:t>
+            </a:r>
+            <a:r>
+              <a:rPr lang="en-US" sz="1400" dirty="0" err="1">
+                <a:solidFill>
+                  <a:schemeClr val="tx1"/>
+                </a:solidFill>
+              </a:rPr>
+              <a:t>Francie</a:t>
+            </a:r>
+            <a:r>
+              <a:rPr lang="en-US" sz="1400" dirty="0">
+                <a:solidFill>
+                  <a:schemeClr val="tx1"/>
+                </a:solidFill>
+              </a:rPr>
+              <a:t> </a:t>
+            </a:r>
+            <a:r>
+              <a:rPr lang="en-US" sz="1400" dirty="0" err="1">
+                <a:solidFill>
+                  <a:schemeClr val="tx1"/>
+                </a:solidFill>
+              </a:rPr>
+              <a:t>Moens</a:t>
+            </a:r>
+            <a:r>
+              <a:rPr lang="en-US" sz="1400" dirty="0">
+                <a:solidFill>
+                  <a:schemeClr val="tx1"/>
+                </a:solidFill>
+              </a:rPr>
+              <a:t>. Spatial role labeling: Towards extraction of spatial relations from natural language. ACM Transactions on Speech and Language Processing, Nov. 2011. to appear.</a:t>
+            </a:r>
+          </a:p>
+          <a:p>
+            <a:pPr indent="-341313">
+              <a:buClrTx/>
+              <a:buFontTx/>
+              <a:buNone/>
+              <a:tabLst>
+                <a:tab pos="358775" algn="l"/>
+                <a:tab pos="447675" algn="l"/>
+                <a:tab pos="896938" algn="l"/>
+                <a:tab pos="1346200" algn="l"/>
+                <a:tab pos="1795463" algn="l"/>
+                <a:tab pos="2244725" algn="l"/>
+                <a:tab pos="2693988" algn="l"/>
+                <a:tab pos="3143250" algn="l"/>
+                <a:tab pos="3592513" algn="l"/>
+                <a:tab pos="4041775" algn="l"/>
+                <a:tab pos="4491038" algn="l"/>
+                <a:tab pos="4940300" algn="l"/>
+                <a:tab pos="5389563" algn="l"/>
+                <a:tab pos="5838825" algn="l"/>
+                <a:tab pos="6288088" algn="l"/>
+                <a:tab pos="6737350" algn="l"/>
+                <a:tab pos="7186613" algn="l"/>
+                <a:tab pos="7635875" algn="l"/>
+                <a:tab pos="8085138" algn="l"/>
+                <a:tab pos="8534400" algn="l"/>
+                <a:tab pos="8983663" algn="l"/>
+              </a:tabLst>
+            </a:pPr>
+            <a:endParaRPr lang="es-ES" sz="2400" dirty="0">
+              <a:latin typeface="CMR10" charset="0"/>
+            </a:endParaRPr>
+          </a:p>
+          <a:p>
+            <a:pPr indent="-341313">
+              <a:buClrTx/>
+              <a:buFontTx/>
+              <a:buNone/>
+              <a:tabLst>
+                <a:tab pos="342900" algn="l"/>
+                <a:tab pos="447675" algn="l"/>
+                <a:tab pos="896938" algn="l"/>
+                <a:tab pos="1346200" algn="l"/>
+                <a:tab pos="1795463" algn="l"/>
+                <a:tab pos="2244725" algn="l"/>
+                <a:tab pos="2693988" algn="l"/>
+                <a:tab pos="3143250" algn="l"/>
+                <a:tab pos="3592513" algn="l"/>
+                <a:tab pos="4041775" algn="l"/>
+                <a:tab pos="4491038" algn="l"/>
+                <a:tab pos="4940300" algn="l"/>
+                <a:tab pos="5389563" algn="l"/>
+                <a:tab pos="5838825" algn="l"/>
+                <a:tab pos="6288088" algn="l"/>
+                <a:tab pos="6737350" algn="l"/>
+                <a:tab pos="7186613" algn="l"/>
+                <a:tab pos="7635875" algn="l"/>
+                <a:tab pos="8085138" algn="l"/>
+                <a:tab pos="8534400" algn="l"/>
+                <a:tab pos="8983663" algn="l"/>
+              </a:tabLst>
+            </a:pPr>
+            <a:endParaRPr lang="es-ES" sz="2400" dirty="0">
+              <a:latin typeface="CMR10" charset="0"/>
+            </a:endParaRPr>
+          </a:p>
+          <a:p>
+            <a:pPr indent="-341313">
+              <a:buClrTx/>
+              <a:buFontTx/>
+              <a:buNone/>
+              <a:tabLst>
+                <a:tab pos="342900" algn="l"/>
+                <a:tab pos="447675" algn="l"/>
+                <a:tab pos="896938" algn="l"/>
+                <a:tab pos="1346200" algn="l"/>
+                <a:tab pos="1795463" algn="l"/>
+                <a:tab pos="2244725" algn="l"/>
+                <a:tab pos="2693988" algn="l"/>
+                <a:tab pos="3143250" algn="l"/>
+                <a:tab pos="3592513" algn="l"/>
+                <a:tab pos="4041775" algn="l"/>
+                <a:tab pos="4491038" algn="l"/>
+                <a:tab pos="4940300" algn="l"/>
+                <a:tab pos="5389563" algn="l"/>
+                <a:tab pos="5838825" algn="l"/>
+                <a:tab pos="6288088" algn="l"/>
+                <a:tab pos="6737350" algn="l"/>
+                <a:tab pos="7186613" algn="l"/>
+                <a:tab pos="7635875" algn="l"/>
+                <a:tab pos="8085138" algn="l"/>
+                <a:tab pos="8534400" algn="l"/>
+                <a:tab pos="8983663" algn="l"/>
+              </a:tabLst>
+            </a:pPr>
+            <a:endParaRPr lang="es-ES" sz="2400" dirty="0">
+              <a:latin typeface="CMR10" charset="0"/>
+            </a:endParaRPr>
+          </a:p>
+        </p:txBody>
+      </p:sp>
+      <p:sp>
+        <p:nvSpPr>
+          <p:cNvPr id="2" name="1 Marcador de número de diapositiva"/>
+          <p:cNvSpPr>
+            <a:spLocks noGrp="1"/>
+          </p:cNvSpPr>
+          <p:nvPr>
+            <p:ph type="sldNum" idx="12"/>
+          </p:nvPr>
+        </p:nvSpPr>
+        <p:spPr/>
+        <p:txBody>
+          <a:bodyPr/>
+          <a:lstStyle/>
+          <a:p>
+            <a:pPr algn="r"/>
+            <a:fld id="{81022233-0816-4994-B4E1-5F74D0375BF0}" type="slidenum">
+              <a:rPr lang="es-ES" sz="1400" smtClean="0">
+                <a:latin typeface="Times New Roman" pitchFamily="18" charset="0"/>
+                <a:cs typeface="Times New Roman" pitchFamily="18" charset="0"/>
+              </a:rPr>
+              <a:pPr algn="r"/>
+              <a:t>20</a:t>
+            </a:fld>
+            <a:endParaRPr lang="es-ES" sz="1400" dirty="0">
+              <a:latin typeface="Times New Roman" pitchFamily="18" charset="0"/>
+              <a:cs typeface="Times New Roman" pitchFamily="18" charset="0"/>
+            </a:endParaRPr>
+          </a:p>
+        </p:txBody>
+      </p:sp>
+    </p:spTree>
+    <p:extLst>
+      <p:ext uri="{BB962C8B-B14F-4D97-AF65-F5344CB8AC3E}">
+        <p14:creationId xmlns:p14="http://schemas.microsoft.com/office/powerpoint/2010/main" val="1505454943"/>
+      </p:ext>
+    </p:extLst>
+  </p:cSld>
+  <p:clrMapOvr>
+    <a:masterClrMapping/>
+  </p:clrMapOvr>
+  <p:transition>
+    <p:wipe dir="r"/>
+  </p:transition>
+  <p:timing>
+    <p:tnLst>
+      <p:par>
+        <p:cTn id="1" dur="indefinite" restart="never" nodeType="tmRoot">
+          <p:childTnLst>
+            <p:seq concurrent="1" nextAc="seek">
+              <p:cTn id="2" dur="indefinite" nodeType="mainSeq"/>
+              <p:prevCondLst>
+                <p:cond evt="onPrev" delay="0">
+                  <p:tgtEl>
+                    <p:sldTgt/>
+                  </p:tgtEl>
+                </p:cond>
+              </p:prevCondLst>
+              <p:nextCondLst>
+                <p:cond evt="onNext" delay="0">
+                  <p:tgtEl>
+                    <p:sldTgt/>
+                  </p:tgtEl>
+                </p:cond>
+              </p:nextCondLst>
+            </p:seq>
+          </p:childTnLst>
+        </p:cTn>
+      </p:par>
+    </p:tnLst>
+  </p:timing>
+</p:sld>
+</file>
+
+<file path=ppt/slides/slide21.xml><?xml version="1.0" encoding="utf-8"?>
+<p:sld xmlns:a="http://schemas.openxmlformats.org/drawingml/2006/main" xmlns:r="http://schemas.openxmlformats.org/officeDocument/2006/relationships" xmlns:p="http://schemas.openxmlformats.org/presentationml/2006/main">
+  <p:cSld>
+    <p:bg>
+      <p:bgPr>
+        <a:solidFill>
+          <a:srgbClr val="FFFFFF"/>
+        </a:solidFill>
+        <a:effectLst/>
+      </p:bgPr>
+    </p:bg>
+    <p:spTree>
+      <p:nvGrpSpPr>
+        <p:cNvPr id="1" name=""/>
+        <p:cNvGrpSpPr/>
+        <p:nvPr/>
+      </p:nvGrpSpPr>
+      <p:grpSpPr>
+        <a:xfrm>
+          <a:off x="0" y="0"/>
+          <a:ext cx="0" cy="0"/>
+          <a:chOff x="0" y="0"/>
+          <a:chExt cx="0" cy="0"/>
+        </a:xfrm>
+      </p:grpSpPr>
+      <p:sp>
+        <p:nvSpPr>
+          <p:cNvPr id="8194" name="Text Box 2"/>
+          <p:cNvSpPr txBox="1">
+            <a:spLocks noChangeArrowheads="1"/>
+          </p:cNvSpPr>
+          <p:nvPr/>
+        </p:nvSpPr>
+        <p:spPr bwMode="auto">
+          <a:xfrm>
+            <a:off x="1979613" y="4500563"/>
+            <a:ext cx="5291137" cy="881909"/>
+          </a:xfrm>
+          <a:prstGeom prst="rect">
+            <a:avLst/>
+          </a:prstGeom>
+          <a:noFill/>
+          <a:ln>
+            <a:noFill/>
+          </a:ln>
+          <a:effectLst/>
+          <a:extLst>
+            <a:ext uri="{909E8E84-426E-40DD-AFC4-6F175D3DCCD1}">
+              <a14:hiddenFill xmlns:a14="http://schemas.microsoft.com/office/drawing/2010/main">
+                <a:solidFill>
+                  <a:srgbClr val="FFFFFF"/>
+                </a:solidFill>
+              </a14:hiddenFill>
+            </a:ext>
+            <a:ext uri="{91240B29-F687-4F45-9708-019B960494DF}">
+              <a14:hiddenLine xmlns:a14="http://schemas.microsoft.com/office/drawing/2010/main" w="9525">
+                <a:solidFill>
+                  <a:srgbClr val="000000"/>
+                </a:solidFill>
+                <a:round/>
+                <a:headEnd/>
+                <a:tailEnd/>
+              </a14:hiddenLine>
+            </a:ext>
+            <a:ext uri="{AF507438-7753-43E0-B8FC-AC1667EBCBE1}">
+              <a14:hiddenEffects xmlns:a14="http://schemas.microsoft.com/office/drawing/2010/main">
+                <a:effectLst>
+                  <a:outerShdw dist="35921" dir="2700000" algn="ctr" rotWithShape="0">
+                    <a:srgbClr val="808080"/>
+                  </a:outerShdw>
+                </a:effectLst>
+              </a14:hiddenEffects>
+            </a:ext>
+          </a:extLst>
+        </p:spPr>
+        <p:txBody>
+          <a:bodyPr lIns="90000" tIns="46800" rIns="90000" bIns="46800">
+            <a:spAutoFit/>
+          </a:bodyPr>
+          <a:lstStyle>
+            <a:lvl1pPr>
+              <a:tabLst>
+                <a:tab pos="0" algn="l"/>
+                <a:tab pos="447675" algn="l"/>
+                <a:tab pos="896938" algn="l"/>
+                <a:tab pos="1346200" algn="l"/>
+                <a:tab pos="1795463" algn="l"/>
+                <a:tab pos="2244725" algn="l"/>
+                <a:tab pos="2693988" algn="l"/>
+                <a:tab pos="3143250" algn="l"/>
+                <a:tab pos="3592513" algn="l"/>
+                <a:tab pos="4041775" algn="l"/>
+                <a:tab pos="4491038" algn="l"/>
+                <a:tab pos="4940300" algn="l"/>
+                <a:tab pos="5389563" algn="l"/>
+                <a:tab pos="5838825" algn="l"/>
+                <a:tab pos="6288088" algn="l"/>
+                <a:tab pos="6737350" algn="l"/>
+                <a:tab pos="7186613" algn="l"/>
+                <a:tab pos="7635875" algn="l"/>
+                <a:tab pos="8085138" algn="l"/>
+                <a:tab pos="8534400" algn="l"/>
+                <a:tab pos="8983663" algn="l"/>
+              </a:tabLst>
+              <a:defRPr>
+                <a:solidFill>
+                  <a:srgbClr val="003366"/>
+                </a:solidFill>
+                <a:latin typeface="Arial" charset="0"/>
+                <a:cs typeface="Arial" charset="0"/>
+              </a:defRPr>
+            </a:lvl1pPr>
+            <a:lvl2pPr>
+              <a:tabLst>
+                <a:tab pos="0" algn="l"/>
+                <a:tab pos="447675" algn="l"/>
+                <a:tab pos="896938" algn="l"/>
+                <a:tab pos="1346200" algn="l"/>
+                <a:tab pos="1795463" algn="l"/>
+                <a:tab pos="2244725" algn="l"/>
+                <a:tab pos="2693988" algn="l"/>
+                <a:tab pos="3143250" algn="l"/>
+                <a:tab pos="3592513" algn="l"/>
+                <a:tab pos="4041775" algn="l"/>
+                <a:tab pos="4491038" algn="l"/>
+                <a:tab pos="4940300" algn="l"/>
+                <a:tab pos="5389563" algn="l"/>
+                <a:tab pos="5838825" algn="l"/>
+                <a:tab pos="6288088" algn="l"/>
+                <a:tab pos="6737350" algn="l"/>
+                <a:tab pos="7186613" algn="l"/>
+                <a:tab pos="7635875" algn="l"/>
+                <a:tab pos="8085138" algn="l"/>
+                <a:tab pos="8534400" algn="l"/>
+                <a:tab pos="8983663" algn="l"/>
+              </a:tabLst>
+              <a:defRPr>
+                <a:solidFill>
+                  <a:srgbClr val="003366"/>
+                </a:solidFill>
+                <a:latin typeface="Arial" charset="0"/>
+                <a:cs typeface="Arial" charset="0"/>
+              </a:defRPr>
+            </a:lvl2pPr>
+            <a:lvl3pPr>
+              <a:tabLst>
+                <a:tab pos="0" algn="l"/>
+                <a:tab pos="447675" algn="l"/>
+                <a:tab pos="896938" algn="l"/>
+                <a:tab pos="1346200" algn="l"/>
+                <a:tab pos="1795463" algn="l"/>
+                <a:tab pos="2244725" algn="l"/>
+                <a:tab pos="2693988" algn="l"/>
+                <a:tab pos="3143250" algn="l"/>
+                <a:tab pos="3592513" algn="l"/>
+                <a:tab pos="4041775" algn="l"/>
+                <a:tab pos="4491038" algn="l"/>
+                <a:tab pos="4940300" algn="l"/>
+                <a:tab pos="5389563" algn="l"/>
+                <a:tab pos="5838825" algn="l"/>
+                <a:tab pos="6288088" algn="l"/>
+                <a:tab pos="6737350" algn="l"/>
+                <a:tab pos="7186613" algn="l"/>
+                <a:tab pos="7635875" algn="l"/>
+                <a:tab pos="8085138" algn="l"/>
+                <a:tab pos="8534400" algn="l"/>
+                <a:tab pos="8983663" algn="l"/>
+              </a:tabLst>
+              <a:defRPr>
+                <a:solidFill>
+                  <a:srgbClr val="003366"/>
+                </a:solidFill>
+                <a:latin typeface="Arial" charset="0"/>
+                <a:cs typeface="Arial" charset="0"/>
+              </a:defRPr>
+            </a:lvl3pPr>
+            <a:lvl4pPr>
+              <a:tabLst>
+                <a:tab pos="0" algn="l"/>
+                <a:tab pos="447675" algn="l"/>
+                <a:tab pos="896938" algn="l"/>
+                <a:tab pos="1346200" algn="l"/>
+                <a:tab pos="1795463" algn="l"/>
+                <a:tab pos="2244725" algn="l"/>
+                <a:tab pos="2693988" algn="l"/>
+                <a:tab pos="3143250" algn="l"/>
+                <a:tab pos="3592513" algn="l"/>
+                <a:tab pos="4041775" algn="l"/>
+                <a:tab pos="4491038" algn="l"/>
+                <a:tab pos="4940300" algn="l"/>
+                <a:tab pos="5389563" algn="l"/>
+                <a:tab pos="5838825" algn="l"/>
+                <a:tab pos="6288088" algn="l"/>
+                <a:tab pos="6737350" algn="l"/>
+                <a:tab pos="7186613" algn="l"/>
+                <a:tab pos="7635875" algn="l"/>
+                <a:tab pos="8085138" algn="l"/>
+                <a:tab pos="8534400" algn="l"/>
+                <a:tab pos="8983663" algn="l"/>
+              </a:tabLst>
+              <a:defRPr>
+                <a:solidFill>
+                  <a:srgbClr val="003366"/>
+                </a:solidFill>
+                <a:latin typeface="Arial" charset="0"/>
+                <a:cs typeface="Arial" charset="0"/>
+              </a:defRPr>
+            </a:lvl4pPr>
+            <a:lvl5pPr>
+              <a:tabLst>
+                <a:tab pos="0" algn="l"/>
+                <a:tab pos="447675" algn="l"/>
+                <a:tab pos="896938" algn="l"/>
+                <a:tab pos="1346200" algn="l"/>
+                <a:tab pos="1795463" algn="l"/>
+                <a:tab pos="2244725" algn="l"/>
+                <a:tab pos="2693988" algn="l"/>
+                <a:tab pos="3143250" algn="l"/>
+                <a:tab pos="3592513" algn="l"/>
+                <a:tab pos="4041775" algn="l"/>
+                <a:tab pos="4491038" algn="l"/>
+                <a:tab pos="4940300" algn="l"/>
+                <a:tab pos="5389563" algn="l"/>
+                <a:tab pos="5838825" algn="l"/>
+                <a:tab pos="6288088" algn="l"/>
+                <a:tab pos="6737350" algn="l"/>
+                <a:tab pos="7186613" algn="l"/>
+                <a:tab pos="7635875" algn="l"/>
+                <a:tab pos="8085138" algn="l"/>
+                <a:tab pos="8534400" algn="l"/>
+                <a:tab pos="8983663" algn="l"/>
+              </a:tabLst>
+              <a:defRPr>
+                <a:solidFill>
+                  <a:srgbClr val="003366"/>
+                </a:solidFill>
+                <a:latin typeface="Arial" charset="0"/>
+                <a:cs typeface="Arial" charset="0"/>
+              </a:defRPr>
+            </a:lvl5pPr>
+            <a:lvl6pPr marL="2514600" indent="-228600" defTabSz="449263" fontAlgn="base">
+              <a:spcBef>
+                <a:spcPct val="0"/>
+              </a:spcBef>
+              <a:spcAft>
+                <a:spcPct val="0"/>
+              </a:spcAft>
+              <a:buClr>
+                <a:srgbClr val="000000"/>
+              </a:buClr>
+              <a:buSzPct val="100000"/>
+              <a:buFont typeface="Times New Roman" pitchFamily="16" charset="0"/>
+              <a:tabLst>
+                <a:tab pos="0" algn="l"/>
+                <a:tab pos="447675" algn="l"/>
+                <a:tab pos="896938" algn="l"/>
+                <a:tab pos="1346200" algn="l"/>
+                <a:tab pos="1795463" algn="l"/>
+                <a:tab pos="2244725" algn="l"/>
+                <a:tab pos="2693988" algn="l"/>
+                <a:tab pos="3143250" algn="l"/>
+                <a:tab pos="3592513" algn="l"/>
+                <a:tab pos="4041775" algn="l"/>
+                <a:tab pos="4491038" algn="l"/>
+                <a:tab pos="4940300" algn="l"/>
+                <a:tab pos="5389563" algn="l"/>
+                <a:tab pos="5838825" algn="l"/>
+                <a:tab pos="6288088" algn="l"/>
+                <a:tab pos="6737350" algn="l"/>
+                <a:tab pos="7186613" algn="l"/>
+                <a:tab pos="7635875" algn="l"/>
+                <a:tab pos="8085138" algn="l"/>
+                <a:tab pos="8534400" algn="l"/>
+                <a:tab pos="8983663" algn="l"/>
+              </a:tabLst>
+              <a:defRPr>
+                <a:solidFill>
+                  <a:srgbClr val="003366"/>
+                </a:solidFill>
+                <a:latin typeface="Arial" charset="0"/>
+                <a:cs typeface="Arial" charset="0"/>
+              </a:defRPr>
+            </a:lvl6pPr>
+            <a:lvl7pPr marL="2971800" indent="-228600" defTabSz="449263" fontAlgn="base">
+              <a:spcBef>
+                <a:spcPct val="0"/>
+              </a:spcBef>
+              <a:spcAft>
+                <a:spcPct val="0"/>
+              </a:spcAft>
+              <a:buClr>
+                <a:srgbClr val="000000"/>
+              </a:buClr>
+              <a:buSzPct val="100000"/>
+              <a:buFont typeface="Times New Roman" pitchFamily="16" charset="0"/>
+              <a:tabLst>
+                <a:tab pos="0" algn="l"/>
+                <a:tab pos="447675" algn="l"/>
+                <a:tab pos="896938" algn="l"/>
+                <a:tab pos="1346200" algn="l"/>
+                <a:tab pos="1795463" algn="l"/>
+                <a:tab pos="2244725" algn="l"/>
+                <a:tab pos="2693988" algn="l"/>
+                <a:tab pos="3143250" algn="l"/>
+                <a:tab pos="3592513" algn="l"/>
+                <a:tab pos="4041775" algn="l"/>
+                <a:tab pos="4491038" algn="l"/>
+                <a:tab pos="4940300" algn="l"/>
+                <a:tab pos="5389563" algn="l"/>
+                <a:tab pos="5838825" algn="l"/>
+                <a:tab pos="6288088" algn="l"/>
+                <a:tab pos="6737350" algn="l"/>
+                <a:tab pos="7186613" algn="l"/>
+                <a:tab pos="7635875" algn="l"/>
+                <a:tab pos="8085138" algn="l"/>
+                <a:tab pos="8534400" algn="l"/>
+                <a:tab pos="8983663" algn="l"/>
+              </a:tabLst>
+              <a:defRPr>
+                <a:solidFill>
+                  <a:srgbClr val="003366"/>
+                </a:solidFill>
+                <a:latin typeface="Arial" charset="0"/>
+                <a:cs typeface="Arial" charset="0"/>
+              </a:defRPr>
+            </a:lvl7pPr>
+            <a:lvl8pPr marL="3429000" indent="-228600" defTabSz="449263" fontAlgn="base">
+              <a:spcBef>
+                <a:spcPct val="0"/>
+              </a:spcBef>
+              <a:spcAft>
+                <a:spcPct val="0"/>
+              </a:spcAft>
+              <a:buClr>
+                <a:srgbClr val="000000"/>
+              </a:buClr>
+              <a:buSzPct val="100000"/>
+              <a:buFont typeface="Times New Roman" pitchFamily="16" charset="0"/>
+              <a:tabLst>
+                <a:tab pos="0" algn="l"/>
+                <a:tab pos="447675" algn="l"/>
+                <a:tab pos="896938" algn="l"/>
+                <a:tab pos="1346200" algn="l"/>
+                <a:tab pos="1795463" algn="l"/>
+                <a:tab pos="2244725" algn="l"/>
+                <a:tab pos="2693988" algn="l"/>
+                <a:tab pos="3143250" algn="l"/>
+                <a:tab pos="3592513" algn="l"/>
+                <a:tab pos="4041775" algn="l"/>
+                <a:tab pos="4491038" algn="l"/>
+                <a:tab pos="4940300" algn="l"/>
+                <a:tab pos="5389563" algn="l"/>
+                <a:tab pos="5838825" algn="l"/>
+                <a:tab pos="6288088" algn="l"/>
+                <a:tab pos="6737350" algn="l"/>
+                <a:tab pos="7186613" algn="l"/>
+                <a:tab pos="7635875" algn="l"/>
+                <a:tab pos="8085138" algn="l"/>
+                <a:tab pos="8534400" algn="l"/>
+                <a:tab pos="8983663" algn="l"/>
+              </a:tabLst>
+              <a:defRPr>
+                <a:solidFill>
+                  <a:srgbClr val="003366"/>
+                </a:solidFill>
+                <a:latin typeface="Arial" charset="0"/>
+                <a:cs typeface="Arial" charset="0"/>
+              </a:defRPr>
+            </a:lvl8pPr>
+            <a:lvl9pPr marL="3886200" indent="-228600" defTabSz="449263" fontAlgn="base">
+              <a:spcBef>
+                <a:spcPct val="0"/>
+              </a:spcBef>
+              <a:spcAft>
+                <a:spcPct val="0"/>
+              </a:spcAft>
+              <a:buClr>
+                <a:srgbClr val="000000"/>
+              </a:buClr>
+              <a:buSzPct val="100000"/>
+              <a:buFont typeface="Times New Roman" pitchFamily="16" charset="0"/>
+              <a:tabLst>
+                <a:tab pos="0" algn="l"/>
+                <a:tab pos="447675" algn="l"/>
+                <a:tab pos="896938" algn="l"/>
+                <a:tab pos="1346200" algn="l"/>
+                <a:tab pos="1795463" algn="l"/>
+                <a:tab pos="2244725" algn="l"/>
+                <a:tab pos="2693988" algn="l"/>
+                <a:tab pos="3143250" algn="l"/>
+                <a:tab pos="3592513" algn="l"/>
+                <a:tab pos="4041775" algn="l"/>
+                <a:tab pos="4491038" algn="l"/>
+                <a:tab pos="4940300" algn="l"/>
+                <a:tab pos="5389563" algn="l"/>
+                <a:tab pos="5838825" algn="l"/>
+                <a:tab pos="6288088" algn="l"/>
+                <a:tab pos="6737350" algn="l"/>
+                <a:tab pos="7186613" algn="l"/>
+                <a:tab pos="7635875" algn="l"/>
+                <a:tab pos="8085138" algn="l"/>
+                <a:tab pos="8534400" algn="l"/>
+                <a:tab pos="8983663" algn="l"/>
+              </a:tabLst>
+              <a:defRPr>
+                <a:solidFill>
+                  <a:srgbClr val="003366"/>
+                </a:solidFill>
+                <a:latin typeface="Arial" charset="0"/>
+                <a:cs typeface="Arial" charset="0"/>
+              </a:defRPr>
+            </a:lvl9pPr>
+          </a:lstStyle>
+          <a:p>
+            <a:pPr algn="ctr">
+              <a:spcBef>
+                <a:spcPts val="1125"/>
+              </a:spcBef>
+              <a:buClrTx/>
+              <a:buFontTx/>
+              <a:buNone/>
+            </a:pPr>
+            <a:r>
+              <a:rPr lang="es-ES" sz="2400" b="1" dirty="0" err="1">
+                <a:effectLst>
+                  <a:outerShdw blurRad="38100" dist="38100" dir="2700000" algn="tl">
+                    <a:srgbClr val="000000">
+                      <a:alpha val="43137"/>
+                    </a:srgbClr>
+                  </a:outerShdw>
+                </a:effectLst>
+              </a:rPr>
+              <a:t>Thank</a:t>
+            </a:r>
+            <a:r>
+              <a:rPr lang="es-ES" sz="2400" b="1" dirty="0">
+                <a:effectLst>
+                  <a:outerShdw blurRad="38100" dist="38100" dir="2700000" algn="tl">
+                    <a:srgbClr val="000000">
+                      <a:alpha val="43137"/>
+                    </a:srgbClr>
+                  </a:outerShdw>
+                </a:effectLst>
+              </a:rPr>
+              <a:t> </a:t>
+            </a:r>
+            <a:r>
+              <a:rPr lang="es-ES" sz="2400" b="1" dirty="0" err="1">
+                <a:effectLst>
+                  <a:outerShdw blurRad="38100" dist="38100" dir="2700000" algn="tl">
+                    <a:srgbClr val="000000">
+                      <a:alpha val="43137"/>
+                    </a:srgbClr>
+                  </a:outerShdw>
+                </a:effectLst>
+              </a:rPr>
+              <a:t>you</a:t>
+            </a:r>
+            <a:r>
+              <a:rPr lang="es-ES" sz="2400" b="1" dirty="0">
+                <a:effectLst>
+                  <a:outerShdw blurRad="38100" dist="38100" dir="2700000" algn="tl">
+                    <a:srgbClr val="000000">
+                      <a:alpha val="43137"/>
+                    </a:srgbClr>
+                  </a:outerShdw>
+                </a:effectLst>
+              </a:rPr>
+              <a:t>!</a:t>
+            </a:r>
+          </a:p>
+          <a:p>
+            <a:pPr algn="ctr">
+              <a:spcBef>
+                <a:spcPts val="1125"/>
+              </a:spcBef>
+              <a:buClrTx/>
+              <a:buFontTx/>
+              <a:buNone/>
+            </a:pPr>
+            <a:endParaRPr lang="es-ES" dirty="0"/>
+          </a:p>
+        </p:txBody>
+      </p:sp>
+      <p:pic>
+        <p:nvPicPr>
+          <p:cNvPr id="8195" name="Picture 3"/>
+          <p:cNvPicPr>
+            <a:picLocks noChangeAspect="1" noChangeArrowheads="1"/>
+          </p:cNvPicPr>
+          <p:nvPr/>
+        </p:nvPicPr>
+        <p:blipFill>
+          <a:blip r:embed="rId3">
+            <a:extLst>
+              <a:ext uri="{28A0092B-C50C-407E-A947-70E740481C1C}">
+                <a14:useLocalDpi xmlns:a14="http://schemas.microsoft.com/office/drawing/2010/main" val="0"/>
+              </a:ext>
+            </a:extLst>
+          </a:blip>
+          <a:srcRect/>
+          <a:stretch>
+            <a:fillRect/>
+          </a:stretch>
+        </p:blipFill>
+        <p:spPr bwMode="auto">
+          <a:xfrm>
+            <a:off x="3195638" y="3419475"/>
+            <a:ext cx="2924175" cy="695325"/>
+          </a:xfrm>
+          <a:prstGeom prst="rect">
+            <a:avLst/>
+          </a:prstGeom>
+          <a:noFill/>
+          <a:ln>
+            <a:noFill/>
+          </a:ln>
+          <a:effectLst/>
+          <a:extLst>
+            <a:ext uri="{909E8E84-426E-40DD-AFC4-6F175D3DCCD1}">
+              <a14:hiddenFill xmlns:a14="http://schemas.microsoft.com/office/drawing/2010/main">
+                <a:blipFill dpi="0" rotWithShape="0">
+                  <a:blip/>
+                  <a:srcRect/>
+                  <a:stretch>
+                    <a:fillRect/>
+                  </a:stretch>
+                </a:blipFill>
+              </a14:hiddenFill>
+            </a:ext>
+            <a:ext uri="{91240B29-F687-4F45-9708-019B960494DF}">
+              <a14:hiddenLine xmlns:a14="http://schemas.microsoft.com/office/drawing/2010/main" w="9525">
+                <a:solidFill>
+                  <a:srgbClr val="000000"/>
+                </a:solidFill>
+                <a:round/>
+                <a:headEnd/>
+                <a:tailEnd/>
+              </a14:hiddenLine>
+            </a:ext>
+            <a:ext uri="{AF507438-7753-43E0-B8FC-AC1667EBCBE1}">
+              <a14:hiddenEffects xmlns:a14="http://schemas.microsoft.com/office/drawing/2010/main">
+                <a:effectLst>
+                  <a:outerShdw dist="35921" dir="2700000" algn="ctr" rotWithShape="0">
+                    <a:srgbClr val="808080"/>
+                  </a:outerShdw>
+                </a:effectLst>
+              </a14:hiddenEffects>
+            </a:ext>
+          </a:extLst>
+        </p:spPr>
+      </p:pic>
+      <p:sp>
+        <p:nvSpPr>
+          <p:cNvPr id="9" name="Rectangle 1"/>
+          <p:cNvSpPr>
+            <a:spLocks noGrp="1" noChangeArrowheads="1"/>
+          </p:cNvSpPr>
+          <p:nvPr>
+            <p:ph type="title"/>
+          </p:nvPr>
+        </p:nvSpPr>
+        <p:spPr>
+          <a:xfrm>
+            <a:off x="611560" y="296863"/>
+            <a:ext cx="7989887" cy="2124075"/>
+          </a:xfrm>
+          <a:ln/>
+        </p:spPr>
+        <p:txBody>
+          <a:bodyPr/>
+          <a:lstStyle/>
+          <a:p>
+            <a:pPr algn="ctr">
+              <a:buClrTx/>
+              <a:buFontTx/>
+              <a:buNone/>
+              <a:tabLst>
+                <a:tab pos="0" algn="l"/>
+                <a:tab pos="447675" algn="l"/>
+                <a:tab pos="896938" algn="l"/>
+                <a:tab pos="1346200" algn="l"/>
+                <a:tab pos="1795463" algn="l"/>
+                <a:tab pos="2244725" algn="l"/>
+                <a:tab pos="2693988" algn="l"/>
+                <a:tab pos="3143250" algn="l"/>
+                <a:tab pos="3592513" algn="l"/>
+                <a:tab pos="4041775" algn="l"/>
+                <a:tab pos="4491038" algn="l"/>
+                <a:tab pos="4940300" algn="l"/>
+                <a:tab pos="5389563" algn="l"/>
+                <a:tab pos="5838825" algn="l"/>
+                <a:tab pos="6288088" algn="l"/>
+                <a:tab pos="6737350" algn="l"/>
+                <a:tab pos="7186613" algn="l"/>
+                <a:tab pos="7635875" algn="l"/>
+                <a:tab pos="8085138" algn="l"/>
+                <a:tab pos="8534400" algn="l"/>
+                <a:tab pos="8983663" algn="l"/>
+              </a:tabLst>
+            </a:pPr>
+            <a:r>
+              <a:rPr lang="en-GB" b="1" dirty="0" smtClean="0">
+                <a:effectLst>
+                  <a:outerShdw blurRad="38100" dist="38100" dir="2700000" algn="tl">
+                    <a:srgbClr val="000000">
+                      <a:alpha val="43137"/>
+                    </a:srgbClr>
+                  </a:outerShdw>
+                </a:effectLst>
+              </a:rPr>
+              <a:t>Spatial Role </a:t>
+            </a:r>
+            <a:r>
+              <a:rPr lang="en-GB" b="1" dirty="0" err="1" smtClean="0">
+                <a:effectLst>
+                  <a:outerShdw blurRad="38100" dist="38100" dir="2700000" algn="tl">
+                    <a:srgbClr val="000000">
+                      <a:alpha val="43137"/>
+                    </a:srgbClr>
+                  </a:outerShdw>
+                </a:effectLst>
+              </a:rPr>
+              <a:t>Labeling</a:t>
+            </a:r>
+            <a:r>
+              <a:rPr lang="en-GB" b="1" dirty="0">
+                <a:effectLst>
+                  <a:outerShdw blurRad="38100" dist="38100" dir="2700000" algn="tl">
+                    <a:srgbClr val="000000">
+                      <a:alpha val="43137"/>
+                    </a:srgbClr>
+                  </a:outerShdw>
+                </a:effectLst>
+              </a:rPr>
+              <a:t/>
+            </a:r>
+            <a:br>
+              <a:rPr lang="en-GB" b="1" dirty="0">
+                <a:effectLst>
+                  <a:outerShdw blurRad="38100" dist="38100" dir="2700000" algn="tl">
+                    <a:srgbClr val="000000">
+                      <a:alpha val="43137"/>
+                    </a:srgbClr>
+                  </a:outerShdw>
+                </a:effectLst>
+              </a:rPr>
+            </a:br>
+            <a:r>
+              <a:rPr lang="en-GB" b="1" dirty="0" smtClean="0">
+                <a:effectLst>
+                  <a:outerShdw blurRad="38100" dist="38100" dir="2700000" algn="tl">
+                    <a:srgbClr val="000000">
+                      <a:alpha val="43137"/>
+                    </a:srgbClr>
+                  </a:outerShdw>
+                </a:effectLst>
+              </a:rPr>
+              <a:t>Task for </a:t>
+            </a:r>
+            <a:r>
+              <a:rPr lang="en-GB" b="1" dirty="0" err="1" smtClean="0">
+                <a:effectLst>
+                  <a:outerShdw blurRad="38100" dist="38100" dir="2700000" algn="tl">
+                    <a:srgbClr val="000000">
+                      <a:alpha val="43137"/>
+                    </a:srgbClr>
+                  </a:outerShdw>
+                </a:effectLst>
+              </a:rPr>
+              <a:t>SemEval</a:t>
+            </a:r>
+            <a:r>
+              <a:rPr lang="en-GB" b="1" dirty="0" smtClean="0">
+                <a:effectLst>
+                  <a:outerShdw blurRad="38100" dist="38100" dir="2700000" algn="tl">
+                    <a:srgbClr val="000000">
+                      <a:alpha val="43137"/>
+                    </a:srgbClr>
+                  </a:outerShdw>
+                </a:effectLst>
+              </a:rPr>
+              <a:t> 2012</a:t>
+            </a:r>
+            <a:endParaRPr lang="en-GB" b="1" dirty="0">
+              <a:effectLst>
+                <a:outerShdw blurRad="38100" dist="38100" dir="2700000" algn="tl">
+                  <a:srgbClr val="000000">
+                    <a:alpha val="43137"/>
+                  </a:srgbClr>
+                </a:outerShdw>
+              </a:effectLst>
+            </a:endParaRPr>
+          </a:p>
+        </p:txBody>
+      </p:sp>
+      <p:sp>
+        <p:nvSpPr>
+          <p:cNvPr id="3" name="2 Marcador de número de diapositiva"/>
+          <p:cNvSpPr>
+            <a:spLocks noGrp="1"/>
+          </p:cNvSpPr>
+          <p:nvPr>
+            <p:ph type="sldNum" idx="12"/>
+          </p:nvPr>
+        </p:nvSpPr>
+        <p:spPr/>
+        <p:txBody>
+          <a:bodyPr/>
+          <a:lstStyle/>
+          <a:p>
+            <a:fld id="{DAC7916D-032C-4751-912E-DD21B962C781}" type="slidenum">
+              <a:rPr lang="es-ES" smtClean="0"/>
+              <a:pPr/>
+              <a:t>21</a:t>
+            </a:fld>
+            <a:endParaRPr lang="es-ES"/>
+          </a:p>
+        </p:txBody>
+      </p:sp>
+    </p:spTree>
+  </p:cSld>
+  <p:clrMapOvr>
+    <a:masterClrMapping/>
+  </p:clrMapOvr>
+  <p:transition>
+    <p:wipe dir="r"/>
+  </p:transition>
+  <p:timing>
+    <p:tnLst>
+      <p:par>
+        <p:cTn id="1" dur="indefinite" restart="never" nodeType="tmRoot">
+          <p:childTnLst>
+            <p:seq concurrent="1" nextAc="seek">
+              <p:cTn id="2" dur="indefinite" nodeType="mainSeq"/>
+              <p:prevCondLst>
+                <p:cond evt="onPrev" delay="0">
+                  <p:tgtEl>
+                    <p:sldTgt/>
+                  </p:tgtEl>
+                </p:cond>
+              </p:prevCondLst>
+              <p:nextCondLst>
+                <p:cond evt="onNext" delay="0">
+                  <p:tgtEl>
+                    <p:sldTgt/>
+                  </p:tgtEl>
+                </p:cond>
+              </p:nextCondLst>
+            </p:seq>
+          </p:childTnLst>
+        </p:cTn>
+      </p:par>
+    </p:tnLst>
+  </p:timing>
+</p:sld>
+</file>
+
 <file path=ppt/slides/slide3.xml><?xml version="1.0" encoding="utf-8"?>
 <p:sld xmlns:a="http://schemas.openxmlformats.org/drawingml/2006/main" xmlns:r="http://schemas.openxmlformats.org/officeDocument/2006/relationships" xmlns:p="http://schemas.openxmlformats.org/presentationml/2006/main">
   <p:cSld>
@@ -22653,16 +25236,7 @@
                 </a:solidFill>
                 <a:latin typeface="CMR10" charset="0"/>
               </a:rPr>
-              <a:t> and landmark are classified collectively</a:t>
-            </a:r>
-            <a:r>
-              <a:rPr lang="en-US" sz="1800" dirty="0" smtClean="0">
-                <a:solidFill>
-                  <a:schemeClr val="tx1"/>
-                </a:solidFill>
-                <a:latin typeface="CMR10" charset="0"/>
-              </a:rPr>
-              <a:t>.</a:t>
+              <a:t> and landmark are classified collectively.</a:t>
             </a:r>
           </a:p>
           <a:p>
@@ -22724,12 +25298,6 @@
               </a:rPr>
               <a:t>, landmark&gt;.</a:t>
             </a:r>
-            <a:endParaRPr lang="en-US" sz="1800" dirty="0" smtClean="0">
-              <a:solidFill>
-                <a:schemeClr val="tx1"/>
-              </a:solidFill>
-              <a:latin typeface="CMR10" charset="0"/>
-            </a:endParaRPr>
           </a:p>
           <a:p>
             <a:pPr marL="1265237" lvl="2" indent="-457200" algn="just">
@@ -23682,12 +26250,6 @@
               </a:rPr>
               <a:t>).</a:t>
             </a:r>
-            <a:endParaRPr lang="en-US" sz="2000" dirty="0" smtClean="0">
-              <a:solidFill>
-                <a:schemeClr val="tx1"/>
-              </a:solidFill>
-              <a:latin typeface="CMR10" charset="0"/>
-            </a:endParaRPr>
           </a:p>
           <a:p>
             <a:pPr marL="865187" lvl="1" indent="-457200" algn="just">
@@ -23754,12 +26316,6 @@
               </a:rPr>
               <a:t>landmarks.</a:t>
             </a:r>
-            <a:endParaRPr lang="en-US" sz="2000" i="1" dirty="0" smtClean="0">
-              <a:solidFill>
-                <a:schemeClr val="tx1"/>
-              </a:solidFill>
-              <a:latin typeface="CMR10" charset="0"/>
-            </a:endParaRPr>
           </a:p>
           <a:p>
             <a:pPr marL="465137" indent="-457200" algn="just">
@@ -26223,7 +28779,7 @@
                 </a:solidFill>
                 <a:latin typeface="CMR10" charset="0"/>
               </a:rPr>
-              <a:t>Spatial information can be expressed through a verb or primarily by using </a:t>
+              <a:t>Spatial information can be expressed </a:t>
             </a:r>
             <a:r>
               <a:rPr lang="en-US" sz="2400" dirty="0" smtClean="0">
@@ -26232,14 +28788,26 @@
                 </a:solidFill>
                 <a:latin typeface="CMR10" charset="0"/>
               </a:rPr>
-              <a:t>prepositions, but we concentrate on the prepositions.</a:t>
-            </a:r>
-            <a:endParaRPr lang="en-US" sz="2400" dirty="0" smtClean="0">
-              <a:solidFill>
-                <a:schemeClr val="tx1"/>
-              </a:solidFill>
-              <a:latin typeface="CMR10" charset="0"/>
-            </a:endParaRPr>
+              <a:t>primarily </a:t>
+            </a:r>
+            <a:r>
+              <a:rPr lang="en-US" sz="2400" dirty="0" smtClean="0">
+                <a:solidFill>
+                  <a:schemeClr val="tx1"/>
+                </a:solidFill>
+                <a:latin typeface="CMR10" charset="0"/>
+              </a:rPr>
+              <a:t>by using </a:t>
+            </a:r>
+            <a:r>
+              <a:rPr lang="en-US" sz="2400" dirty="0" smtClean="0">
+                <a:solidFill>
+                  <a:schemeClr val="tx1"/>
+                </a:solidFill>
+                <a:latin typeface="CMR10" charset="0"/>
+              </a:rPr>
+              <a:t>prepositions.</a:t>
+            </a:r>
           </a:p>
           <a:p>
             <a:pPr marL="465137" indent="-457200" algn="just">
@@ -26270,42 +28838,6 @@
                 <a:tab pos="8983663" algn="l"/>
               </a:tabLst>
             </a:pPr>
-            <a:endParaRPr lang="en-US" sz="2400" dirty="0" smtClean="0">
-              <a:solidFill>
-                <a:schemeClr val="tx1"/>
-              </a:solidFill>
-              <a:latin typeface="CMR10" charset="0"/>
-            </a:endParaRPr>
-          </a:p>
-          <a:p>
-            <a:pPr marL="465137" indent="-457200" algn="just">
-              <a:buClrTx/>
-              <a:buFont typeface="Wingdings" pitchFamily="2" charset="2"/>
-              <a:buChar char="q"/>
-              <a:tabLst>
-                <a:tab pos="342900" algn="l"/>
-                <a:tab pos="447675" algn="l"/>
-                <a:tab pos="896938" algn="l"/>
-                <a:tab pos="1346200" algn="l"/>
-                <a:tab pos="1795463" algn="l"/>
-                <a:tab pos="2244725" algn="l"/>
-                <a:tab pos="2693988" algn="l"/>
-                <a:tab pos="3143250" algn="l"/>
-                <a:tab pos="3592513" algn="l"/>
-                <a:tab pos="4041775" algn="l"/>
-                <a:tab pos="4491038" algn="l"/>
-                <a:tab pos="4940300" algn="l"/>
-                <a:tab pos="5389563" algn="l"/>
-                <a:tab pos="5838825" algn="l"/>
-                <a:tab pos="6288088" algn="l"/>
-                <a:tab pos="6737350" algn="l"/>
-                <a:tab pos="7186613" algn="l"/>
-                <a:tab pos="7635875" algn="l"/>
-                <a:tab pos="8085138" algn="l"/>
-                <a:tab pos="8534400" algn="l"/>
-                <a:tab pos="8983663" algn="l"/>
-              </a:tabLst>
-            </a:pPr>
             <a:r>
               <a:rPr lang="en-US" sz="2400" dirty="0" smtClean="0">
                 <a:solidFill>
@@ -26313,433 +28845,325 @@
                 </a:solidFill>
                 <a:latin typeface="CMR10" charset="0"/>
               </a:rPr>
-              <a:t>We aim to classify:</a:t>
-            </a:r>
-            <a:endParaRPr lang="en-US" sz="2400" dirty="0">
-              <a:solidFill>
-                <a:schemeClr val="tx1"/>
-              </a:solidFill>
-              <a:latin typeface="CMR10" charset="0"/>
-            </a:endParaRPr>
-          </a:p>
-          <a:p>
-            <a:pPr marL="865187" lvl="1" indent="-457200" algn="just">
-              <a:buClrTx/>
-              <a:buFont typeface="Wingdings" pitchFamily="2" charset="2"/>
-              <a:buChar char="§"/>
-              <a:tabLst>
-                <a:tab pos="342900" algn="l"/>
-                <a:tab pos="447675" algn="l"/>
-                <a:tab pos="896938" algn="l"/>
-                <a:tab pos="1346200" algn="l"/>
-                <a:tab pos="1795463" algn="l"/>
-                <a:tab pos="2244725" algn="l"/>
-                <a:tab pos="2693988" algn="l"/>
-                <a:tab pos="3143250" algn="l"/>
-                <a:tab pos="3592513" algn="l"/>
-                <a:tab pos="4041775" algn="l"/>
-                <a:tab pos="4491038" algn="l"/>
-                <a:tab pos="4940300" algn="l"/>
-                <a:tab pos="5389563" algn="l"/>
-                <a:tab pos="5838825" algn="l"/>
-                <a:tab pos="6288088" algn="l"/>
-                <a:tab pos="6737350" algn="l"/>
-                <a:tab pos="7186613" algn="l"/>
-                <a:tab pos="7635875" algn="l"/>
-                <a:tab pos="8085138" algn="l"/>
-                <a:tab pos="8534400" algn="l"/>
-                <a:tab pos="8983663" algn="l"/>
-              </a:tabLst>
-            </a:pPr>
-            <a:r>
-              <a:rPr lang="en-US" sz="2000" dirty="0" smtClean="0">
+              <a:t>Task: classify prepositions on “SI” or “not SI” </a:t>
+            </a:r>
+            <a:r>
+              <a:rPr lang="en-US" sz="2400" dirty="0" smtClean="0">
                 <a:solidFill>
                   <a:schemeClr val="tx1"/>
                 </a:solidFill>
                 <a:latin typeface="CMR10" charset="0"/>
               </a:rPr>
-              <a:t>Preposition </a:t>
-            </a:r>
-            <a:r>
-              <a:rPr lang="en-US" sz="2000" dirty="0" smtClean="0">
+              <a:t>from these </a:t>
+            </a:r>
+            <a:r>
+              <a:rPr lang="en-US" sz="2400" dirty="0" smtClean="0">
                 <a:solidFill>
                   <a:schemeClr val="tx1"/>
                 </a:solidFill>
                 <a:latin typeface="CMR10" charset="0"/>
               </a:rPr>
-              <a:t>itself.</a:t>
-            </a:r>
-            <a:endParaRPr lang="en-US" sz="2000" dirty="0" smtClean="0">
-              <a:solidFill>
-                <a:schemeClr val="tx1"/>
-              </a:solidFill>
-              <a:latin typeface="CMR10" charset="0"/>
-            </a:endParaRPr>
-          </a:p>
-          <a:p>
-            <a:pPr marL="865187" lvl="1" indent="-457200" algn="just">
-              <a:buClrTx/>
-              <a:buFont typeface="Wingdings" pitchFamily="2" charset="2"/>
-              <a:buChar char="§"/>
-              <a:tabLst>
-                <a:tab pos="342900" algn="l"/>
-                <a:tab pos="447675" algn="l"/>
-                <a:tab pos="896938" algn="l"/>
-                <a:tab pos="1346200" algn="l"/>
-                <a:tab pos="1795463" algn="l"/>
-                <a:tab pos="2244725" algn="l"/>
-                <a:tab pos="2693988" algn="l"/>
-                <a:tab pos="3143250" algn="l"/>
-                <a:tab pos="3592513" algn="l"/>
-                <a:tab pos="4041775" algn="l"/>
-                <a:tab pos="4491038" algn="l"/>
-                <a:tab pos="4940300" algn="l"/>
-                <a:tab pos="5389563" algn="l"/>
-                <a:tab pos="5838825" algn="l"/>
-                <a:tab pos="6288088" algn="l"/>
-                <a:tab pos="6737350" algn="l"/>
-                <a:tab pos="7186613" algn="l"/>
-                <a:tab pos="7635875" algn="l"/>
-                <a:tab pos="8085138" algn="l"/>
-                <a:tab pos="8534400" algn="l"/>
-                <a:tab pos="8983663" algn="l"/>
-              </a:tabLst>
+              <a:t>Features:</a:t>
+            </a:r>
+          </a:p>
+          <a:p>
+            <a:pPr marL="857250" lvl="2" indent="-285750">
+              <a:lnSpc>
+                <a:spcPct val="95000"/>
+              </a:lnSpc>
+              <a:spcBef>
+                <a:spcPct val="0"/>
+              </a:spcBef>
+              <a:buSzPct val="80000"/>
+              <a:buFont typeface="Courier New" pitchFamily="49" charset="0"/>
+              <a:buChar char="o"/>
             </a:pPr>
             <a:r>
-              <a:rPr lang="en-US" sz="2000" dirty="0" smtClean="0">
-                <a:solidFill>
-                  <a:schemeClr val="tx1"/>
-                </a:solidFill>
-                <a:latin typeface="CMR10" charset="0"/>
+              <a:rPr lang="en-US" sz="1800" dirty="0">
+                <a:solidFill>
+                  <a:srgbClr val="000000"/>
+                </a:solidFill>
+                <a:latin typeface="Arial" pitchFamily="34" charset="0"/>
               </a:rPr>
-              <a:t>From the dependency parser:</a:t>
-            </a:r>
-          </a:p>
-          <a:p>
-            <a:pPr marL="1265237" lvl="2" indent="-457200" algn="just">
-              <a:buClrTx/>
-              <a:buFont typeface="Wingdings" pitchFamily="2" charset="2"/>
-              <a:buChar char="§"/>
-              <a:tabLst>
-                <a:tab pos="342900" algn="l"/>
-                <a:tab pos="447675" algn="l"/>
-                <a:tab pos="896938" algn="l"/>
-                <a:tab pos="1346200" algn="l"/>
-                <a:tab pos="1795463" algn="l"/>
-                <a:tab pos="2244725" algn="l"/>
-                <a:tab pos="2693988" algn="l"/>
-                <a:tab pos="3143250" algn="l"/>
-                <a:tab pos="3592513" algn="l"/>
-                <a:tab pos="4041775" algn="l"/>
-                <a:tab pos="4491038" algn="l"/>
-                <a:tab pos="4940300" algn="l"/>
-                <a:tab pos="5389563" algn="l"/>
-                <a:tab pos="5838825" algn="l"/>
-                <a:tab pos="6288088" algn="l"/>
-                <a:tab pos="6737350" algn="l"/>
-                <a:tab pos="7186613" algn="l"/>
-                <a:tab pos="7635875" algn="l"/>
-                <a:tab pos="8085138" algn="l"/>
-                <a:tab pos="8534400" algn="l"/>
-                <a:tab pos="8983663" algn="l"/>
-              </a:tabLst>
+              <a:t>PREPOSITION</a:t>
+            </a:r>
+            <a:endParaRPr lang="en-US" dirty="0"/>
+          </a:p>
+          <a:p>
+            <a:pPr marL="857250" lvl="2" indent="-285750">
+              <a:lnSpc>
+                <a:spcPct val="95000"/>
+              </a:lnSpc>
+              <a:spcBef>
+                <a:spcPct val="0"/>
+              </a:spcBef>
+              <a:buSzPct val="80000"/>
+              <a:buFont typeface="Courier New" pitchFamily="49" charset="0"/>
+              <a:buChar char="o"/>
             </a:pPr>
             <a:r>
-              <a:rPr lang="en-US" sz="1600" dirty="0" smtClean="0">
-                <a:solidFill>
-                  <a:schemeClr val="tx1"/>
-                </a:solidFill>
-                <a:latin typeface="CMR10" charset="0"/>
+              <a:rPr lang="en-US" sz="1800" dirty="0">
+                <a:solidFill>
+                  <a:srgbClr val="000000"/>
+                </a:solidFill>
+                <a:latin typeface="Arial" pitchFamily="34" charset="0"/>
               </a:rPr>
-              <a:t>Head1 </a:t>
-            </a:r>
-            <a:r>
-              <a:rPr lang="en-US" sz="1600" dirty="0" smtClean="0">
-                <a:solidFill>
-                  <a:schemeClr val="tx1"/>
-                </a:solidFill>
-                <a:latin typeface="CMR10" charset="0"/>
-                <a:sym typeface="Wingdings" pitchFamily="2" charset="2"/>
+              <a:t>PREPOSITION_POS</a:t>
+            </a:r>
+            <a:endParaRPr lang="en-US" dirty="0"/>
+          </a:p>
+          <a:p>
+            <a:pPr>
+              <a:lnSpc>
+                <a:spcPct val="95000"/>
+              </a:lnSpc>
+              <a:spcBef>
+                <a:spcPct val="0"/>
+              </a:spcBef>
+            </a:pPr>
+            <a:r>
+              <a:rPr lang="en-US" sz="1800" dirty="0">
+                <a:solidFill>
+                  <a:srgbClr val="000000"/>
+                </a:solidFill>
+                <a:latin typeface="Arial" pitchFamily="34" charset="0"/>
               </a:rPr>
-              <a:t> </a:t>
-            </a:r>
-            <a:r>
-              <a:rPr lang="en-US" sz="1600" dirty="0" smtClean="0">
-                <a:solidFill>
-                  <a:schemeClr val="tx1"/>
-                </a:solidFill>
-                <a:latin typeface="CMR10" charset="0"/>
+              <a:t>            (from dependency tree (Stanford Parser))</a:t>
+            </a:r>
+            <a:endParaRPr lang="en-US" dirty="0"/>
+          </a:p>
+          <a:p>
+            <a:pPr marL="857250" lvl="2" indent="-285750">
+              <a:lnSpc>
+                <a:spcPct val="95000"/>
+              </a:lnSpc>
+              <a:spcBef>
+                <a:spcPct val="0"/>
+              </a:spcBef>
+              <a:buSzPct val="80000"/>
+              <a:buFont typeface="Courier New" pitchFamily="49" charset="0"/>
+              <a:buChar char="o"/>
+            </a:pPr>
+            <a:r>
+              <a:rPr lang="en-US" sz="1800" dirty="0">
+                <a:solidFill>
+                  <a:srgbClr val="000000"/>
+                </a:solidFill>
+                <a:latin typeface="Arial" pitchFamily="34" charset="0"/>
               </a:rPr>
-              <a:t>Words directly dependent on the </a:t>
-            </a:r>
-            <a:r>
-              <a:rPr lang="en-US" sz="1600" dirty="0" smtClean="0">
-                <a:solidFill>
-                  <a:schemeClr val="tx1"/>
-                </a:solidFill>
-                <a:latin typeface="CMR10" charset="0"/>
+              <a:t>HEAD1: word directly dependent on the preposition</a:t>
+            </a:r>
+            <a:endParaRPr lang="en-US" dirty="0"/>
+          </a:p>
+          <a:p>
+            <a:pPr marL="857250" lvl="2" indent="-285750">
+              <a:lnSpc>
+                <a:spcPct val="95000"/>
+              </a:lnSpc>
+              <a:spcBef>
+                <a:spcPct val="0"/>
+              </a:spcBef>
+              <a:buSzPct val="80000"/>
+              <a:buFont typeface="Courier New" pitchFamily="49" charset="0"/>
+              <a:buChar char="o"/>
+            </a:pPr>
+            <a:r>
+              <a:rPr lang="en-US" sz="1800" dirty="0">
+                <a:solidFill>
+                  <a:srgbClr val="000000"/>
+                </a:solidFill>
+                <a:latin typeface="Arial" pitchFamily="34" charset="0"/>
               </a:rPr>
-              <a:t>preposition.</a:t>
-            </a:r>
-            <a:endParaRPr lang="en-US" sz="1600" dirty="0" smtClean="0">
-              <a:solidFill>
-                <a:schemeClr val="tx1"/>
-              </a:solidFill>
-              <a:latin typeface="CMR10" charset="0"/>
-            </a:endParaRPr>
-          </a:p>
-          <a:p>
-            <a:pPr marL="1265237" lvl="2" indent="-457200" algn="just">
-              <a:buClrTx/>
-              <a:buFont typeface="Wingdings" pitchFamily="2" charset="2"/>
-              <a:buChar char="§"/>
-              <a:tabLst>
-                <a:tab pos="342900" algn="l"/>
-                <a:tab pos="447675" algn="l"/>
-                <a:tab pos="896938" algn="l"/>
-                <a:tab pos="1346200" algn="l"/>
-                <a:tab pos="1795463" algn="l"/>
-                <a:tab pos="2244725" algn="l"/>
-                <a:tab pos="2693988" algn="l"/>
-                <a:tab pos="3143250" algn="l"/>
-                <a:tab pos="3592513" algn="l"/>
-                <a:tab pos="4041775" algn="l"/>
-                <a:tab pos="4491038" algn="l"/>
-                <a:tab pos="4940300" algn="l"/>
-                <a:tab pos="5389563" algn="l"/>
-                <a:tab pos="5838825" algn="l"/>
-                <a:tab pos="6288088" algn="l"/>
-                <a:tab pos="6737350" algn="l"/>
-                <a:tab pos="7186613" algn="l"/>
-                <a:tab pos="7635875" algn="l"/>
-                <a:tab pos="8085138" algn="l"/>
-                <a:tab pos="8534400" algn="l"/>
-                <a:tab pos="8983663" algn="l"/>
-              </a:tabLst>
+              <a:t>HEAD2: word on which the preposition is directly dependent</a:t>
+            </a:r>
+          </a:p>
+          <a:p>
+            <a:pPr marL="857250" lvl="2" indent="-285750">
+              <a:lnSpc>
+                <a:spcPct val="95000"/>
+              </a:lnSpc>
+              <a:spcBef>
+                <a:spcPct val="0"/>
+              </a:spcBef>
+              <a:buSzPct val="80000"/>
+              <a:buFont typeface="Courier New" pitchFamily="49" charset="0"/>
+              <a:buChar char="o"/>
             </a:pPr>
             <a:r>
-              <a:rPr lang="en-US" sz="1600" dirty="0" smtClean="0">
-                <a:solidFill>
-                  <a:schemeClr val="tx1"/>
-                </a:solidFill>
-                <a:latin typeface="CMR10" charset="0"/>
+              <a:rPr lang="en-US" sz="1800" dirty="0">
+                <a:solidFill>
+                  <a:srgbClr val="000000"/>
+                </a:solidFill>
+                <a:latin typeface="Arial" pitchFamily="34" charset="0"/>
               </a:rPr>
-              <a:t>Head2 </a:t>
-            </a:r>
-            <a:r>
-              <a:rPr lang="en-US" sz="1600" dirty="0" smtClean="0">
-                <a:solidFill>
-                  <a:schemeClr val="tx1"/>
-                </a:solidFill>
-                <a:latin typeface="CMR10" charset="0"/>
-                <a:sym typeface="Wingdings" pitchFamily="2" charset="2"/>
+              <a:t>HEAD1_LEMMA (</a:t>
+            </a:r>
+            <a:r>
+              <a:rPr lang="en-US" sz="1800" dirty="0" err="1">
+                <a:solidFill>
+                  <a:srgbClr val="000000"/>
+                </a:solidFill>
+                <a:latin typeface="Arial" pitchFamily="34" charset="0"/>
               </a:rPr>
-              <a:t> </a:t>
-            </a:r>
-            <a:r>
-              <a:rPr lang="en-US" sz="1600" dirty="0" smtClean="0">
-                <a:solidFill>
-                  <a:schemeClr val="tx1"/>
-                </a:solidFill>
-                <a:latin typeface="CMR10" charset="0"/>
+              <a:t>WordNet</a:t>
+            </a:r>
+            <a:r>
+              <a:rPr lang="en-US" sz="1800" dirty="0">
+                <a:solidFill>
+                  <a:srgbClr val="000000"/>
+                </a:solidFill>
+                <a:latin typeface="Arial" pitchFamily="34" charset="0"/>
               </a:rPr>
-              <a:t>Words on which the preposition is directly </a:t>
-            </a:r>
-            <a:r>
-              <a:rPr lang="en-US" sz="1600" dirty="0" smtClean="0">
-                <a:solidFill>
-                  <a:schemeClr val="tx1"/>
-                </a:solidFill>
-                <a:latin typeface="CMR10" charset="0"/>
+              <a:t>)</a:t>
+            </a:r>
+            <a:endParaRPr lang="en-US" dirty="0"/>
+          </a:p>
+          <a:p>
+            <a:pPr marL="857250" lvl="2" indent="-285750">
+              <a:lnSpc>
+                <a:spcPct val="95000"/>
+              </a:lnSpc>
+              <a:spcBef>
+                <a:spcPct val="0"/>
+              </a:spcBef>
+              <a:buSzPct val="80000"/>
+              <a:buFont typeface="Courier New" pitchFamily="49" charset="0"/>
+              <a:buChar char="o"/>
+            </a:pPr>
+            <a:r>
+              <a:rPr lang="en-US" sz="1800" dirty="0">
+                <a:solidFill>
+                  <a:srgbClr val="000000"/>
+                </a:solidFill>
+                <a:latin typeface="Arial" pitchFamily="34" charset="0"/>
               </a:rPr>
-              <a:t>dependent.</a:t>
-            </a:r>
-            <a:endParaRPr lang="en-US" sz="1600" dirty="0" smtClean="0">
-              <a:solidFill>
-                <a:schemeClr val="tx1"/>
-              </a:solidFill>
-              <a:latin typeface="CMR10" charset="0"/>
-            </a:endParaRPr>
-          </a:p>
-          <a:p>
-            <a:pPr marL="865187" lvl="1" indent="-457200" algn="just">
-              <a:buClrTx/>
-              <a:buFont typeface="Wingdings" pitchFamily="2" charset="2"/>
-              <a:buChar char="§"/>
-              <a:tabLst>
-                <a:tab pos="342900" algn="l"/>
-                <a:tab pos="447675" algn="l"/>
-                <a:tab pos="896938" algn="l"/>
-                <a:tab pos="1346200" algn="l"/>
-                <a:tab pos="1795463" algn="l"/>
-                <a:tab pos="2244725" algn="l"/>
-                <a:tab pos="2693988" algn="l"/>
-                <a:tab pos="3143250" algn="l"/>
-                <a:tab pos="3592513" algn="l"/>
-                <a:tab pos="4041775" algn="l"/>
-                <a:tab pos="4491038" algn="l"/>
-                <a:tab pos="4940300" algn="l"/>
-                <a:tab pos="5389563" algn="l"/>
-                <a:tab pos="5838825" algn="l"/>
-                <a:tab pos="6288088" algn="l"/>
-                <a:tab pos="6737350" algn="l"/>
-                <a:tab pos="7186613" algn="l"/>
-                <a:tab pos="7635875" algn="l"/>
-                <a:tab pos="8085138" algn="l"/>
-                <a:tab pos="8534400" algn="l"/>
-                <a:tab pos="8983663" algn="l"/>
-              </a:tabLst>
+              <a:t>HEAD1_POS (Stanford Parser)</a:t>
+            </a:r>
+            <a:endParaRPr lang="en-US" dirty="0"/>
+          </a:p>
+          <a:p>
+            <a:pPr marL="857250" lvl="2" indent="-285750">
+              <a:lnSpc>
+                <a:spcPct val="95000"/>
+              </a:lnSpc>
+              <a:spcBef>
+                <a:spcPct val="0"/>
+              </a:spcBef>
+              <a:buSzPct val="80000"/>
+              <a:buFont typeface="Courier New" pitchFamily="49" charset="0"/>
+              <a:buChar char="o"/>
             </a:pPr>
             <a:r>
-              <a:rPr lang="en-US" sz="2000" dirty="0" smtClean="0">
-                <a:solidFill>
-                  <a:schemeClr val="tx1"/>
-                </a:solidFill>
-                <a:latin typeface="CMR10" charset="0"/>
+              <a:rPr lang="en-US" sz="1800" dirty="0">
+                <a:solidFill>
+                  <a:srgbClr val="000000"/>
+                </a:solidFill>
+                <a:latin typeface="Arial" pitchFamily="34" charset="0"/>
               </a:rPr>
-              <a:t>Lemma.</a:t>
-            </a:r>
-            <a:endParaRPr lang="en-US" sz="2000" dirty="0" smtClean="0">
-              <a:solidFill>
-                <a:schemeClr val="tx1"/>
-              </a:solidFill>
-              <a:latin typeface="CMR10" charset="0"/>
-            </a:endParaRPr>
-          </a:p>
-          <a:p>
-            <a:pPr marL="865187" lvl="1" indent="-457200" algn="just">
-              <a:buClrTx/>
-              <a:buFont typeface="Wingdings" pitchFamily="2" charset="2"/>
-              <a:buChar char="§"/>
-              <a:tabLst>
-                <a:tab pos="342900" algn="l"/>
-                <a:tab pos="447675" algn="l"/>
-                <a:tab pos="896938" algn="l"/>
-                <a:tab pos="1346200" algn="l"/>
-                <a:tab pos="1795463" algn="l"/>
-                <a:tab pos="2244725" algn="l"/>
-                <a:tab pos="2693988" algn="l"/>
-                <a:tab pos="3143250" algn="l"/>
-                <a:tab pos="3592513" algn="l"/>
-                <a:tab pos="4041775" algn="l"/>
-                <a:tab pos="4491038" algn="l"/>
-                <a:tab pos="4940300" algn="l"/>
-                <a:tab pos="5389563" algn="l"/>
-                <a:tab pos="5838825" algn="l"/>
-                <a:tab pos="6288088" algn="l"/>
-                <a:tab pos="6737350" algn="l"/>
-                <a:tab pos="7186613" algn="l"/>
-                <a:tab pos="7635875" algn="l"/>
-                <a:tab pos="8085138" algn="l"/>
-                <a:tab pos="8534400" algn="l"/>
-                <a:tab pos="8983663" algn="l"/>
-              </a:tabLst>
+              <a:t>HEAD2_LEMMA (</a:t>
+            </a:r>
+            <a:r>
+              <a:rPr lang="en-US" sz="1800" dirty="0" err="1">
+                <a:solidFill>
+                  <a:srgbClr val="000000"/>
+                </a:solidFill>
+                <a:latin typeface="Arial" pitchFamily="34" charset="0"/>
+              </a:rPr>
+              <a:t>WordNet</a:t>
+            </a:r>
+            <a:r>
+              <a:rPr lang="en-US" sz="1800" dirty="0">
+                <a:solidFill>
+                  <a:srgbClr val="000000"/>
+                </a:solidFill>
+                <a:latin typeface="Arial" pitchFamily="34" charset="0"/>
+              </a:rPr>
+              <a:t>)</a:t>
+            </a:r>
+            <a:endParaRPr lang="en-US" dirty="0"/>
+          </a:p>
+          <a:p>
+            <a:pPr marL="857250" lvl="2" indent="-285750">
+              <a:lnSpc>
+                <a:spcPct val="95000"/>
+              </a:lnSpc>
+              <a:spcBef>
+                <a:spcPct val="0"/>
+              </a:spcBef>
+              <a:buSzPct val="80000"/>
+              <a:buFont typeface="Courier New" pitchFamily="49" charset="0"/>
+              <a:buChar char="o"/>
             </a:pPr>
             <a:r>
-              <a:rPr lang="en-US" sz="2000" dirty="0" smtClean="0">
-                <a:solidFill>
-                  <a:schemeClr val="tx1"/>
-                </a:solidFill>
-                <a:latin typeface="CMR10" charset="0"/>
+              <a:rPr lang="en-US" sz="1800" dirty="0">
+                <a:solidFill>
+                  <a:srgbClr val="000000"/>
+                </a:solidFill>
+                <a:latin typeface="Arial" pitchFamily="34" charset="0"/>
               </a:rPr>
-              <a:t>Part-Of-Speech tag (POS</a:t>
-            </a:r>
-            <a:r>
-              <a:rPr lang="en-US" sz="2000" dirty="0" smtClean="0">
-                <a:solidFill>
-                  <a:schemeClr val="tx1"/>
-                </a:solidFill>
-                <a:latin typeface="CMR10" charset="0"/>
+              <a:t>HEAD2_POS (Stanford Parser)</a:t>
+            </a:r>
+            <a:endParaRPr lang="en-US" dirty="0"/>
+          </a:p>
+          <a:p>
+            <a:pPr>
+              <a:lnSpc>
+                <a:spcPct val="95000"/>
+              </a:lnSpc>
+              <a:spcBef>
+                <a:spcPct val="0"/>
+              </a:spcBef>
+            </a:pPr>
+            <a:r>
+              <a:rPr lang="en-US" sz="1800" dirty="0">
+                <a:solidFill>
+                  <a:srgbClr val="000000"/>
+                </a:solidFill>
+                <a:latin typeface="Arial" pitchFamily="34" charset="0"/>
               </a:rPr>
-              <a:t>).</a:t>
-            </a:r>
-            <a:endParaRPr lang="en-US" sz="2000" dirty="0" smtClean="0">
-              <a:solidFill>
-                <a:schemeClr val="tx1"/>
-              </a:solidFill>
-              <a:latin typeface="CMR10" charset="0"/>
-            </a:endParaRPr>
-          </a:p>
-          <a:p>
-            <a:pPr marL="865187" lvl="1" indent="-457200" algn="just">
-              <a:buClrTx/>
-              <a:buFont typeface="Wingdings" pitchFamily="2" charset="2"/>
-              <a:buChar char="§"/>
-              <a:tabLst>
-                <a:tab pos="342900" algn="l"/>
-                <a:tab pos="447675" algn="l"/>
-                <a:tab pos="896938" algn="l"/>
-                <a:tab pos="1346200" algn="l"/>
-                <a:tab pos="1795463" algn="l"/>
-                <a:tab pos="2244725" algn="l"/>
-                <a:tab pos="2693988" algn="l"/>
-                <a:tab pos="3143250" algn="l"/>
-                <a:tab pos="3592513" algn="l"/>
-                <a:tab pos="4041775" algn="l"/>
-                <a:tab pos="4491038" algn="l"/>
-                <a:tab pos="4940300" algn="l"/>
-                <a:tab pos="5389563" algn="l"/>
-                <a:tab pos="5838825" algn="l"/>
-                <a:tab pos="6288088" algn="l"/>
-                <a:tab pos="6737350" algn="l"/>
-                <a:tab pos="7186613" algn="l"/>
-                <a:tab pos="7635875" algn="l"/>
-                <a:tab pos="8085138" algn="l"/>
-                <a:tab pos="8534400" algn="l"/>
-                <a:tab pos="8983663" algn="l"/>
-              </a:tabLst>
+              <a:t>            (from TPP dictionary)</a:t>
+            </a:r>
+            <a:endParaRPr lang="en-US" dirty="0"/>
+          </a:p>
+          <a:p>
+            <a:pPr marL="857250" lvl="2" indent="-285750">
+              <a:lnSpc>
+                <a:spcPct val="95000"/>
+              </a:lnSpc>
+              <a:spcBef>
+                <a:spcPct val="0"/>
+              </a:spcBef>
+              <a:buSzPct val="80000"/>
+              <a:buFont typeface="Courier New" pitchFamily="49" charset="0"/>
+              <a:buChar char="o"/>
             </a:pPr>
             <a:r>
-              <a:rPr lang="en-US" sz="2000" dirty="0" err="1" smtClean="0">
-                <a:solidFill>
-                  <a:schemeClr val="tx1"/>
-                </a:solidFill>
-                <a:latin typeface="CMR10" charset="0"/>
+              <a:rPr lang="en-US" sz="1800" dirty="0">
+                <a:solidFill>
+                  <a:srgbClr val="000000"/>
+                </a:solidFill>
+                <a:latin typeface="Arial" pitchFamily="34" charset="0"/>
               </a:rPr>
-              <a:t>DePendency</a:t>
-            </a:r>
-            <a:r>
-              <a:rPr lang="en-US" sz="2000" dirty="0" smtClean="0">
-                <a:solidFill>
-                  <a:schemeClr val="tx1"/>
-                </a:solidFill>
-                <a:latin typeface="CMR10" charset="0"/>
+              <a:t>PREP_SPATIAL: % of </a:t>
+            </a:r>
+            <a:r>
+              <a:rPr lang="en-US" sz="1800" dirty="0" err="1">
+                <a:solidFill>
+                  <a:srgbClr val="000000"/>
+                </a:solidFill>
+                <a:latin typeface="Arial" pitchFamily="34" charset="0"/>
               </a:rPr>
-              <a:t> </a:t>
-            </a:r>
-            <a:r>
-              <a:rPr lang="en-US" sz="2000" dirty="0" err="1" smtClean="0">
-                <a:solidFill>
-                  <a:schemeClr val="tx1"/>
-                </a:solidFill>
-                <a:latin typeface="CMR10" charset="0"/>
+              <a:t>acceptions</a:t>
+            </a:r>
+            <a:r>
+              <a:rPr lang="en-US" sz="1800" dirty="0">
+                <a:solidFill>
+                  <a:srgbClr val="000000"/>
+                </a:solidFill>
+                <a:latin typeface="Arial" pitchFamily="34" charset="0"/>
               </a:rPr>
-              <a:t>ReLation</a:t>
-            </a:r>
-            <a:r>
-              <a:rPr lang="en-US" sz="2000" dirty="0" smtClean="0">
-                <a:solidFill>
-                  <a:schemeClr val="tx1"/>
-                </a:solidFill>
-                <a:latin typeface="CMR10" charset="0"/>
-              </a:rPr>
-              <a:t> (DPRL</a:t>
-            </a:r>
-            <a:r>
-              <a:rPr lang="en-US" sz="2000" dirty="0" smtClean="0">
-                <a:solidFill>
-                  <a:schemeClr val="tx1"/>
-                </a:solidFill>
-                <a:latin typeface="CMR10" charset="0"/>
-              </a:rPr>
-              <a:t>).</a:t>
-            </a:r>
-            <a:endParaRPr lang="en-US" sz="2000" dirty="0" smtClean="0">
-              <a:solidFill>
-                <a:schemeClr val="tx1"/>
-              </a:solidFill>
-              <a:latin typeface="CMR10" charset="0"/>
-            </a:endParaRPr>
+              <a:t> where preposition is spatial.</a:t>
+            </a:r>
           </a:p>
           <a:p>
             <a:pPr marL="465137" indent="-457200" algn="just">
@@ -27431,6 +29855,9 @@
                     <p:cTn id="3" fill="hold">
                       <p:stCondLst>
                         <p:cond delay="indefinite"/>
+                        <p:cond evt="onBegin" delay="0">
+                          <p:tn val="2"/>
+                        </p:cond>
                       </p:stCondLst>
                       <p:childTnLst>
                         <p:par>
@@ -27440,7 +29867,7 @@
                             </p:stCondLst>
                             <p:childTnLst>
                               <p:par>
-                                <p:cTn id="5" presetID="10" presetClass="entr" presetSubtype="0" fill="hold" nodeType="clickEffect">
+                                <p:cTn id="5" presetID="10" presetClass="entr" presetSubtype="0" fill="hold" nodeType="withEffect">
                                   <p:stCondLst>
                                     <p:cond delay="0"/>
                                   </p:stCondLst>
@@ -27455,7 +29882,7 @@
                                         <p:tgtEl>
                                           <p:spTgt spid="5121">
                                             <p:txEl>
-                                              <p:pRg st="2" end="2"/>
+                                              <p:pRg st="1" end="1"/>
                                             </p:txEl>
                                           </p:spTgt>
                                         </p:tgtEl>
@@ -27473,7 +29900,7 @@
                                         <p:tgtEl>
                                           <p:spTgt spid="5121">
                                             <p:txEl>
-                                              <p:pRg st="2" end="2"/>
+                                              <p:pRg st="1" end="1"/>
                                             </p:txEl>
                                           </p:spTgt>
                                         </p:tgtEl>
@@ -27498,7 +29925,7 @@
                                         <p:tgtEl>
                                           <p:spTgt spid="5121">
                                             <p:txEl>
-                                              <p:pRg st="3" end="3"/>
+                                              <p:pRg st="2" end="2"/>
                                             </p:txEl>
                                           </p:spTgt>
                                         </p:tgtEl>
@@ -27516,7 +29943,7 @@
                                         <p:tgtEl>
                                           <p:spTgt spid="5121">
                                             <p:txEl>
-                                              <p:pRg st="3" end="3"/>
+                                              <p:pRg st="2" end="2"/>
                                             </p:txEl>
                                           </p:spTgt>
                                         </p:tgtEl>
@@ -27541,7 +29968,7 @@
                                         <p:tgtEl>
                                           <p:spTgt spid="5121">
                                             <p:txEl>
-                                              <p:pRg st="4" end="4"/>
+                                              <p:pRg st="3" end="3"/>
                                             </p:txEl>
                                           </p:spTgt>
                                         </p:tgtEl>
@@ -27559,7 +29986,7 @@
                                         <p:tgtEl>
                                           <p:spTgt spid="5121">
                                             <p:txEl>
-                                              <p:pRg st="4" end="4"/>
+                                              <p:pRg st="3" end="3"/>
                                             </p:txEl>
                                           </p:spTgt>
                                         </p:tgtEl>
@@ -27584,7 +30011,7 @@
                                         <p:tgtEl>
                                           <p:spTgt spid="5121">
                                             <p:txEl>
-                                              <p:pRg st="5" end="5"/>
+                                              <p:pRg st="4" end="4"/>
                                             </p:txEl>
                                           </p:spTgt>
                                         </p:tgtEl>
@@ -27602,7 +30029,7 @@
                                         <p:tgtEl>
                                           <p:spTgt spid="5121">
                                             <p:txEl>
-                                              <p:pRg st="5" end="5"/>
+                                              <p:pRg st="4" end="4"/>
                                             </p:txEl>
                                           </p:spTgt>
                                         </p:tgtEl>
@@ -27627,7 +30054,7 @@
                                         <p:tgtEl>
                                           <p:spTgt spid="5121">
                                             <p:txEl>
-                                              <p:pRg st="6" end="6"/>
+                                              <p:pRg st="5" end="5"/>
                                             </p:txEl>
                                           </p:spTgt>
                                         </p:tgtEl>
@@ -27645,7 +30072,7 @@
                                         <p:tgtEl>
                                           <p:spTgt spid="5121">
                                             <p:txEl>
-                                              <p:pRg st="6" end="6"/>
+                                              <p:pRg st="5" end="5"/>
                                             </p:txEl>
                                           </p:spTgt>
                                         </p:tgtEl>
@@ -27670,7 +30097,7 @@
                                         <p:tgtEl>
                                           <p:spTgt spid="5121">
                                             <p:txEl>
-                                              <p:pRg st="7" end="7"/>
+                                              <p:pRg st="6" end="6"/>
                                             </p:txEl>
                                           </p:spTgt>
                                         </p:tgtEl>
@@ -27688,7 +30115,7 @@
                                         <p:tgtEl>
                                           <p:spTgt spid="5121">
                                             <p:txEl>
-                                              <p:pRg st="7" end="7"/>
+                                              <p:pRg st="6" end="6"/>
                                             </p:txEl>
                                           </p:spTgt>
                                         </p:tgtEl>
@@ -27713,7 +30140,7 @@
                                         <p:tgtEl>
                                           <p:spTgt spid="5121">
                                             <p:txEl>
-                                              <p:pRg st="8" end="8"/>
+                                              <p:pRg st="7" end="7"/>
                                             </p:txEl>
                                           </p:spTgt>
                                         </p:tgtEl>
@@ -27731,7 +30158,7 @@
                                         <p:tgtEl>
                                           <p:spTgt spid="5121">
                                             <p:txEl>
-                                              <p:pRg st="8" end="8"/>
+                                              <p:pRg st="7" end="7"/>
                                             </p:txEl>
                                           </p:spTgt>
                                         </p:tgtEl>
@@ -27756,7 +30183,7 @@
                                         <p:tgtEl>
                                           <p:spTgt spid="5121">
                                             <p:txEl>
-                                              <p:pRg st="9" end="9"/>
+                                              <p:pRg st="8" end="8"/>
                                             </p:txEl>
                                           </p:spTgt>
                                         </p:tgtEl>
@@ -27774,7 +30201,179 @@
                                         <p:tgtEl>
                                           <p:spTgt spid="5121">
                                             <p:txEl>
+                                              <p:pRg st="8" end="8"/>
+                                            </p:txEl>
+                                          </p:spTgt>
+                                        </p:tgtEl>
+                                      </p:cBhvr>
+                                    </p:animEffect>
+                                  </p:childTnLst>
+                                </p:cTn>
+                              </p:par>
+                              <p:par>
+                                <p:cTn id="29" presetID="10" presetClass="entr" presetSubtype="0" fill="hold" nodeType="withEffect">
+                                  <p:stCondLst>
+                                    <p:cond delay="0"/>
+                                  </p:stCondLst>
+                                  <p:childTnLst>
+                                    <p:set>
+                                      <p:cBhvr>
+                                        <p:cTn id="30" dur="1" fill="hold">
+                                          <p:stCondLst>
+                                            <p:cond delay="0"/>
+                                          </p:stCondLst>
+                                        </p:cTn>
+                                        <p:tgtEl>
+                                          <p:spTgt spid="5121">
+                                            <p:txEl>
                                               <p:pRg st="9" end="9"/>
+                                            </p:txEl>
+                                          </p:spTgt>
+                                        </p:tgtEl>
+                                        <p:attrNameLst>
+                                          <p:attrName>style.visibility</p:attrName>
+                                        </p:attrNameLst>
+                                      </p:cBhvr>
+                                      <p:to>
+                                        <p:strVal val="visible"/>
+                                      </p:to>
+                                    </p:set>
+                                    <p:animEffect transition="in" filter="fade">
+                                      <p:cBhvr>
+                                        <p:cTn id="31" dur="500"/>
+                                        <p:tgtEl>
+                                          <p:spTgt spid="5121">
+                                            <p:txEl>
+                                              <p:pRg st="9" end="9"/>
+                                            </p:txEl>
+                                          </p:spTgt>
+                                        </p:tgtEl>
+                                      </p:cBhvr>
+                                    </p:animEffect>
+                                  </p:childTnLst>
+                                </p:cTn>
+                              </p:par>
+                              <p:par>
+                                <p:cTn id="32" presetID="10" presetClass="entr" presetSubtype="0" fill="hold" nodeType="withEffect">
+                                  <p:stCondLst>
+                                    <p:cond delay="0"/>
+                                  </p:stCondLst>
+                                  <p:childTnLst>
+                                    <p:set>
+                                      <p:cBhvr>
+                                        <p:cTn id="33" dur="1" fill="hold">
+                                          <p:stCondLst>
+                                            <p:cond delay="0"/>
+                                          </p:stCondLst>
+                                        </p:cTn>
+                                        <p:tgtEl>
+                                          <p:spTgt spid="5121">
+                                            <p:txEl>
+                                              <p:pRg st="10" end="10"/>
+                                            </p:txEl>
+                                          </p:spTgt>
+                                        </p:tgtEl>
+                                        <p:attrNameLst>
+                                          <p:attrName>style.visibility</p:attrName>
+                                        </p:attrNameLst>
+                                      </p:cBhvr>
+                                      <p:to>
+                                        <p:strVal val="visible"/>
+                                      </p:to>
+                                    </p:set>
+                                    <p:animEffect transition="in" filter="fade">
+                                      <p:cBhvr>
+                                        <p:cTn id="34" dur="500"/>
+                                        <p:tgtEl>
+                                          <p:spTgt spid="5121">
+                                            <p:txEl>
+                                              <p:pRg st="10" end="10"/>
+                                            </p:txEl>
+                                          </p:spTgt>
+                                        </p:tgtEl>
+                                      </p:cBhvr>
+                                    </p:animEffect>
+                                  </p:childTnLst>
+                                </p:cTn>
+                              </p:par>
+                              <p:par>
+                                <p:cTn id="35" presetID="10" presetClass="entr" presetSubtype="0" fill="hold" nodeType="withEffect">
+                                  <p:stCondLst>
+                                    <p:cond delay="0"/>
+                                  </p:stCondLst>
+                                  <p:childTnLst>
+                                    <p:set>
+                                      <p:cBhvr>
+                                        <p:cTn id="36" dur="1" fill="hold">
+                                          <p:stCondLst>
+                                            <p:cond delay="0"/>
+                                          </p:stCondLst>
+                                        </p:cTn>
+                                        <p:tgtEl>
+                                          <p:spTgt spid="5121">
+                                            <p:txEl>
+                                              <p:pRg st="11" end="11"/>
+                                            </p:txEl>
+                                          </p:spTgt>
+                                        </p:tgtEl>
+                                        <p:attrNameLst>
+                                          <p:attrName>style.visibility</p:attrName>
+                                        </p:attrNameLst>
+                                      </p:cBhvr>
+                                      <p:to>
+                                        <p:strVal val="visible"/>
+                                      </p:to>
+                                    </p:set>
+                                    <p:animEffect transition="in" filter="fade">
+                                      <p:cBhvr>
+                                        <p:cTn id="37" dur="500"/>
+                                        <p:tgtEl>
+                                          <p:spTgt spid="5121">
+                                            <p:txEl>
+                                              <p:pRg st="11" end="11"/>
+                                            </p:txEl>
+                                          </p:spTgt>
+                                        </p:tgtEl>
+                                      </p:cBhvr>
+                                    </p:animEffect>
+                                  </p:childTnLst>
+                                </p:cTn>
+                              </p:par>
+                              <p:par>
+                                <p:cTn id="38" presetID="10" presetClass="entr" presetSubtype="0" fill="hold" nodeType="withEffect">
+                                  <p:stCondLst>
+                                    <p:cond delay="0"/>
+                                  </p:stCondLst>
+                                  <p:childTnLst>
+                                    <p:set>
+                                      <p:cBhvr>
+                                        <p:cTn id="39" dur="1" fill="hold">
+                                          <p:stCondLst>
+                                            <p:cond delay="0"/>
+                                          </p:stCondLst>
+                                        </p:cTn>
+                                        <p:tgtEl>
+                                          <p:spTgt spid="5121">
+                                            <p:txEl>
+                                              <p:pRg st="12" end="12"/>
+                                            </p:txEl>
+                                          </p:spTgt>
+                                        </p:tgtEl>
+                                        <p:attrNameLst>
+                                          <p:attrName>style.visibility</p:attrName>
+                                        </p:attrNameLst>
+                                      </p:cBhvr>
+                                      <p:to>
+                                        <p:strVal val="visible"/>
+                                      </p:to>
+                                    </p:set>
+                                    <p:animEffect transition="in" filter="fade">
+                                      <p:cBhvr>
+                                        <p:cTn id="40" dur="500"/>
+                                        <p:tgtEl>
+                                          <p:spTgt spid="5121">
+                                            <p:txEl>
+                                              <p:pRg st="12" end="12"/>
                                             </p:txEl>
                                           </p:spTgt>
                                         </p:tgtEl>
@@ -27925,12 +30524,6 @@
               </a:rPr>
               <a:t>Criteria taken to extract the features head1 and head2 is the left part of the SI and the right part of the SI, respectively.</a:t>
             </a:r>
-            <a:endParaRPr lang="en-US" sz="2400" dirty="0" smtClean="0">
-              <a:solidFill>
-                <a:schemeClr val="tx1"/>
-              </a:solidFill>
-              <a:latin typeface="CMR10" charset="0"/>
-            </a:endParaRPr>
           </a:p>
           <a:p>
             <a:pPr marL="465137" indent="-457200" algn="just">
